--- a/documentation/draft/message/message.pptx
+++ b/documentation/draft/message/message.pptx
@@ -6,12 +6,13 @@
   </p:sldMasterIdLst>
   <p:sldIdLst>
     <p:sldId id="256" r:id="rId2"/>
-    <p:sldId id="260" r:id="rId3"/>
-    <p:sldId id="259" r:id="rId4"/>
-    <p:sldId id="262" r:id="rId5"/>
-    <p:sldId id="257" r:id="rId6"/>
-    <p:sldId id="261" r:id="rId7"/>
-    <p:sldId id="258" r:id="rId8"/>
+    <p:sldId id="263" r:id="rId3"/>
+    <p:sldId id="260" r:id="rId4"/>
+    <p:sldId id="259" r:id="rId5"/>
+    <p:sldId id="262" r:id="rId6"/>
+    <p:sldId id="257" r:id="rId7"/>
+    <p:sldId id="261" r:id="rId8"/>
+    <p:sldId id="258" r:id="rId9"/>
   </p:sldIdLst>
   <p:sldSz cx="9144000" cy="6858000" type="screen4x3"/>
   <p:notesSz cx="6858000" cy="9144000"/>
@@ -294,7 +295,8 @@
           <a:p>
             <a:fld id="{FB30EDBD-1C2D-4C1E-B459-B60219FAB484}" type="datetimeFigureOut">
               <a:rPr lang="ko-KR" altLang="en-US" smtClean="0"/>
-              <a:t>2012-06-22</a:t>
+              <a:pPr/>
+              <a:t>2012-10-18</a:t>
             </a:fld>
             <a:endParaRPr lang="ko-KR" altLang="en-US"/>
           </a:p>
@@ -336,6 +338,7 @@
           <a:p>
             <a:fld id="{4BEDD84E-25D4-4983-8AA1-2863C96F08D9}" type="slidenum">
               <a:rPr lang="ko-KR" altLang="en-US" smtClean="0"/>
+              <a:pPr/>
               <a:t>‹#›</a:t>
             </a:fld>
             <a:endParaRPr lang="ko-KR" altLang="en-US"/>
@@ -459,7 +462,8 @@
           <a:p>
             <a:fld id="{FB30EDBD-1C2D-4C1E-B459-B60219FAB484}" type="datetimeFigureOut">
               <a:rPr lang="ko-KR" altLang="en-US" smtClean="0"/>
-              <a:t>2012-06-22</a:t>
+              <a:pPr/>
+              <a:t>2012-10-18</a:t>
             </a:fld>
             <a:endParaRPr lang="ko-KR" altLang="en-US"/>
           </a:p>
@@ -501,6 +505,7 @@
           <a:p>
             <a:fld id="{4BEDD84E-25D4-4983-8AA1-2863C96F08D9}" type="slidenum">
               <a:rPr lang="ko-KR" altLang="en-US" smtClean="0"/>
+              <a:pPr/>
               <a:t>‹#›</a:t>
             </a:fld>
             <a:endParaRPr lang="ko-KR" altLang="en-US"/>
@@ -634,7 +639,8 @@
           <a:p>
             <a:fld id="{FB30EDBD-1C2D-4C1E-B459-B60219FAB484}" type="datetimeFigureOut">
               <a:rPr lang="ko-KR" altLang="en-US" smtClean="0"/>
-              <a:t>2012-06-22</a:t>
+              <a:pPr/>
+              <a:t>2012-10-18</a:t>
             </a:fld>
             <a:endParaRPr lang="ko-KR" altLang="en-US"/>
           </a:p>
@@ -676,6 +682,7 @@
           <a:p>
             <a:fld id="{4BEDD84E-25D4-4983-8AA1-2863C96F08D9}" type="slidenum">
               <a:rPr lang="ko-KR" altLang="en-US" smtClean="0"/>
+              <a:pPr/>
               <a:t>‹#›</a:t>
             </a:fld>
             <a:endParaRPr lang="ko-KR" altLang="en-US"/>
@@ -799,7 +806,8 @@
           <a:p>
             <a:fld id="{FB30EDBD-1C2D-4C1E-B459-B60219FAB484}" type="datetimeFigureOut">
               <a:rPr lang="ko-KR" altLang="en-US" smtClean="0"/>
-              <a:t>2012-06-22</a:t>
+              <a:pPr/>
+              <a:t>2012-10-18</a:t>
             </a:fld>
             <a:endParaRPr lang="ko-KR" altLang="en-US"/>
           </a:p>
@@ -841,6 +849,7 @@
           <a:p>
             <a:fld id="{4BEDD84E-25D4-4983-8AA1-2863C96F08D9}" type="slidenum">
               <a:rPr lang="ko-KR" altLang="en-US" smtClean="0"/>
+              <a:pPr/>
               <a:t>‹#›</a:t>
             </a:fld>
             <a:endParaRPr lang="ko-KR" altLang="en-US"/>
@@ -1040,7 +1049,8 @@
           <a:p>
             <a:fld id="{FB30EDBD-1C2D-4C1E-B459-B60219FAB484}" type="datetimeFigureOut">
               <a:rPr lang="ko-KR" altLang="en-US" smtClean="0"/>
-              <a:t>2012-06-22</a:t>
+              <a:pPr/>
+              <a:t>2012-10-18</a:t>
             </a:fld>
             <a:endParaRPr lang="ko-KR" altLang="en-US"/>
           </a:p>
@@ -1082,6 +1092,7 @@
           <a:p>
             <a:fld id="{4BEDD84E-25D4-4983-8AA1-2863C96F08D9}" type="slidenum">
               <a:rPr lang="ko-KR" altLang="en-US" smtClean="0"/>
+              <a:pPr/>
               <a:t>‹#›</a:t>
             </a:fld>
             <a:endParaRPr lang="ko-KR" altLang="en-US"/>
@@ -1323,7 +1334,8 @@
           <a:p>
             <a:fld id="{FB30EDBD-1C2D-4C1E-B459-B60219FAB484}" type="datetimeFigureOut">
               <a:rPr lang="ko-KR" altLang="en-US" smtClean="0"/>
-              <a:t>2012-06-22</a:t>
+              <a:pPr/>
+              <a:t>2012-10-18</a:t>
             </a:fld>
             <a:endParaRPr lang="ko-KR" altLang="en-US"/>
           </a:p>
@@ -1365,6 +1377,7 @@
           <a:p>
             <a:fld id="{4BEDD84E-25D4-4983-8AA1-2863C96F08D9}" type="slidenum">
               <a:rPr lang="ko-KR" altLang="en-US" smtClean="0"/>
+              <a:pPr/>
               <a:t>‹#›</a:t>
             </a:fld>
             <a:endParaRPr lang="ko-KR" altLang="en-US"/>
@@ -1740,7 +1753,8 @@
           <a:p>
             <a:fld id="{FB30EDBD-1C2D-4C1E-B459-B60219FAB484}" type="datetimeFigureOut">
               <a:rPr lang="ko-KR" altLang="en-US" smtClean="0"/>
-              <a:t>2012-06-22</a:t>
+              <a:pPr/>
+              <a:t>2012-10-18</a:t>
             </a:fld>
             <a:endParaRPr lang="ko-KR" altLang="en-US"/>
           </a:p>
@@ -1782,6 +1796,7 @@
           <a:p>
             <a:fld id="{4BEDD84E-25D4-4983-8AA1-2863C96F08D9}" type="slidenum">
               <a:rPr lang="ko-KR" altLang="en-US" smtClean="0"/>
+              <a:pPr/>
               <a:t>‹#›</a:t>
             </a:fld>
             <a:endParaRPr lang="ko-KR" altLang="en-US"/>
@@ -1853,7 +1868,8 @@
           <a:p>
             <a:fld id="{FB30EDBD-1C2D-4C1E-B459-B60219FAB484}" type="datetimeFigureOut">
               <a:rPr lang="ko-KR" altLang="en-US" smtClean="0"/>
-              <a:t>2012-06-22</a:t>
+              <a:pPr/>
+              <a:t>2012-10-18</a:t>
             </a:fld>
             <a:endParaRPr lang="ko-KR" altLang="en-US"/>
           </a:p>
@@ -1895,6 +1911,7 @@
           <a:p>
             <a:fld id="{4BEDD84E-25D4-4983-8AA1-2863C96F08D9}" type="slidenum">
               <a:rPr lang="ko-KR" altLang="en-US" smtClean="0"/>
+              <a:pPr/>
               <a:t>‹#›</a:t>
             </a:fld>
             <a:endParaRPr lang="ko-KR" altLang="en-US"/>
@@ -1943,7 +1960,8 @@
           <a:p>
             <a:fld id="{FB30EDBD-1C2D-4C1E-B459-B60219FAB484}" type="datetimeFigureOut">
               <a:rPr lang="ko-KR" altLang="en-US" smtClean="0"/>
-              <a:t>2012-06-22</a:t>
+              <a:pPr/>
+              <a:t>2012-10-18</a:t>
             </a:fld>
             <a:endParaRPr lang="ko-KR" altLang="en-US"/>
           </a:p>
@@ -1985,6 +2003,7 @@
           <a:p>
             <a:fld id="{4BEDD84E-25D4-4983-8AA1-2863C96F08D9}" type="slidenum">
               <a:rPr lang="ko-KR" altLang="en-US" smtClean="0"/>
+              <a:pPr/>
               <a:t>‹#›</a:t>
             </a:fld>
             <a:endParaRPr lang="ko-KR" altLang="en-US"/>
@@ -2215,7 +2234,8 @@
           <a:p>
             <a:fld id="{FB30EDBD-1C2D-4C1E-B459-B60219FAB484}" type="datetimeFigureOut">
               <a:rPr lang="ko-KR" altLang="en-US" smtClean="0"/>
-              <a:t>2012-06-22</a:t>
+              <a:pPr/>
+              <a:t>2012-10-18</a:t>
             </a:fld>
             <a:endParaRPr lang="ko-KR" altLang="en-US"/>
           </a:p>
@@ -2257,6 +2277,7 @@
           <a:p>
             <a:fld id="{4BEDD84E-25D4-4983-8AA1-2863C96F08D9}" type="slidenum">
               <a:rPr lang="ko-KR" altLang="en-US" smtClean="0"/>
+              <a:pPr/>
               <a:t>‹#›</a:t>
             </a:fld>
             <a:endParaRPr lang="ko-KR" altLang="en-US"/>
@@ -2463,7 +2484,8 @@
           <a:p>
             <a:fld id="{FB30EDBD-1C2D-4C1E-B459-B60219FAB484}" type="datetimeFigureOut">
               <a:rPr lang="ko-KR" altLang="en-US" smtClean="0"/>
-              <a:t>2012-06-22</a:t>
+              <a:pPr/>
+              <a:t>2012-10-18</a:t>
             </a:fld>
             <a:endParaRPr lang="ko-KR" altLang="en-US"/>
           </a:p>
@@ -2505,6 +2527,7 @@
           <a:p>
             <a:fld id="{4BEDD84E-25D4-4983-8AA1-2863C96F08D9}" type="slidenum">
               <a:rPr lang="ko-KR" altLang="en-US" smtClean="0"/>
+              <a:pPr/>
               <a:t>‹#›</a:t>
             </a:fld>
             <a:endParaRPr lang="ko-KR" altLang="en-US"/>
@@ -2671,7 +2694,8 @@
           <a:p>
             <a:fld id="{FB30EDBD-1C2D-4C1E-B459-B60219FAB484}" type="datetimeFigureOut">
               <a:rPr lang="ko-KR" altLang="en-US" smtClean="0"/>
-              <a:t>2012-06-22</a:t>
+              <a:pPr/>
+              <a:t>2012-10-18</a:t>
             </a:fld>
             <a:endParaRPr lang="ko-KR" altLang="en-US"/>
           </a:p>
@@ -2749,6 +2773,7 @@
           <a:p>
             <a:fld id="{4BEDD84E-25D4-4983-8AA1-2863C96F08D9}" type="slidenum">
               <a:rPr lang="ko-KR" altLang="en-US" smtClean="0"/>
+              <a:pPr/>
               <a:t>‹#›</a:t>
             </a:fld>
             <a:endParaRPr lang="ko-KR" altLang="en-US"/>
@@ -3025,7 +3050,7 @@
 </file>
 
 <file path=ppt/slides/slide1.xml><?xml version="1.0" encoding="utf-8"?>
-<p:sld xmlns:a="http://schemas.openxmlformats.org/drawingml/2006/main" xmlns:r="http://schemas.openxmlformats.org/officeDocument/2006/relationships" xmlns:p="http://schemas.openxmlformats.org/presentationml/2006/main">
+<p:sld xmlns:a="http://schemas.openxmlformats.org/drawingml/2006/main" xmlns:r="http://schemas.openxmlformats.org/officeDocument/2006/relationships" xmlns:p="http://schemas.openxmlformats.org/presentationml/2006/main" show="0">
   <p:cSld>
     <p:spTree>
       <p:nvGrpSpPr>
@@ -3041,1681 +3066,1733 @@
           <a:chExt cx="0" cy="0"/>
         </a:xfrm>
       </p:grpSpPr>
-      <p:cxnSp>
-        <p:nvCxnSpPr>
-          <p:cNvPr id="84" name="직선 화살표 연결선 83"/>
-          <p:cNvCxnSpPr/>
-          <p:nvPr/>
-        </p:nvCxnSpPr>
-        <p:spPr>
-          <a:xfrm>
-            <a:off x="3923928" y="5800296"/>
-            <a:ext cx="1944216" cy="0"/>
-          </a:xfrm>
-          <a:prstGeom prst="straightConnector1">
-            <a:avLst/>
-          </a:prstGeom>
-          <a:ln w="25400" cmpd="sng">
-            <a:solidFill>
-              <a:schemeClr val="tx1"/>
-            </a:solidFill>
-            <a:tailEnd type="triangle"/>
+      <p:sp>
+        <p:nvSpPr>
+          <p:cNvPr id="4" name="직사각형 3"/>
+          <p:cNvSpPr/>
+          <p:nvPr/>
+        </p:nvSpPr>
+        <p:spPr>
+          <a:xfrm>
+            <a:off x="4788024" y="5517232"/>
+            <a:ext cx="1080120" cy="432048"/>
+          </a:xfrm>
+          <a:prstGeom prst="rect">
+            <a:avLst/>
+          </a:prstGeom>
+          <a:solidFill>
+            <a:srgbClr val="7030A0"/>
+          </a:solidFill>
+        </p:spPr>
+        <p:style>
+          <a:lnRef idx="2">
+            <a:schemeClr val="dk1"/>
+          </a:lnRef>
+          <a:fillRef idx="1">
+            <a:schemeClr val="lt1"/>
+          </a:fillRef>
+          <a:effectRef idx="0">
+            <a:schemeClr val="dk1"/>
+          </a:effectRef>
+          <a:fontRef idx="minor">
+            <a:schemeClr val="dk1"/>
+          </a:fontRef>
+        </p:style>
+        <p:txBody>
+          <a:bodyPr rtlCol="0" anchor="ctr"/>
+          <a:lstStyle/>
+          <a:p>
+            <a:pPr algn="ctr"/>
+            <a:r>
+              <a:rPr lang="en-US" altLang="ko-KR" sz="900" b="1" dirty="0" smtClean="0">
+                <a:solidFill>
+                  <a:schemeClr val="bg1"/>
+                </a:solidFill>
+              </a:rPr>
+              <a:t>DAO</a:t>
+            </a:r>
+            <a:endParaRPr lang="ko-KR" altLang="en-US" sz="900" b="1" dirty="0">
+              <a:solidFill>
+                <a:schemeClr val="bg1"/>
+              </a:solidFill>
+            </a:endParaRPr>
+          </a:p>
+        </p:txBody>
+      </p:sp>
+      <p:sp>
+        <p:nvSpPr>
+          <p:cNvPr id="5" name="직사각형 4"/>
+          <p:cNvSpPr/>
+          <p:nvPr/>
+        </p:nvSpPr>
+        <p:spPr>
+          <a:xfrm>
+            <a:off x="4788024" y="5013176"/>
+            <a:ext cx="1080120" cy="432048"/>
+          </a:xfrm>
+          <a:prstGeom prst="rect">
+            <a:avLst/>
+          </a:prstGeom>
+          <a:solidFill>
+            <a:srgbClr val="7030A0"/>
+          </a:solidFill>
+        </p:spPr>
+        <p:style>
+          <a:lnRef idx="2">
+            <a:schemeClr val="dk1"/>
+          </a:lnRef>
+          <a:fillRef idx="1">
+            <a:schemeClr val="lt1"/>
+          </a:fillRef>
+          <a:effectRef idx="0">
+            <a:schemeClr val="dk1"/>
+          </a:effectRef>
+          <a:fontRef idx="minor">
+            <a:schemeClr val="dk1"/>
+          </a:fontRef>
+        </p:style>
+        <p:txBody>
+          <a:bodyPr rtlCol="0" anchor="ctr"/>
+          <a:lstStyle/>
+          <a:p>
+            <a:pPr algn="ctr"/>
+            <a:r>
+              <a:rPr lang="en-US" altLang="ko-KR" sz="900" b="1" dirty="0" smtClean="0">
+                <a:solidFill>
+                  <a:schemeClr val="bg1"/>
+                </a:solidFill>
+              </a:rPr>
+              <a:t>Manager</a:t>
+            </a:r>
+            <a:endParaRPr lang="ko-KR" altLang="en-US" sz="900" b="1" dirty="0">
+              <a:solidFill>
+                <a:schemeClr val="bg1"/>
+              </a:solidFill>
+            </a:endParaRPr>
+          </a:p>
+        </p:txBody>
+      </p:sp>
+      <p:sp>
+        <p:nvSpPr>
+          <p:cNvPr id="6" name="직사각형 5"/>
+          <p:cNvSpPr/>
+          <p:nvPr/>
+        </p:nvSpPr>
+        <p:spPr>
+          <a:xfrm>
+            <a:off x="4788024" y="4509120"/>
+            <a:ext cx="1080120" cy="432048"/>
+          </a:xfrm>
+          <a:prstGeom prst="rect">
+            <a:avLst/>
+          </a:prstGeom>
+          <a:solidFill>
+            <a:srgbClr val="7030A0"/>
+          </a:solidFill>
+        </p:spPr>
+        <p:style>
+          <a:lnRef idx="2">
+            <a:schemeClr val="dk1"/>
+          </a:lnRef>
+          <a:fillRef idx="1">
+            <a:schemeClr val="lt1"/>
+          </a:fillRef>
+          <a:effectRef idx="0">
+            <a:schemeClr val="dk1"/>
+          </a:effectRef>
+          <a:fontRef idx="minor">
+            <a:schemeClr val="dk1"/>
+          </a:fontRef>
+        </p:style>
+        <p:txBody>
+          <a:bodyPr rtlCol="0" anchor="ctr"/>
+          <a:lstStyle/>
+          <a:p>
+            <a:pPr algn="ctr"/>
+            <a:r>
+              <a:rPr lang="en-US" altLang="ko-KR" sz="900" b="1" dirty="0" smtClean="0">
+                <a:solidFill>
+                  <a:schemeClr val="bg1"/>
+                </a:solidFill>
+              </a:rPr>
+              <a:t>Service</a:t>
+            </a:r>
+            <a:endParaRPr lang="ko-KR" altLang="en-US" sz="900" b="1" dirty="0">
+              <a:solidFill>
+                <a:schemeClr val="bg1"/>
+              </a:solidFill>
+            </a:endParaRPr>
+          </a:p>
+        </p:txBody>
+      </p:sp>
+      <p:sp>
+        <p:nvSpPr>
+          <p:cNvPr id="7" name="직사각형 6"/>
+          <p:cNvSpPr/>
+          <p:nvPr/>
+        </p:nvSpPr>
+        <p:spPr>
+          <a:xfrm>
+            <a:off x="4788024" y="2276872"/>
+            <a:ext cx="1080120" cy="432048"/>
+          </a:xfrm>
+          <a:prstGeom prst="rect">
+            <a:avLst/>
+          </a:prstGeom>
+          <a:solidFill>
+            <a:srgbClr val="92D050"/>
+          </a:solidFill>
+        </p:spPr>
+        <p:style>
+          <a:lnRef idx="2">
+            <a:schemeClr val="dk1"/>
+          </a:lnRef>
+          <a:fillRef idx="1">
+            <a:schemeClr val="lt1"/>
+          </a:fillRef>
+          <a:effectRef idx="0">
+            <a:schemeClr val="dk1"/>
+          </a:effectRef>
+          <a:fontRef idx="minor">
+            <a:schemeClr val="dk1"/>
+          </a:fontRef>
+        </p:style>
+        <p:txBody>
+          <a:bodyPr rtlCol="0" anchor="ctr"/>
+          <a:lstStyle/>
+          <a:p>
+            <a:pPr algn="ctr"/>
+            <a:r>
+              <a:rPr lang="en-US" altLang="ko-KR" sz="900" b="1" dirty="0" smtClean="0"/>
+              <a:t>Controller</a:t>
+            </a:r>
+            <a:endParaRPr lang="ko-KR" altLang="en-US" sz="900" b="1" dirty="0"/>
+          </a:p>
+        </p:txBody>
+      </p:sp>
+      <p:sp>
+        <p:nvSpPr>
+          <p:cNvPr id="8" name="직사각형 7"/>
+          <p:cNvSpPr/>
+          <p:nvPr/>
+        </p:nvSpPr>
+        <p:spPr>
+          <a:xfrm>
+            <a:off x="2483768" y="1268760"/>
+            <a:ext cx="1080120" cy="432048"/>
+          </a:xfrm>
+          <a:prstGeom prst="rect">
+            <a:avLst/>
+          </a:prstGeom>
+          <a:solidFill>
+            <a:srgbClr val="92D050"/>
+          </a:solidFill>
+        </p:spPr>
+        <p:style>
+          <a:lnRef idx="2">
+            <a:schemeClr val="dk1"/>
+          </a:lnRef>
+          <a:fillRef idx="1">
+            <a:schemeClr val="lt1"/>
+          </a:fillRef>
+          <a:effectRef idx="0">
+            <a:schemeClr val="dk1"/>
+          </a:effectRef>
+          <a:fontRef idx="minor">
+            <a:schemeClr val="dk1"/>
+          </a:fontRef>
+        </p:style>
+        <p:txBody>
+          <a:bodyPr rtlCol="0" anchor="ctr"/>
+          <a:lstStyle/>
+          <a:p>
+            <a:pPr algn="ctr"/>
+            <a:r>
+              <a:rPr lang="en-US" altLang="ko-KR" sz="900" b="1" dirty="0" smtClean="0"/>
+              <a:t>Dispatcher Servlet</a:t>
+            </a:r>
+            <a:endParaRPr lang="ko-KR" altLang="en-US" sz="900" b="1" dirty="0"/>
+          </a:p>
+        </p:txBody>
+      </p:sp>
+      <p:sp>
+        <p:nvSpPr>
+          <p:cNvPr id="9" name="직사각형 8"/>
+          <p:cNvSpPr/>
+          <p:nvPr/>
+        </p:nvSpPr>
+        <p:spPr>
+          <a:xfrm>
+            <a:off x="3635896" y="2276872"/>
+            <a:ext cx="1080120" cy="432048"/>
+          </a:xfrm>
+          <a:prstGeom prst="rect">
+            <a:avLst/>
+          </a:prstGeom>
+          <a:solidFill>
+            <a:srgbClr val="92D050"/>
+          </a:solidFill>
+          <a:ln>
+            <a:prstDash val="dash"/>
           </a:ln>
         </p:spPr>
         <p:style>
-          <a:lnRef idx="1">
-            <a:schemeClr val="accent1"/>
-          </a:lnRef>
-          <a:fillRef idx="0">
-            <a:schemeClr val="accent1"/>
-          </a:fillRef>
-          <a:effectRef idx="0">
-            <a:schemeClr val="accent1"/>
-          </a:effectRef>
-          <a:fontRef idx="minor">
-            <a:schemeClr val="tx1"/>
-          </a:fontRef>
-        </p:style>
-      </p:cxnSp>
-      <p:cxnSp>
-        <p:nvCxnSpPr>
-          <p:cNvPr id="85" name="직선 화살표 연결선 84"/>
-          <p:cNvCxnSpPr/>
-          <p:nvPr/>
-        </p:nvCxnSpPr>
-        <p:spPr>
-          <a:xfrm flipH="1">
-            <a:off x="3923928" y="5952696"/>
-            <a:ext cx="1944216" cy="0"/>
-          </a:xfrm>
-          <a:prstGeom prst="straightConnector1">
-            <a:avLst/>
-          </a:prstGeom>
-          <a:ln w="25400" cmpd="sng">
-            <a:solidFill>
-              <a:schemeClr val="tx1"/>
-            </a:solidFill>
-            <a:tailEnd type="triangle"/>
+          <a:lnRef idx="2">
+            <a:schemeClr val="dk1"/>
+          </a:lnRef>
+          <a:fillRef idx="1">
+            <a:schemeClr val="lt1"/>
+          </a:fillRef>
+          <a:effectRef idx="0">
+            <a:schemeClr val="dk1"/>
+          </a:effectRef>
+          <a:fontRef idx="minor">
+            <a:schemeClr val="dk1"/>
+          </a:fontRef>
+        </p:style>
+        <p:txBody>
+          <a:bodyPr rtlCol="0" anchor="ctr"/>
+          <a:lstStyle/>
+          <a:p>
+            <a:pPr algn="ctr"/>
+            <a:r>
+              <a:rPr lang="en-US" altLang="ko-KR" sz="900" b="1" dirty="0" smtClean="0"/>
+              <a:t>Handler Interceptor</a:t>
+            </a:r>
+            <a:endParaRPr lang="ko-KR" altLang="en-US" sz="900" b="1" dirty="0"/>
+          </a:p>
+        </p:txBody>
+      </p:sp>
+      <p:sp>
+        <p:nvSpPr>
+          <p:cNvPr id="10" name="직사각형 9"/>
+          <p:cNvSpPr/>
+          <p:nvPr/>
+        </p:nvSpPr>
+        <p:spPr>
+          <a:xfrm>
+            <a:off x="7092280" y="1772816"/>
+            <a:ext cx="1080120" cy="432048"/>
+          </a:xfrm>
+          <a:prstGeom prst="rect">
+            <a:avLst/>
+          </a:prstGeom>
+          <a:solidFill>
+            <a:srgbClr val="92D050"/>
+          </a:solidFill>
+          <a:ln>
+            <a:prstDash val="dash"/>
           </a:ln>
         </p:spPr>
         <p:style>
-          <a:lnRef idx="1">
-            <a:schemeClr val="accent1"/>
-          </a:lnRef>
-          <a:fillRef idx="0">
-            <a:schemeClr val="accent1"/>
-          </a:fillRef>
-          <a:effectRef idx="0">
-            <a:schemeClr val="accent1"/>
-          </a:effectRef>
-          <a:fontRef idx="minor">
-            <a:schemeClr val="tx1"/>
-          </a:fontRef>
-        </p:style>
-      </p:cxnSp>
-      <p:cxnSp>
-        <p:nvCxnSpPr>
-          <p:cNvPr id="73" name="직선 화살표 연결선 72"/>
-          <p:cNvCxnSpPr/>
-          <p:nvPr/>
-        </p:nvCxnSpPr>
-        <p:spPr>
-          <a:xfrm>
-            <a:off x="3923928" y="1906896"/>
-            <a:ext cx="3456384" cy="0"/>
-          </a:xfrm>
-          <a:prstGeom prst="straightConnector1">
-            <a:avLst/>
-          </a:prstGeom>
-          <a:ln w="25400" cmpd="sng">
-            <a:solidFill>
-              <a:schemeClr val="tx1"/>
-            </a:solidFill>
-            <a:tailEnd type="triangle"/>
+          <a:lnRef idx="2">
+            <a:schemeClr val="dk1"/>
+          </a:lnRef>
+          <a:fillRef idx="1">
+            <a:schemeClr val="lt1"/>
+          </a:fillRef>
+          <a:effectRef idx="0">
+            <a:schemeClr val="dk1"/>
+          </a:effectRef>
+          <a:fontRef idx="minor">
+            <a:schemeClr val="dk1"/>
+          </a:fontRef>
+        </p:style>
+        <p:txBody>
+          <a:bodyPr rtlCol="0" anchor="ctr"/>
+          <a:lstStyle/>
+          <a:p>
+            <a:pPr algn="ctr"/>
+            <a:r>
+              <a:rPr lang="en-US" altLang="ko-KR" sz="900" b="1" dirty="0" smtClean="0"/>
+              <a:t>Handler Exception Resolver</a:t>
+            </a:r>
+            <a:endParaRPr lang="ko-KR" altLang="en-US" sz="900" b="1" dirty="0"/>
+          </a:p>
+        </p:txBody>
+      </p:sp>
+      <p:sp>
+        <p:nvSpPr>
+          <p:cNvPr id="11" name="직사각형 10"/>
+          <p:cNvSpPr/>
+          <p:nvPr/>
+        </p:nvSpPr>
+        <p:spPr>
+          <a:xfrm>
+            <a:off x="1331640" y="1268760"/>
+            <a:ext cx="1080120" cy="432048"/>
+          </a:xfrm>
+          <a:prstGeom prst="rect">
+            <a:avLst/>
+          </a:prstGeom>
+          <a:solidFill>
+            <a:schemeClr val="accent5">
+              <a:lumMod val="75000"/>
+            </a:schemeClr>
+          </a:solidFill>
+          <a:ln>
+            <a:prstDash val="dash"/>
           </a:ln>
         </p:spPr>
         <p:style>
-          <a:lnRef idx="1">
-            <a:schemeClr val="accent1"/>
-          </a:lnRef>
-          <a:fillRef idx="0">
-            <a:schemeClr val="accent1"/>
-          </a:fillRef>
-          <a:effectRef idx="0">
-            <a:schemeClr val="accent1"/>
-          </a:effectRef>
-          <a:fontRef idx="minor">
-            <a:schemeClr val="tx1"/>
-          </a:fontRef>
-        </p:style>
-      </p:cxnSp>
-      <p:cxnSp>
-        <p:nvCxnSpPr>
-          <p:cNvPr id="75" name="직선 화살표 연결선 74"/>
-          <p:cNvCxnSpPr/>
-          <p:nvPr/>
-        </p:nvCxnSpPr>
-        <p:spPr>
-          <a:xfrm flipH="1">
-            <a:off x="3923928" y="2059296"/>
-            <a:ext cx="3456384" cy="0"/>
-          </a:xfrm>
-          <a:prstGeom prst="straightConnector1">
-            <a:avLst/>
-          </a:prstGeom>
-          <a:ln w="25400" cmpd="sng">
-            <a:solidFill>
-              <a:schemeClr val="tx1"/>
-            </a:solidFill>
-            <a:tailEnd type="triangle"/>
+          <a:lnRef idx="2">
+            <a:schemeClr val="dk1"/>
+          </a:lnRef>
+          <a:fillRef idx="1">
+            <a:schemeClr val="lt1"/>
+          </a:fillRef>
+          <a:effectRef idx="0">
+            <a:schemeClr val="dk1"/>
+          </a:effectRef>
+          <a:fontRef idx="minor">
+            <a:schemeClr val="dk1"/>
+          </a:fontRef>
+        </p:style>
+        <p:txBody>
+          <a:bodyPr rtlCol="0" anchor="ctr"/>
+          <a:lstStyle/>
+          <a:p>
+            <a:pPr algn="ctr"/>
+            <a:r>
+              <a:rPr lang="en-US" altLang="ko-KR" sz="900" b="1" dirty="0" err="1" smtClean="0">
+                <a:solidFill>
+                  <a:schemeClr val="bg1"/>
+                </a:solidFill>
+              </a:rPr>
+              <a:t>Servlet</a:t>
+            </a:r>
+            <a:r>
+              <a:rPr lang="en-US" altLang="ko-KR" sz="900" b="1" dirty="0" smtClean="0">
+                <a:solidFill>
+                  <a:schemeClr val="bg1"/>
+                </a:solidFill>
+              </a:rPr>
+              <a:t> Filter</a:t>
+            </a:r>
+            <a:endParaRPr lang="ko-KR" altLang="en-US" sz="900" b="1" dirty="0">
+              <a:solidFill>
+                <a:schemeClr val="bg1"/>
+              </a:solidFill>
+            </a:endParaRPr>
+          </a:p>
+        </p:txBody>
+      </p:sp>
+      <p:sp>
+        <p:nvSpPr>
+          <p:cNvPr id="12" name="직사각형 11"/>
+          <p:cNvSpPr/>
+          <p:nvPr/>
+        </p:nvSpPr>
+        <p:spPr>
+          <a:xfrm>
+            <a:off x="179513" y="2276872"/>
+            <a:ext cx="1080120" cy="432048"/>
+          </a:xfrm>
+          <a:prstGeom prst="rect">
+            <a:avLst/>
+          </a:prstGeom>
+          <a:solidFill>
+            <a:schemeClr val="accent5">
+              <a:lumMod val="75000"/>
+            </a:schemeClr>
+          </a:solidFill>
+          <a:ln>
+            <a:prstDash val="dash"/>
           </a:ln>
         </p:spPr>
         <p:style>
-          <a:lnRef idx="1">
-            <a:schemeClr val="accent1"/>
-          </a:lnRef>
-          <a:fillRef idx="0">
-            <a:schemeClr val="accent1"/>
-          </a:fillRef>
-          <a:effectRef idx="0">
-            <a:schemeClr val="accent1"/>
-          </a:effectRef>
-          <a:fontRef idx="minor">
-            <a:schemeClr val="tx1"/>
-          </a:fontRef>
-        </p:style>
-      </p:cxnSp>
-      <p:cxnSp>
-        <p:nvCxnSpPr>
-          <p:cNvPr id="70" name="직선 화살표 연결선 69"/>
-          <p:cNvCxnSpPr/>
-          <p:nvPr/>
-        </p:nvCxnSpPr>
-        <p:spPr>
-          <a:xfrm flipH="1">
-            <a:off x="467544" y="2059296"/>
-            <a:ext cx="2160240" cy="0"/>
-          </a:xfrm>
-          <a:prstGeom prst="straightConnector1">
-            <a:avLst/>
-          </a:prstGeom>
-          <a:ln w="25400" cmpd="sng">
-            <a:solidFill>
-              <a:schemeClr val="tx1"/>
-            </a:solidFill>
-            <a:tailEnd type="triangle"/>
+          <a:lnRef idx="2">
+            <a:schemeClr val="dk1"/>
+          </a:lnRef>
+          <a:fillRef idx="1">
+            <a:schemeClr val="lt1"/>
+          </a:fillRef>
+          <a:effectRef idx="0">
+            <a:schemeClr val="dk1"/>
+          </a:effectRef>
+          <a:fontRef idx="minor">
+            <a:schemeClr val="dk1"/>
+          </a:fontRef>
+        </p:style>
+        <p:txBody>
+          <a:bodyPr rtlCol="0" anchor="ctr"/>
+          <a:lstStyle/>
+          <a:p>
+            <a:pPr algn="ctr"/>
+            <a:r>
+              <a:rPr lang="en-US" altLang="ko-KR" sz="900" b="1" dirty="0" err="1" smtClean="0">
+                <a:solidFill>
+                  <a:schemeClr val="bg1"/>
+                </a:solidFill>
+              </a:rPr>
+              <a:t>Servlet</a:t>
+            </a:r>
+            <a:r>
+              <a:rPr lang="en-US" altLang="ko-KR" sz="900" b="1" dirty="0" smtClean="0">
+                <a:solidFill>
+                  <a:schemeClr val="bg1"/>
+                </a:solidFill>
+              </a:rPr>
+              <a:t> Request </a:t>
+            </a:r>
+            <a:r>
+              <a:rPr lang="en-US" altLang="ko-KR" sz="900" b="1" dirty="0" smtClean="0">
+                <a:solidFill>
+                  <a:schemeClr val="bg1"/>
+                </a:solidFill>
+              </a:rPr>
+              <a:t>Listener</a:t>
+            </a:r>
+            <a:endParaRPr lang="ko-KR" altLang="en-US" sz="900" b="1" dirty="0">
+              <a:solidFill>
+                <a:schemeClr val="bg1"/>
+              </a:solidFill>
+            </a:endParaRPr>
+          </a:p>
+        </p:txBody>
+      </p:sp>
+      <p:sp>
+        <p:nvSpPr>
+          <p:cNvPr id="13" name="직사각형 12"/>
+          <p:cNvSpPr/>
+          <p:nvPr/>
+        </p:nvSpPr>
+        <p:spPr>
+          <a:xfrm>
+            <a:off x="2483768" y="2276872"/>
+            <a:ext cx="1080120" cy="432048"/>
+          </a:xfrm>
+          <a:prstGeom prst="rect">
+            <a:avLst/>
+          </a:prstGeom>
+          <a:solidFill>
+            <a:srgbClr val="92D050"/>
+          </a:solidFill>
+          <a:ln>
+            <a:prstDash val="dash"/>
           </a:ln>
         </p:spPr>
         <p:style>
-          <a:lnRef idx="1">
-            <a:schemeClr val="accent1"/>
-          </a:lnRef>
-          <a:fillRef idx="0">
-            <a:schemeClr val="accent1"/>
-          </a:fillRef>
-          <a:effectRef idx="0">
-            <a:schemeClr val="accent1"/>
-          </a:effectRef>
-          <a:fontRef idx="minor">
-            <a:schemeClr val="tx1"/>
-          </a:fontRef>
-        </p:style>
-      </p:cxnSp>
-      <p:cxnSp>
-        <p:nvCxnSpPr>
-          <p:cNvPr id="67" name="직선 화살표 연결선 66"/>
-          <p:cNvCxnSpPr/>
-          <p:nvPr/>
-        </p:nvCxnSpPr>
-        <p:spPr>
-          <a:xfrm>
-            <a:off x="467544" y="1906896"/>
-            <a:ext cx="1944216" cy="0"/>
-          </a:xfrm>
-          <a:prstGeom prst="straightConnector1">
-            <a:avLst/>
-          </a:prstGeom>
-          <a:ln w="25400" cmpd="sng">
-            <a:solidFill>
-              <a:schemeClr val="tx1"/>
-            </a:solidFill>
-            <a:tailEnd type="triangle"/>
+          <a:lnRef idx="2">
+            <a:schemeClr val="dk1"/>
+          </a:lnRef>
+          <a:fillRef idx="1">
+            <a:schemeClr val="lt1"/>
+          </a:fillRef>
+          <a:effectRef idx="0">
+            <a:schemeClr val="dk1"/>
+          </a:effectRef>
+          <a:fontRef idx="minor">
+            <a:schemeClr val="dk1"/>
+          </a:fontRef>
+        </p:style>
+        <p:txBody>
+          <a:bodyPr rtlCol="0" anchor="ctr"/>
+          <a:lstStyle/>
+          <a:p>
+            <a:pPr algn="ctr"/>
+            <a:r>
+              <a:rPr lang="en-US" altLang="ko-KR" sz="900" b="1" dirty="0" smtClean="0"/>
+              <a:t>Theme </a:t>
+            </a:r>
+            <a:endParaRPr lang="en-US" altLang="ko-KR" sz="900" b="1" dirty="0" smtClean="0"/>
+          </a:p>
+          <a:p>
+            <a:pPr algn="ctr"/>
+            <a:r>
+              <a:rPr lang="en-US" altLang="ko-KR" sz="900" b="1" dirty="0" smtClean="0"/>
+              <a:t>Resolver</a:t>
+            </a:r>
+            <a:endParaRPr lang="ko-KR" altLang="en-US" sz="900" b="1" dirty="0"/>
+          </a:p>
+        </p:txBody>
+      </p:sp>
+      <p:sp>
+        <p:nvSpPr>
+          <p:cNvPr id="14" name="직사각형 13"/>
+          <p:cNvSpPr/>
+          <p:nvPr/>
+        </p:nvSpPr>
+        <p:spPr>
+          <a:xfrm>
+            <a:off x="179513" y="1772816"/>
+            <a:ext cx="1080120" cy="432048"/>
+          </a:xfrm>
+          <a:prstGeom prst="rect">
+            <a:avLst/>
+          </a:prstGeom>
+          <a:solidFill>
+            <a:schemeClr val="accent5">
+              <a:lumMod val="75000"/>
+            </a:schemeClr>
+          </a:solidFill>
+          <a:ln>
+            <a:prstDash val="dash"/>
           </a:ln>
         </p:spPr>
         <p:style>
-          <a:lnRef idx="1">
-            <a:schemeClr val="accent1"/>
-          </a:lnRef>
-          <a:fillRef idx="0">
-            <a:schemeClr val="accent1"/>
-          </a:fillRef>
-          <a:effectRef idx="0">
-            <a:schemeClr val="accent1"/>
-          </a:effectRef>
-          <a:fontRef idx="minor">
-            <a:schemeClr val="tx1"/>
-          </a:fontRef>
-        </p:style>
-      </p:cxnSp>
-      <p:cxnSp>
-        <p:nvCxnSpPr>
-          <p:cNvPr id="52" name="직선 화살표 연결선 51"/>
-          <p:cNvCxnSpPr/>
-          <p:nvPr/>
-        </p:nvCxnSpPr>
-        <p:spPr>
-          <a:xfrm flipV="1">
-            <a:off x="3599892" y="2059296"/>
-            <a:ext cx="0" cy="4468532"/>
-          </a:xfrm>
-          <a:prstGeom prst="straightConnector1">
-            <a:avLst/>
-          </a:prstGeom>
-          <a:ln w="25400" cmpd="sng">
-            <a:solidFill>
-              <a:schemeClr val="tx1"/>
-            </a:solidFill>
-            <a:tailEnd type="triangle"/>
+          <a:lnRef idx="2">
+            <a:schemeClr val="dk1"/>
+          </a:lnRef>
+          <a:fillRef idx="1">
+            <a:schemeClr val="lt1"/>
+          </a:fillRef>
+          <a:effectRef idx="0">
+            <a:schemeClr val="dk1"/>
+          </a:effectRef>
+          <a:fontRef idx="minor">
+            <a:schemeClr val="dk1"/>
+          </a:fontRef>
+        </p:style>
+        <p:txBody>
+          <a:bodyPr rtlCol="0" anchor="ctr"/>
+          <a:lstStyle/>
+          <a:p>
+            <a:pPr algn="ctr"/>
+            <a:r>
+              <a:rPr lang="en-US" altLang="ko-KR" sz="900" b="1" dirty="0" err="1" smtClean="0">
+                <a:solidFill>
+                  <a:schemeClr val="bg1"/>
+                </a:solidFill>
+              </a:rPr>
+              <a:t>Servlet</a:t>
+            </a:r>
+            <a:r>
+              <a:rPr lang="en-US" altLang="ko-KR" sz="900" b="1" dirty="0" smtClean="0">
+                <a:solidFill>
+                  <a:schemeClr val="bg1"/>
+                </a:solidFill>
+              </a:rPr>
+              <a:t> </a:t>
+            </a:r>
+            <a:r>
+              <a:rPr lang="en-US" altLang="ko-KR" sz="900" b="1" dirty="0" smtClean="0">
+                <a:solidFill>
+                  <a:schemeClr val="bg1"/>
+                </a:solidFill>
+              </a:rPr>
+              <a:t>Context Attribute </a:t>
+            </a:r>
+            <a:r>
+              <a:rPr lang="en-US" altLang="ko-KR" sz="900" b="1" dirty="0" smtClean="0">
+                <a:solidFill>
+                  <a:schemeClr val="bg1"/>
+                </a:solidFill>
+              </a:rPr>
+              <a:t>Listener</a:t>
+            </a:r>
+            <a:endParaRPr lang="ko-KR" altLang="en-US" sz="900" b="1" dirty="0">
+              <a:solidFill>
+                <a:schemeClr val="bg1"/>
+              </a:solidFill>
+            </a:endParaRPr>
+          </a:p>
+        </p:txBody>
+      </p:sp>
+      <p:sp>
+        <p:nvSpPr>
+          <p:cNvPr id="15" name="직사각형 14"/>
+          <p:cNvSpPr/>
+          <p:nvPr/>
+        </p:nvSpPr>
+        <p:spPr>
+          <a:xfrm>
+            <a:off x="5940152" y="4509120"/>
+            <a:ext cx="1080120" cy="432048"/>
+          </a:xfrm>
+          <a:prstGeom prst="rect">
+            <a:avLst/>
+          </a:prstGeom>
+          <a:solidFill>
+            <a:srgbClr val="7030A0"/>
+          </a:solidFill>
+          <a:ln>
+            <a:prstDash val="dash"/>
           </a:ln>
         </p:spPr>
         <p:style>
-          <a:lnRef idx="1">
-            <a:schemeClr val="accent1"/>
-          </a:lnRef>
-          <a:fillRef idx="0">
-            <a:schemeClr val="accent1"/>
-          </a:fillRef>
-          <a:effectRef idx="0">
-            <a:schemeClr val="accent1"/>
-          </a:effectRef>
-          <a:fontRef idx="minor">
-            <a:schemeClr val="tx1"/>
-          </a:fontRef>
-        </p:style>
-      </p:cxnSp>
-      <p:cxnSp>
-        <p:nvCxnSpPr>
-          <p:cNvPr id="50" name="직선 화살표 연결선 49"/>
-          <p:cNvCxnSpPr/>
-          <p:nvPr/>
-        </p:nvCxnSpPr>
-        <p:spPr>
-          <a:xfrm>
-            <a:off x="2699792" y="2059296"/>
-            <a:ext cx="0" cy="4254989"/>
-          </a:xfrm>
-          <a:prstGeom prst="straightConnector1">
-            <a:avLst/>
-          </a:prstGeom>
-          <a:ln w="25400" cmpd="sng">
-            <a:solidFill>
-              <a:schemeClr val="tx1"/>
-            </a:solidFill>
-            <a:tailEnd type="triangle"/>
+          <a:lnRef idx="2">
+            <a:schemeClr val="dk1"/>
+          </a:lnRef>
+          <a:fillRef idx="1">
+            <a:schemeClr val="lt1"/>
+          </a:fillRef>
+          <a:effectRef idx="0">
+            <a:schemeClr val="dk1"/>
+          </a:effectRef>
+          <a:fontRef idx="minor">
+            <a:schemeClr val="dk1"/>
+          </a:fontRef>
+        </p:style>
+        <p:txBody>
+          <a:bodyPr rtlCol="0" anchor="ctr"/>
+          <a:lstStyle/>
+          <a:p>
+            <a:pPr algn="ctr"/>
+            <a:r>
+              <a:rPr lang="en-US" altLang="ko-KR" sz="900" b="1" dirty="0">
+                <a:solidFill>
+                  <a:schemeClr val="bg1"/>
+                </a:solidFill>
+              </a:rPr>
+              <a:t>Adapter</a:t>
+            </a:r>
+            <a:endParaRPr lang="ko-KR" altLang="en-US" sz="900" b="1" dirty="0">
+              <a:solidFill>
+                <a:schemeClr val="bg1"/>
+              </a:solidFill>
+            </a:endParaRPr>
+          </a:p>
+        </p:txBody>
+      </p:sp>
+      <p:sp>
+        <p:nvSpPr>
+          <p:cNvPr id="18" name="직사각형 17"/>
+          <p:cNvSpPr/>
+          <p:nvPr/>
+        </p:nvSpPr>
+        <p:spPr>
+          <a:xfrm>
+            <a:off x="2494054" y="1772816"/>
+            <a:ext cx="1080120" cy="432048"/>
+          </a:xfrm>
+          <a:prstGeom prst="rect">
+            <a:avLst/>
+          </a:prstGeom>
+          <a:solidFill>
+            <a:srgbClr val="92D050"/>
+          </a:solidFill>
+          <a:ln>
+            <a:prstDash val="dash"/>
           </a:ln>
         </p:spPr>
         <p:style>
-          <a:lnRef idx="1">
-            <a:schemeClr val="accent1"/>
-          </a:lnRef>
-          <a:fillRef idx="0">
-            <a:schemeClr val="accent1"/>
-          </a:fillRef>
-          <a:effectRef idx="0">
-            <a:schemeClr val="accent1"/>
-          </a:effectRef>
-          <a:fontRef idx="minor">
-            <a:schemeClr val="tx1"/>
-          </a:fontRef>
-        </p:style>
-      </p:cxnSp>
-      <p:sp>
-        <p:nvSpPr>
-          <p:cNvPr id="4" name="직사각형 3"/>
-          <p:cNvSpPr/>
-          <p:nvPr/>
-        </p:nvSpPr>
-        <p:spPr>
-          <a:xfrm>
-            <a:off x="2411760" y="6314285"/>
-            <a:ext cx="1512168" cy="427083"/>
-          </a:xfrm>
-          <a:prstGeom prst="rect">
-            <a:avLst/>
-          </a:prstGeom>
-        </p:spPr>
-        <p:style>
-          <a:lnRef idx="2">
-            <a:schemeClr val="accent4">
-              <a:shade val="50000"/>
+          <a:lnRef idx="2">
+            <a:schemeClr val="dk1"/>
+          </a:lnRef>
+          <a:fillRef idx="1">
+            <a:schemeClr val="lt1"/>
+          </a:fillRef>
+          <a:effectRef idx="0">
+            <a:schemeClr val="dk1"/>
+          </a:effectRef>
+          <a:fontRef idx="minor">
+            <a:schemeClr val="dk1"/>
+          </a:fontRef>
+        </p:style>
+        <p:txBody>
+          <a:bodyPr rtlCol="0" anchor="ctr"/>
+          <a:lstStyle/>
+          <a:p>
+            <a:pPr algn="ctr"/>
+            <a:r>
+              <a:rPr lang="en-US" altLang="ko-KR" sz="900" b="1" dirty="0" smtClean="0"/>
+              <a:t>Locale </a:t>
+            </a:r>
+            <a:endParaRPr lang="en-US" altLang="ko-KR" sz="900" b="1" dirty="0" smtClean="0"/>
+          </a:p>
+          <a:p>
+            <a:pPr algn="ctr"/>
+            <a:r>
+              <a:rPr lang="en-US" altLang="ko-KR" sz="900" b="1" dirty="0" smtClean="0"/>
+              <a:t>Resolver</a:t>
+            </a:r>
+            <a:endParaRPr lang="ko-KR" altLang="en-US" sz="900" b="1" dirty="0"/>
+          </a:p>
+        </p:txBody>
+      </p:sp>
+      <p:sp>
+        <p:nvSpPr>
+          <p:cNvPr id="19" name="직사각형 18"/>
+          <p:cNvSpPr/>
+          <p:nvPr/>
+        </p:nvSpPr>
+        <p:spPr>
+          <a:xfrm>
+            <a:off x="179513" y="3284984"/>
+            <a:ext cx="1080120" cy="432048"/>
+          </a:xfrm>
+          <a:prstGeom prst="rect">
+            <a:avLst/>
+          </a:prstGeom>
+          <a:solidFill>
+            <a:schemeClr val="accent5">
+              <a:lumMod val="75000"/>
             </a:schemeClr>
-          </a:lnRef>
-          <a:fillRef idx="1">
-            <a:schemeClr val="accent4"/>
-          </a:fillRef>
-          <a:effectRef idx="0">
-            <a:schemeClr val="accent4"/>
-          </a:effectRef>
-          <a:fontRef idx="minor">
-            <a:schemeClr val="lt1"/>
-          </a:fontRef>
-        </p:style>
-        <p:txBody>
-          <a:bodyPr rtlCol="0" anchor="ctr"/>
-          <a:lstStyle/>
-          <a:p>
-            <a:pPr algn="ctr"/>
-            <a:r>
-              <a:rPr lang="en-US" altLang="ko-KR" sz="1200" dirty="0" smtClean="0"/>
-              <a:t>DAO</a:t>
-            </a:r>
-            <a:endParaRPr lang="ko-KR" altLang="en-US" sz="1200" dirty="0"/>
-          </a:p>
-        </p:txBody>
-      </p:sp>
-      <p:sp>
-        <p:nvSpPr>
-          <p:cNvPr id="5" name="직사각형 4"/>
-          <p:cNvSpPr/>
-          <p:nvPr/>
-        </p:nvSpPr>
-        <p:spPr>
-          <a:xfrm>
-            <a:off x="2411760" y="5661245"/>
-            <a:ext cx="1512168" cy="427083"/>
-          </a:xfrm>
-          <a:prstGeom prst="rect">
-            <a:avLst/>
-          </a:prstGeom>
-        </p:spPr>
-        <p:style>
-          <a:lnRef idx="2">
-            <a:schemeClr val="accent4">
-              <a:shade val="50000"/>
+          </a:solidFill>
+          <a:ln>
+            <a:prstDash val="dash"/>
+          </a:ln>
+        </p:spPr>
+        <p:style>
+          <a:lnRef idx="2">
+            <a:schemeClr val="dk1"/>
+          </a:lnRef>
+          <a:fillRef idx="1">
+            <a:schemeClr val="lt1"/>
+          </a:fillRef>
+          <a:effectRef idx="0">
+            <a:schemeClr val="dk1"/>
+          </a:effectRef>
+          <a:fontRef idx="minor">
+            <a:schemeClr val="dk1"/>
+          </a:fontRef>
+        </p:style>
+        <p:txBody>
+          <a:bodyPr rtlCol="0" anchor="ctr"/>
+          <a:lstStyle/>
+          <a:p>
+            <a:pPr algn="ctr"/>
+            <a:r>
+              <a:rPr lang="en-US" altLang="ko-KR" sz="900" b="1" dirty="0" smtClean="0">
+                <a:solidFill>
+                  <a:schemeClr val="bg1"/>
+                </a:solidFill>
+              </a:rPr>
+              <a:t>Http Session </a:t>
+            </a:r>
+            <a:r>
+              <a:rPr lang="en-US" altLang="ko-KR" sz="900" b="1" dirty="0" smtClean="0">
+                <a:solidFill>
+                  <a:schemeClr val="bg1"/>
+                </a:solidFill>
+              </a:rPr>
+              <a:t>Listener</a:t>
+            </a:r>
+            <a:endParaRPr lang="ko-KR" altLang="en-US" sz="900" b="1" dirty="0">
+              <a:solidFill>
+                <a:schemeClr val="bg1"/>
+              </a:solidFill>
+            </a:endParaRPr>
+          </a:p>
+        </p:txBody>
+      </p:sp>
+      <p:sp>
+        <p:nvSpPr>
+          <p:cNvPr id="20" name="직사각형 19"/>
+          <p:cNvSpPr/>
+          <p:nvPr/>
+        </p:nvSpPr>
+        <p:spPr>
+          <a:xfrm>
+            <a:off x="2483768" y="2780928"/>
+            <a:ext cx="1080120" cy="432048"/>
+          </a:xfrm>
+          <a:prstGeom prst="rect">
+            <a:avLst/>
+          </a:prstGeom>
+          <a:solidFill>
+            <a:srgbClr val="92D050"/>
+          </a:solidFill>
+          <a:ln>
+            <a:prstDash val="dash"/>
+          </a:ln>
+        </p:spPr>
+        <p:style>
+          <a:lnRef idx="2">
+            <a:schemeClr val="dk1"/>
+          </a:lnRef>
+          <a:fillRef idx="1">
+            <a:schemeClr val="lt1"/>
+          </a:fillRef>
+          <a:effectRef idx="0">
+            <a:schemeClr val="dk1"/>
+          </a:effectRef>
+          <a:fontRef idx="minor">
+            <a:schemeClr val="dk1"/>
+          </a:fontRef>
+        </p:style>
+        <p:txBody>
+          <a:bodyPr rtlCol="0" anchor="ctr"/>
+          <a:lstStyle/>
+          <a:p>
+            <a:pPr algn="ctr"/>
+            <a:r>
+              <a:rPr lang="en-US" altLang="ko-KR" sz="900" b="1" dirty="0" smtClean="0"/>
+              <a:t>Multipart </a:t>
+            </a:r>
+            <a:endParaRPr lang="en-US" altLang="ko-KR" sz="900" b="1" dirty="0" smtClean="0"/>
+          </a:p>
+          <a:p>
+            <a:pPr algn="ctr"/>
+            <a:r>
+              <a:rPr lang="en-US" altLang="ko-KR" sz="900" b="1" dirty="0" smtClean="0"/>
+              <a:t>Resolver</a:t>
+            </a:r>
+            <a:endParaRPr lang="ko-KR" altLang="en-US" sz="900" b="1" dirty="0"/>
+          </a:p>
+        </p:txBody>
+      </p:sp>
+      <p:sp>
+        <p:nvSpPr>
+          <p:cNvPr id="21" name="직사각형 20"/>
+          <p:cNvSpPr/>
+          <p:nvPr/>
+        </p:nvSpPr>
+        <p:spPr>
+          <a:xfrm>
+            <a:off x="3635896" y="1772816"/>
+            <a:ext cx="1080120" cy="432048"/>
+          </a:xfrm>
+          <a:prstGeom prst="rect">
+            <a:avLst/>
+          </a:prstGeom>
+          <a:solidFill>
+            <a:srgbClr val="92D050"/>
+          </a:solidFill>
+        </p:spPr>
+        <p:style>
+          <a:lnRef idx="2">
+            <a:schemeClr val="dk1"/>
+          </a:lnRef>
+          <a:fillRef idx="1">
+            <a:schemeClr val="lt1"/>
+          </a:fillRef>
+          <a:effectRef idx="0">
+            <a:schemeClr val="dk1"/>
+          </a:effectRef>
+          <a:fontRef idx="minor">
+            <a:schemeClr val="dk1"/>
+          </a:fontRef>
+        </p:style>
+        <p:txBody>
+          <a:bodyPr rtlCol="0" anchor="ctr"/>
+          <a:lstStyle/>
+          <a:p>
+            <a:pPr algn="ctr"/>
+            <a:r>
+              <a:rPr lang="en-US" altLang="ko-KR" sz="900" b="1" dirty="0" smtClean="0"/>
+              <a:t>Handler </a:t>
+            </a:r>
+            <a:r>
+              <a:rPr lang="en-US" altLang="ko-KR" sz="900" b="1" dirty="0" smtClean="0"/>
+              <a:t>Mapping</a:t>
+            </a:r>
+            <a:endParaRPr lang="ko-KR" altLang="en-US" sz="900" b="1" dirty="0"/>
+          </a:p>
+        </p:txBody>
+      </p:sp>
+      <p:sp>
+        <p:nvSpPr>
+          <p:cNvPr id="22" name="직사각형 21"/>
+          <p:cNvSpPr/>
+          <p:nvPr/>
+        </p:nvSpPr>
+        <p:spPr>
+          <a:xfrm>
+            <a:off x="4788024" y="3140968"/>
+            <a:ext cx="1080120" cy="432048"/>
+          </a:xfrm>
+          <a:prstGeom prst="rect">
+            <a:avLst/>
+          </a:prstGeom>
+          <a:solidFill>
+            <a:srgbClr val="92D050"/>
+          </a:solidFill>
+        </p:spPr>
+        <p:style>
+          <a:lnRef idx="2">
+            <a:schemeClr val="dk1"/>
+          </a:lnRef>
+          <a:fillRef idx="1">
+            <a:schemeClr val="lt1"/>
+          </a:fillRef>
+          <a:effectRef idx="0">
+            <a:schemeClr val="dk1"/>
+          </a:effectRef>
+          <a:fontRef idx="minor">
+            <a:schemeClr val="dk1"/>
+          </a:fontRef>
+        </p:style>
+        <p:txBody>
+          <a:bodyPr rtlCol="0" anchor="ctr"/>
+          <a:lstStyle/>
+          <a:p>
+            <a:pPr algn="ctr"/>
+            <a:r>
+              <a:rPr lang="en-US" altLang="ko-KR" sz="900" b="1" dirty="0" smtClean="0"/>
+              <a:t>Web Argument Resolver</a:t>
+            </a:r>
+            <a:endParaRPr lang="ko-KR" altLang="en-US" sz="900" b="1" dirty="0"/>
+          </a:p>
+        </p:txBody>
+      </p:sp>
+      <p:sp>
+        <p:nvSpPr>
+          <p:cNvPr id="29" name="직사각형 28"/>
+          <p:cNvSpPr/>
+          <p:nvPr/>
+        </p:nvSpPr>
+        <p:spPr>
+          <a:xfrm>
+            <a:off x="5940152" y="6021288"/>
+            <a:ext cx="1080120" cy="432048"/>
+          </a:xfrm>
+          <a:prstGeom prst="rect">
+            <a:avLst/>
+          </a:prstGeom>
+          <a:solidFill>
+            <a:srgbClr val="7030A0"/>
+          </a:solidFill>
+          <a:ln>
+            <a:prstDash val="dash"/>
+          </a:ln>
+        </p:spPr>
+        <p:style>
+          <a:lnRef idx="2">
+            <a:schemeClr val="dk1"/>
+          </a:lnRef>
+          <a:fillRef idx="1">
+            <a:schemeClr val="lt1"/>
+          </a:fillRef>
+          <a:effectRef idx="0">
+            <a:schemeClr val="dk1"/>
+          </a:effectRef>
+          <a:fontRef idx="minor">
+            <a:schemeClr val="dk1"/>
+          </a:fontRef>
+        </p:style>
+        <p:txBody>
+          <a:bodyPr rtlCol="0" anchor="ctr"/>
+          <a:lstStyle/>
+          <a:p>
+            <a:pPr algn="ctr"/>
+            <a:r>
+              <a:rPr lang="en-US" altLang="ko-KR" sz="900" b="1" dirty="0" smtClean="0">
+                <a:solidFill>
+                  <a:schemeClr val="bg1"/>
+                </a:solidFill>
+              </a:rPr>
+              <a:t>Utility</a:t>
+            </a:r>
+            <a:endParaRPr lang="ko-KR" altLang="en-US" sz="900" b="1" dirty="0">
+              <a:solidFill>
+                <a:schemeClr val="bg1"/>
+              </a:solidFill>
+            </a:endParaRPr>
+          </a:p>
+        </p:txBody>
+      </p:sp>
+      <p:sp>
+        <p:nvSpPr>
+          <p:cNvPr id="63" name="직사각형 62"/>
+          <p:cNvSpPr/>
+          <p:nvPr/>
+        </p:nvSpPr>
+        <p:spPr>
+          <a:xfrm>
+            <a:off x="7092280" y="3140968"/>
+            <a:ext cx="1080120" cy="432048"/>
+          </a:xfrm>
+          <a:prstGeom prst="rect">
+            <a:avLst/>
+          </a:prstGeom>
+          <a:solidFill>
+            <a:srgbClr val="92D050"/>
+          </a:solidFill>
+        </p:spPr>
+        <p:style>
+          <a:lnRef idx="2">
+            <a:schemeClr val="dk1"/>
+          </a:lnRef>
+          <a:fillRef idx="1">
+            <a:schemeClr val="lt1"/>
+          </a:fillRef>
+          <a:effectRef idx="0">
+            <a:schemeClr val="dk1"/>
+          </a:effectRef>
+          <a:fontRef idx="minor">
+            <a:schemeClr val="dk1"/>
+          </a:fontRef>
+        </p:style>
+        <p:txBody>
+          <a:bodyPr rtlCol="0" anchor="ctr"/>
+          <a:lstStyle/>
+          <a:p>
+            <a:pPr algn="ctr"/>
+            <a:r>
+              <a:rPr lang="en-US" altLang="ko-KR" sz="900" b="1" dirty="0" smtClean="0"/>
+              <a:t>Flash Map Manager</a:t>
+            </a:r>
+            <a:endParaRPr lang="ko-KR" altLang="en-US" sz="900" b="1" dirty="0"/>
+          </a:p>
+        </p:txBody>
+      </p:sp>
+      <p:sp>
+        <p:nvSpPr>
+          <p:cNvPr id="64" name="직사각형 63"/>
+          <p:cNvSpPr/>
+          <p:nvPr/>
+        </p:nvSpPr>
+        <p:spPr>
+          <a:xfrm>
+            <a:off x="4798310" y="1772816"/>
+            <a:ext cx="1080120" cy="432048"/>
+          </a:xfrm>
+          <a:prstGeom prst="rect">
+            <a:avLst/>
+          </a:prstGeom>
+          <a:solidFill>
+            <a:srgbClr val="92D050"/>
+          </a:solidFill>
+        </p:spPr>
+        <p:style>
+          <a:lnRef idx="2">
+            <a:schemeClr val="dk1"/>
+          </a:lnRef>
+          <a:fillRef idx="1">
+            <a:schemeClr val="lt1"/>
+          </a:fillRef>
+          <a:effectRef idx="0">
+            <a:schemeClr val="dk1"/>
+          </a:effectRef>
+          <a:fontRef idx="minor">
+            <a:schemeClr val="dk1"/>
+          </a:fontRef>
+        </p:style>
+        <p:txBody>
+          <a:bodyPr rtlCol="0" anchor="ctr"/>
+          <a:lstStyle/>
+          <a:p>
+            <a:pPr algn="ctr"/>
+            <a:r>
+              <a:rPr lang="en-US" altLang="ko-KR" sz="900" b="1" dirty="0" smtClean="0"/>
+              <a:t>Handler Adapter</a:t>
+            </a:r>
+            <a:endParaRPr lang="ko-KR" altLang="en-US" sz="900" b="1" dirty="0"/>
+          </a:p>
+        </p:txBody>
+      </p:sp>
+      <p:sp>
+        <p:nvSpPr>
+          <p:cNvPr id="65" name="직사각형 64"/>
+          <p:cNvSpPr/>
+          <p:nvPr/>
+        </p:nvSpPr>
+        <p:spPr>
+          <a:xfrm>
+            <a:off x="8244408" y="3140968"/>
+            <a:ext cx="1080120" cy="432048"/>
+          </a:xfrm>
+          <a:prstGeom prst="rect">
+            <a:avLst/>
+          </a:prstGeom>
+          <a:solidFill>
+            <a:srgbClr val="92D050"/>
+          </a:solidFill>
+        </p:spPr>
+        <p:style>
+          <a:lnRef idx="2">
+            <a:schemeClr val="dk1"/>
+          </a:lnRef>
+          <a:fillRef idx="1">
+            <a:schemeClr val="lt1"/>
+          </a:fillRef>
+          <a:effectRef idx="0">
+            <a:schemeClr val="dk1"/>
+          </a:effectRef>
+          <a:fontRef idx="minor">
+            <a:schemeClr val="dk1"/>
+          </a:fontRef>
+        </p:style>
+        <p:txBody>
+          <a:bodyPr rtlCol="0" anchor="ctr"/>
+          <a:lstStyle/>
+          <a:p>
+            <a:pPr algn="ctr"/>
+            <a:r>
+              <a:rPr lang="en-US" altLang="ko-KR" sz="900" b="1" dirty="0" smtClean="0"/>
+              <a:t>Message Converter</a:t>
+            </a:r>
+            <a:endParaRPr lang="ko-KR" altLang="en-US" sz="900" b="1" dirty="0"/>
+          </a:p>
+        </p:txBody>
+      </p:sp>
+      <p:sp>
+        <p:nvSpPr>
+          <p:cNvPr id="66" name="직사각형 65"/>
+          <p:cNvSpPr/>
+          <p:nvPr/>
+        </p:nvSpPr>
+        <p:spPr>
+          <a:xfrm>
+            <a:off x="4788024" y="3645024"/>
+            <a:ext cx="1080120" cy="432048"/>
+          </a:xfrm>
+          <a:prstGeom prst="rect">
+            <a:avLst/>
+          </a:prstGeom>
+          <a:solidFill>
+            <a:srgbClr val="92D050"/>
+          </a:solidFill>
+        </p:spPr>
+        <p:style>
+          <a:lnRef idx="2">
+            <a:schemeClr val="dk1"/>
+          </a:lnRef>
+          <a:fillRef idx="1">
+            <a:schemeClr val="lt1"/>
+          </a:fillRef>
+          <a:effectRef idx="0">
+            <a:schemeClr val="dk1"/>
+          </a:effectRef>
+          <a:fontRef idx="minor">
+            <a:schemeClr val="dk1"/>
+          </a:fontRef>
+        </p:style>
+        <p:txBody>
+          <a:bodyPr rtlCol="0" anchor="ctr"/>
+          <a:lstStyle/>
+          <a:p>
+            <a:pPr algn="ctr"/>
+            <a:r>
+              <a:rPr lang="en-US" altLang="ko-KR" sz="900" b="1" dirty="0" smtClean="0"/>
+              <a:t>Web Data</a:t>
+            </a:r>
+          </a:p>
+          <a:p>
+            <a:pPr algn="ctr"/>
+            <a:r>
+              <a:rPr lang="en-US" altLang="ko-KR" sz="900" b="1" dirty="0" smtClean="0"/>
+              <a:t>Binder</a:t>
+            </a:r>
+            <a:endParaRPr lang="ko-KR" altLang="en-US" sz="900" b="1" dirty="0"/>
+          </a:p>
+        </p:txBody>
+      </p:sp>
+      <p:sp>
+        <p:nvSpPr>
+          <p:cNvPr id="82" name="직사각형 81"/>
+          <p:cNvSpPr/>
+          <p:nvPr/>
+        </p:nvSpPr>
+        <p:spPr>
+          <a:xfrm>
+            <a:off x="8244408" y="1772816"/>
+            <a:ext cx="1080120" cy="432048"/>
+          </a:xfrm>
+          <a:prstGeom prst="rect">
+            <a:avLst/>
+          </a:prstGeom>
+          <a:solidFill>
+            <a:srgbClr val="92D050"/>
+          </a:solidFill>
+        </p:spPr>
+        <p:style>
+          <a:lnRef idx="2">
+            <a:schemeClr val="dk1"/>
+          </a:lnRef>
+          <a:fillRef idx="1">
+            <a:schemeClr val="lt1"/>
+          </a:fillRef>
+          <a:effectRef idx="0">
+            <a:schemeClr val="dk1"/>
+          </a:effectRef>
+          <a:fontRef idx="minor">
+            <a:schemeClr val="dk1"/>
+          </a:fontRef>
+        </p:style>
+        <p:txBody>
+          <a:bodyPr rtlCol="0" anchor="ctr"/>
+          <a:lstStyle/>
+          <a:p>
+            <a:pPr algn="ctr"/>
+            <a:r>
+              <a:rPr lang="en-US" altLang="ko-KR" sz="900" b="1" dirty="0" smtClean="0"/>
+              <a:t>View </a:t>
+            </a:r>
+            <a:endParaRPr lang="en-US" altLang="ko-KR" sz="900" b="1" dirty="0" smtClean="0"/>
+          </a:p>
+          <a:p>
+            <a:pPr algn="ctr"/>
+            <a:r>
+              <a:rPr lang="en-US" altLang="ko-KR" sz="900" b="1" dirty="0" smtClean="0"/>
+              <a:t>Resolver</a:t>
+            </a:r>
+            <a:endParaRPr lang="ko-KR" altLang="en-US" sz="900" b="1" dirty="0"/>
+          </a:p>
+        </p:txBody>
+      </p:sp>
+      <p:sp>
+        <p:nvSpPr>
+          <p:cNvPr id="83" name="직사각형 82"/>
+          <p:cNvSpPr/>
+          <p:nvPr/>
+        </p:nvSpPr>
+        <p:spPr>
+          <a:xfrm>
+            <a:off x="8244408" y="2276872"/>
+            <a:ext cx="1080120" cy="432048"/>
+          </a:xfrm>
+          <a:prstGeom prst="rect">
+            <a:avLst/>
+          </a:prstGeom>
+          <a:solidFill>
+            <a:srgbClr val="92D050"/>
+          </a:solidFill>
+        </p:spPr>
+        <p:style>
+          <a:lnRef idx="2">
+            <a:schemeClr val="dk1"/>
+          </a:lnRef>
+          <a:fillRef idx="1">
+            <a:schemeClr val="lt1"/>
+          </a:fillRef>
+          <a:effectRef idx="0">
+            <a:schemeClr val="dk1"/>
+          </a:effectRef>
+          <a:fontRef idx="minor">
+            <a:schemeClr val="dk1"/>
+          </a:fontRef>
+        </p:style>
+        <p:txBody>
+          <a:bodyPr rtlCol="0" anchor="ctr"/>
+          <a:lstStyle/>
+          <a:p>
+            <a:pPr algn="ctr"/>
+            <a:r>
+              <a:rPr lang="en-US" altLang="ko-KR" sz="900" b="1" dirty="0" smtClean="0"/>
+              <a:t>View</a:t>
+            </a:r>
+            <a:endParaRPr lang="ko-KR" altLang="en-US" sz="900" b="1" dirty="0"/>
+          </a:p>
+        </p:txBody>
+      </p:sp>
+      <p:sp>
+        <p:nvSpPr>
+          <p:cNvPr id="71" name="직사각형 70"/>
+          <p:cNvSpPr/>
+          <p:nvPr/>
+        </p:nvSpPr>
+        <p:spPr>
+          <a:xfrm>
+            <a:off x="5940152" y="2276872"/>
+            <a:ext cx="1080120" cy="432048"/>
+          </a:xfrm>
+          <a:prstGeom prst="rect">
+            <a:avLst/>
+          </a:prstGeom>
+          <a:solidFill>
+            <a:srgbClr val="92D050"/>
+          </a:solidFill>
+        </p:spPr>
+        <p:style>
+          <a:lnRef idx="2">
+            <a:schemeClr val="dk1"/>
+          </a:lnRef>
+          <a:fillRef idx="1">
+            <a:schemeClr val="lt1"/>
+          </a:fillRef>
+          <a:effectRef idx="0">
+            <a:schemeClr val="dk1"/>
+          </a:effectRef>
+          <a:fontRef idx="minor">
+            <a:schemeClr val="dk1"/>
+          </a:fontRef>
+        </p:style>
+        <p:txBody>
+          <a:bodyPr rtlCol="0" anchor="ctr"/>
+          <a:lstStyle/>
+          <a:p>
+            <a:pPr algn="ctr"/>
+            <a:r>
+              <a:rPr lang="en-US" altLang="ko-KR" sz="900" b="1" dirty="0" smtClean="0"/>
+              <a:t>Model And View</a:t>
+            </a:r>
+            <a:endParaRPr lang="ko-KR" altLang="en-US" sz="900" b="1" dirty="0"/>
+          </a:p>
+        </p:txBody>
+      </p:sp>
+      <p:sp>
+        <p:nvSpPr>
+          <p:cNvPr id="86" name="직사각형 85"/>
+          <p:cNvSpPr/>
+          <p:nvPr/>
+        </p:nvSpPr>
+        <p:spPr>
+          <a:xfrm>
+            <a:off x="7092280" y="3645024"/>
+            <a:ext cx="1080120" cy="432048"/>
+          </a:xfrm>
+          <a:prstGeom prst="rect">
+            <a:avLst/>
+          </a:prstGeom>
+          <a:solidFill>
+            <a:srgbClr val="92D050"/>
+          </a:solidFill>
+        </p:spPr>
+        <p:style>
+          <a:lnRef idx="2">
+            <a:schemeClr val="dk1"/>
+          </a:lnRef>
+          <a:fillRef idx="1">
+            <a:schemeClr val="lt1"/>
+          </a:fillRef>
+          <a:effectRef idx="0">
+            <a:schemeClr val="dk1"/>
+          </a:effectRef>
+          <a:fontRef idx="minor">
+            <a:schemeClr val="dk1"/>
+          </a:fontRef>
+        </p:style>
+        <p:txBody>
+          <a:bodyPr rtlCol="0" anchor="ctr"/>
+          <a:lstStyle/>
+          <a:p>
+            <a:pPr algn="ctr"/>
+            <a:r>
+              <a:rPr lang="en-US" altLang="ko-KR" sz="900" b="1" dirty="0" smtClean="0"/>
+              <a:t>Flash </a:t>
+            </a:r>
+            <a:r>
+              <a:rPr lang="en-US" altLang="ko-KR" sz="900" b="1" dirty="0" smtClean="0"/>
+              <a:t>Map</a:t>
+            </a:r>
+            <a:endParaRPr lang="ko-KR" altLang="en-US" sz="900" b="1" dirty="0"/>
+          </a:p>
+        </p:txBody>
+      </p:sp>
+      <p:sp>
+        <p:nvSpPr>
+          <p:cNvPr id="88" name="직사각형 87"/>
+          <p:cNvSpPr/>
+          <p:nvPr/>
+        </p:nvSpPr>
+        <p:spPr>
+          <a:xfrm>
+            <a:off x="179513" y="1268760"/>
+            <a:ext cx="1080120" cy="432048"/>
+          </a:xfrm>
+          <a:prstGeom prst="rect">
+            <a:avLst/>
+          </a:prstGeom>
+          <a:solidFill>
+            <a:schemeClr val="accent5">
+              <a:lumMod val="75000"/>
             </a:schemeClr>
-          </a:lnRef>
-          <a:fillRef idx="1">
-            <a:schemeClr val="accent4"/>
-          </a:fillRef>
-          <a:effectRef idx="0">
-            <a:schemeClr val="accent4"/>
-          </a:effectRef>
-          <a:fontRef idx="minor">
-            <a:schemeClr val="lt1"/>
-          </a:fontRef>
-        </p:style>
-        <p:txBody>
-          <a:bodyPr rtlCol="0" anchor="ctr"/>
-          <a:lstStyle/>
-          <a:p>
-            <a:pPr algn="ctr"/>
-            <a:r>
-              <a:rPr lang="en-US" altLang="ko-KR" sz="1200" dirty="0" smtClean="0"/>
-              <a:t>Manager</a:t>
-            </a:r>
-            <a:endParaRPr lang="ko-KR" altLang="en-US" sz="1200" dirty="0"/>
-          </a:p>
-        </p:txBody>
-      </p:sp>
-      <p:sp>
-        <p:nvSpPr>
-          <p:cNvPr id="6" name="직사각형 5"/>
-          <p:cNvSpPr/>
-          <p:nvPr/>
-        </p:nvSpPr>
-        <p:spPr>
-          <a:xfrm>
-            <a:off x="2411760" y="5018137"/>
-            <a:ext cx="1512168" cy="427083"/>
-          </a:xfrm>
-          <a:prstGeom prst="rect">
-            <a:avLst/>
-          </a:prstGeom>
-        </p:spPr>
-        <p:style>
-          <a:lnRef idx="2">
-            <a:schemeClr val="accent4">
-              <a:shade val="50000"/>
+          </a:solidFill>
+          <a:ln>
+            <a:prstDash val="dash"/>
+          </a:ln>
+        </p:spPr>
+        <p:style>
+          <a:lnRef idx="2">
+            <a:schemeClr val="dk1"/>
+          </a:lnRef>
+          <a:fillRef idx="1">
+            <a:schemeClr val="lt1"/>
+          </a:fillRef>
+          <a:effectRef idx="0">
+            <a:schemeClr val="dk1"/>
+          </a:effectRef>
+          <a:fontRef idx="minor">
+            <a:schemeClr val="dk1"/>
+          </a:fontRef>
+        </p:style>
+        <p:txBody>
+          <a:bodyPr rtlCol="0" anchor="ctr"/>
+          <a:lstStyle/>
+          <a:p>
+            <a:pPr algn="ctr"/>
+            <a:r>
+              <a:rPr lang="en-US" altLang="ko-KR" sz="900" b="1" dirty="0" err="1" smtClean="0">
+                <a:solidFill>
+                  <a:schemeClr val="bg1"/>
+                </a:solidFill>
+              </a:rPr>
+              <a:t>Servlet</a:t>
+            </a:r>
+            <a:r>
+              <a:rPr lang="en-US" altLang="ko-KR" sz="900" b="1" dirty="0" smtClean="0">
+                <a:solidFill>
+                  <a:schemeClr val="bg1"/>
+                </a:solidFill>
+              </a:rPr>
+              <a:t> </a:t>
+            </a:r>
+            <a:r>
+              <a:rPr lang="en-US" altLang="ko-KR" sz="900" b="1" dirty="0" smtClean="0">
+                <a:solidFill>
+                  <a:schemeClr val="bg1"/>
+                </a:solidFill>
+              </a:rPr>
+              <a:t>Context </a:t>
+            </a:r>
+            <a:r>
+              <a:rPr lang="en-US" altLang="ko-KR" sz="900" b="1" dirty="0" smtClean="0">
+                <a:solidFill>
+                  <a:schemeClr val="bg1"/>
+                </a:solidFill>
+              </a:rPr>
+              <a:t>Listener</a:t>
+            </a:r>
+            <a:endParaRPr lang="ko-KR" altLang="en-US" sz="900" b="1" dirty="0">
+              <a:solidFill>
+                <a:schemeClr val="bg1"/>
+              </a:solidFill>
+            </a:endParaRPr>
+          </a:p>
+        </p:txBody>
+      </p:sp>
+      <p:sp>
+        <p:nvSpPr>
+          <p:cNvPr id="89" name="직사각형 88"/>
+          <p:cNvSpPr/>
+          <p:nvPr/>
+        </p:nvSpPr>
+        <p:spPr>
+          <a:xfrm>
+            <a:off x="179513" y="3789040"/>
+            <a:ext cx="1080120" cy="432048"/>
+          </a:xfrm>
+          <a:prstGeom prst="rect">
+            <a:avLst/>
+          </a:prstGeom>
+          <a:solidFill>
+            <a:schemeClr val="accent5">
+              <a:lumMod val="75000"/>
             </a:schemeClr>
-          </a:lnRef>
-          <a:fillRef idx="1">
-            <a:schemeClr val="accent4"/>
-          </a:fillRef>
-          <a:effectRef idx="0">
-            <a:schemeClr val="accent4"/>
-          </a:effectRef>
-          <a:fontRef idx="minor">
-            <a:schemeClr val="lt1"/>
-          </a:fontRef>
-        </p:style>
-        <p:txBody>
-          <a:bodyPr rtlCol="0" anchor="ctr"/>
-          <a:lstStyle/>
-          <a:p>
-            <a:pPr algn="ctr"/>
-            <a:r>
-              <a:rPr lang="en-US" altLang="ko-KR" sz="1200" dirty="0" smtClean="0"/>
-              <a:t>Service</a:t>
-            </a:r>
-            <a:endParaRPr lang="ko-KR" altLang="en-US" sz="1200" dirty="0"/>
-          </a:p>
-        </p:txBody>
-      </p:sp>
-      <p:sp>
-        <p:nvSpPr>
-          <p:cNvPr id="7" name="직사각형 6"/>
-          <p:cNvSpPr/>
-          <p:nvPr/>
-        </p:nvSpPr>
-        <p:spPr>
-          <a:xfrm>
-            <a:off x="2411760" y="4370066"/>
-            <a:ext cx="1512168" cy="427083"/>
-          </a:xfrm>
-          <a:prstGeom prst="rect">
-            <a:avLst/>
-          </a:prstGeom>
-        </p:spPr>
-        <p:style>
-          <a:lnRef idx="2">
-            <a:schemeClr val="accent3">
-              <a:shade val="50000"/>
+          </a:solidFill>
+          <a:ln>
+            <a:prstDash val="dash"/>
+          </a:ln>
+        </p:spPr>
+        <p:style>
+          <a:lnRef idx="2">
+            <a:schemeClr val="dk1"/>
+          </a:lnRef>
+          <a:fillRef idx="1">
+            <a:schemeClr val="lt1"/>
+          </a:fillRef>
+          <a:effectRef idx="0">
+            <a:schemeClr val="dk1"/>
+          </a:effectRef>
+          <a:fontRef idx="minor">
+            <a:schemeClr val="dk1"/>
+          </a:fontRef>
+        </p:style>
+        <p:txBody>
+          <a:bodyPr rtlCol="0" anchor="ctr"/>
+          <a:lstStyle/>
+          <a:p>
+            <a:pPr algn="ctr"/>
+            <a:r>
+              <a:rPr lang="en-US" altLang="ko-KR" sz="900" b="1" dirty="0" smtClean="0">
+                <a:solidFill>
+                  <a:schemeClr val="bg1"/>
+                </a:solidFill>
+              </a:rPr>
+              <a:t>Http Session Attribute Listener</a:t>
+            </a:r>
+            <a:endParaRPr lang="ko-KR" altLang="en-US" sz="900" b="1" dirty="0">
+              <a:solidFill>
+                <a:schemeClr val="bg1"/>
+              </a:solidFill>
+            </a:endParaRPr>
+          </a:p>
+        </p:txBody>
+      </p:sp>
+      <p:sp>
+        <p:nvSpPr>
+          <p:cNvPr id="90" name="직사각형 89"/>
+          <p:cNvSpPr/>
+          <p:nvPr/>
+        </p:nvSpPr>
+        <p:spPr>
+          <a:xfrm>
+            <a:off x="179512" y="2780928"/>
+            <a:ext cx="1080120" cy="432048"/>
+          </a:xfrm>
+          <a:prstGeom prst="rect">
+            <a:avLst/>
+          </a:prstGeom>
+          <a:solidFill>
+            <a:schemeClr val="accent5">
+              <a:lumMod val="75000"/>
             </a:schemeClr>
-          </a:lnRef>
-          <a:fillRef idx="1">
-            <a:schemeClr val="accent3"/>
-          </a:fillRef>
-          <a:effectRef idx="0">
-            <a:schemeClr val="accent3"/>
-          </a:effectRef>
-          <a:fontRef idx="minor">
-            <a:schemeClr val="lt1"/>
-          </a:fontRef>
-        </p:style>
-        <p:txBody>
-          <a:bodyPr rtlCol="0" anchor="ctr"/>
-          <a:lstStyle/>
-          <a:p>
-            <a:pPr algn="ctr"/>
-            <a:r>
-              <a:rPr lang="en-US" altLang="ko-KR" sz="1200" dirty="0" smtClean="0"/>
-              <a:t>Controller</a:t>
-            </a:r>
-            <a:endParaRPr lang="ko-KR" altLang="en-US" sz="1200" dirty="0"/>
-          </a:p>
-        </p:txBody>
-      </p:sp>
-      <p:sp>
-        <p:nvSpPr>
-          <p:cNvPr id="8" name="직사각형 7"/>
-          <p:cNvSpPr/>
-          <p:nvPr/>
-        </p:nvSpPr>
-        <p:spPr>
-          <a:xfrm>
-            <a:off x="2411760" y="2415921"/>
-            <a:ext cx="1512168" cy="427083"/>
-          </a:xfrm>
-          <a:prstGeom prst="rect">
-            <a:avLst/>
-          </a:prstGeom>
-        </p:spPr>
-        <p:style>
-          <a:lnRef idx="2">
-            <a:schemeClr val="accent3">
-              <a:shade val="50000"/>
+          </a:solidFill>
+          <a:ln>
+            <a:prstDash val="dash"/>
+          </a:ln>
+        </p:spPr>
+        <p:style>
+          <a:lnRef idx="2">
+            <a:schemeClr val="dk1"/>
+          </a:lnRef>
+          <a:fillRef idx="1">
+            <a:schemeClr val="lt1"/>
+          </a:fillRef>
+          <a:effectRef idx="0">
+            <a:schemeClr val="dk1"/>
+          </a:effectRef>
+          <a:fontRef idx="minor">
+            <a:schemeClr val="dk1"/>
+          </a:fontRef>
+        </p:style>
+        <p:txBody>
+          <a:bodyPr rtlCol="0" anchor="ctr"/>
+          <a:lstStyle/>
+          <a:p>
+            <a:pPr algn="ctr"/>
+            <a:r>
+              <a:rPr lang="en-US" altLang="ko-KR" sz="900" b="1" dirty="0" err="1" smtClean="0">
+                <a:solidFill>
+                  <a:schemeClr val="bg1"/>
+                </a:solidFill>
+              </a:rPr>
+              <a:t>Servlet</a:t>
+            </a:r>
+            <a:r>
+              <a:rPr lang="en-US" altLang="ko-KR" sz="900" b="1" dirty="0" smtClean="0">
+                <a:solidFill>
+                  <a:schemeClr val="bg1"/>
+                </a:solidFill>
+              </a:rPr>
+              <a:t> Request Attribute </a:t>
+            </a:r>
+            <a:r>
+              <a:rPr lang="en-US" altLang="ko-KR" sz="900" b="1" dirty="0" smtClean="0">
+                <a:solidFill>
+                  <a:schemeClr val="bg1"/>
+                </a:solidFill>
+              </a:rPr>
+              <a:t>Listener</a:t>
+            </a:r>
+            <a:endParaRPr lang="ko-KR" altLang="en-US" sz="900" b="1" dirty="0">
+              <a:solidFill>
+                <a:schemeClr val="bg1"/>
+              </a:solidFill>
+            </a:endParaRPr>
+          </a:p>
+        </p:txBody>
+      </p:sp>
+      <p:sp>
+        <p:nvSpPr>
+          <p:cNvPr id="91" name="직사각형 90"/>
+          <p:cNvSpPr/>
+          <p:nvPr/>
+        </p:nvSpPr>
+        <p:spPr>
+          <a:xfrm>
+            <a:off x="179512" y="4293096"/>
+            <a:ext cx="1080120" cy="432048"/>
+          </a:xfrm>
+          <a:prstGeom prst="rect">
+            <a:avLst/>
+          </a:prstGeom>
+          <a:solidFill>
+            <a:schemeClr val="accent5">
+              <a:lumMod val="75000"/>
             </a:schemeClr>
-          </a:lnRef>
-          <a:fillRef idx="1">
-            <a:schemeClr val="accent3"/>
-          </a:fillRef>
-          <a:effectRef idx="0">
-            <a:schemeClr val="accent3"/>
-          </a:effectRef>
-          <a:fontRef idx="minor">
-            <a:schemeClr val="lt1"/>
-          </a:fontRef>
-        </p:style>
-        <p:txBody>
-          <a:bodyPr rtlCol="0" anchor="ctr"/>
-          <a:lstStyle/>
-          <a:p>
-            <a:pPr algn="ctr"/>
-            <a:r>
-              <a:rPr lang="en-US" altLang="ko-KR" sz="1200" dirty="0" smtClean="0"/>
-              <a:t>Dispatcher Servlet</a:t>
-            </a:r>
-            <a:endParaRPr lang="ko-KR" altLang="en-US" sz="1200" dirty="0"/>
-          </a:p>
-        </p:txBody>
-      </p:sp>
-      <p:sp>
-        <p:nvSpPr>
-          <p:cNvPr id="9" name="직사각형 8"/>
-          <p:cNvSpPr/>
-          <p:nvPr/>
-        </p:nvSpPr>
-        <p:spPr>
-          <a:xfrm>
-            <a:off x="2411760" y="3721995"/>
-            <a:ext cx="1512168" cy="427083"/>
-          </a:xfrm>
-          <a:prstGeom prst="rect">
-            <a:avLst/>
-          </a:prstGeom>
-        </p:spPr>
-        <p:style>
-          <a:lnRef idx="2">
-            <a:schemeClr val="accent3">
-              <a:shade val="50000"/>
+          </a:solidFill>
+          <a:ln>
+            <a:prstDash val="dash"/>
+          </a:ln>
+        </p:spPr>
+        <p:style>
+          <a:lnRef idx="2">
+            <a:schemeClr val="dk1"/>
+          </a:lnRef>
+          <a:fillRef idx="1">
+            <a:schemeClr val="lt1"/>
+          </a:fillRef>
+          <a:effectRef idx="0">
+            <a:schemeClr val="dk1"/>
+          </a:effectRef>
+          <a:fontRef idx="minor">
+            <a:schemeClr val="dk1"/>
+          </a:fontRef>
+        </p:style>
+        <p:txBody>
+          <a:bodyPr rtlCol="0" anchor="ctr"/>
+          <a:lstStyle/>
+          <a:p>
+            <a:pPr algn="ctr"/>
+            <a:r>
+              <a:rPr lang="en-US" altLang="ko-KR" sz="900" b="1" dirty="0" smtClean="0">
+                <a:solidFill>
+                  <a:schemeClr val="bg1"/>
+                </a:solidFill>
+              </a:rPr>
+              <a:t>Http Session Activation Listener</a:t>
+            </a:r>
+            <a:endParaRPr lang="ko-KR" altLang="en-US" sz="900" b="1" dirty="0">
+              <a:solidFill>
+                <a:schemeClr val="bg1"/>
+              </a:solidFill>
+            </a:endParaRPr>
+          </a:p>
+        </p:txBody>
+      </p:sp>
+      <p:sp>
+        <p:nvSpPr>
+          <p:cNvPr id="92" name="직사각형 91"/>
+          <p:cNvSpPr/>
+          <p:nvPr/>
+        </p:nvSpPr>
+        <p:spPr>
+          <a:xfrm>
+            <a:off x="179512" y="4797152"/>
+            <a:ext cx="1080120" cy="432048"/>
+          </a:xfrm>
+          <a:prstGeom prst="rect">
+            <a:avLst/>
+          </a:prstGeom>
+          <a:solidFill>
+            <a:schemeClr val="accent5">
+              <a:lumMod val="75000"/>
             </a:schemeClr>
-          </a:lnRef>
-          <a:fillRef idx="1">
-            <a:schemeClr val="accent3"/>
-          </a:fillRef>
-          <a:effectRef idx="0">
-            <a:schemeClr val="accent3"/>
-          </a:effectRef>
-          <a:fontRef idx="minor">
-            <a:schemeClr val="lt1"/>
-          </a:fontRef>
-        </p:style>
-        <p:txBody>
-          <a:bodyPr rtlCol="0" anchor="ctr"/>
-          <a:lstStyle/>
-          <a:p>
-            <a:pPr algn="ctr"/>
-            <a:r>
-              <a:rPr lang="en-US" altLang="ko-KR" sz="1200" dirty="0" smtClean="0"/>
-              <a:t>Handler Interceptor</a:t>
-            </a:r>
-            <a:endParaRPr lang="ko-KR" altLang="en-US" sz="1200" dirty="0"/>
-          </a:p>
-        </p:txBody>
-      </p:sp>
-      <p:sp>
-        <p:nvSpPr>
-          <p:cNvPr id="10" name="직사각형 9"/>
-          <p:cNvSpPr/>
-          <p:nvPr/>
-        </p:nvSpPr>
-        <p:spPr>
-          <a:xfrm>
-            <a:off x="4067944" y="4370066"/>
-            <a:ext cx="1512168" cy="427083"/>
-          </a:xfrm>
-          <a:prstGeom prst="rect">
-            <a:avLst/>
-          </a:prstGeom>
-        </p:spPr>
-        <p:style>
-          <a:lnRef idx="2">
-            <a:schemeClr val="accent3">
-              <a:shade val="50000"/>
-            </a:schemeClr>
-          </a:lnRef>
-          <a:fillRef idx="1">
-            <a:schemeClr val="accent3"/>
-          </a:fillRef>
-          <a:effectRef idx="0">
-            <a:schemeClr val="accent3"/>
-          </a:effectRef>
-          <a:fontRef idx="minor">
-            <a:schemeClr val="lt1"/>
-          </a:fontRef>
-        </p:style>
-        <p:txBody>
-          <a:bodyPr rtlCol="0" anchor="ctr"/>
-          <a:lstStyle/>
-          <a:p>
-            <a:pPr algn="ctr"/>
-            <a:r>
-              <a:rPr lang="en-US" altLang="ko-KR" sz="1200" dirty="0" smtClean="0"/>
-              <a:t>Handler Exception Resolver</a:t>
-            </a:r>
-            <a:endParaRPr lang="ko-KR" altLang="en-US" sz="1200" dirty="0"/>
-          </a:p>
-        </p:txBody>
-      </p:sp>
-      <p:sp>
-        <p:nvSpPr>
-          <p:cNvPr id="11" name="직사각형 10"/>
-          <p:cNvSpPr/>
-          <p:nvPr/>
-        </p:nvSpPr>
-        <p:spPr>
-          <a:xfrm>
-            <a:off x="2411760" y="1767850"/>
-            <a:ext cx="1512168" cy="427083"/>
-          </a:xfrm>
-          <a:prstGeom prst="rect">
-            <a:avLst/>
-          </a:prstGeom>
-        </p:spPr>
-        <p:style>
-          <a:lnRef idx="2">
-            <a:schemeClr val="accent2">
-              <a:shade val="50000"/>
-            </a:schemeClr>
-          </a:lnRef>
-          <a:fillRef idx="1">
-            <a:schemeClr val="accent2"/>
-          </a:fillRef>
-          <a:effectRef idx="0">
-            <a:schemeClr val="accent2"/>
-          </a:effectRef>
-          <a:fontRef idx="minor">
-            <a:schemeClr val="lt1"/>
-          </a:fontRef>
-        </p:style>
-        <p:txBody>
-          <a:bodyPr rtlCol="0" anchor="ctr"/>
-          <a:lstStyle/>
-          <a:p>
-            <a:pPr algn="ctr"/>
-            <a:r>
-              <a:rPr lang="en-US" altLang="ko-KR" sz="1200" dirty="0" smtClean="0"/>
-              <a:t>Filter</a:t>
-            </a:r>
-            <a:endParaRPr lang="ko-KR" altLang="en-US" sz="1200" dirty="0"/>
-          </a:p>
-        </p:txBody>
-      </p:sp>
-      <p:sp>
-        <p:nvSpPr>
-          <p:cNvPr id="12" name="직사각형 11"/>
-          <p:cNvSpPr/>
-          <p:nvPr/>
-        </p:nvSpPr>
-        <p:spPr>
-          <a:xfrm>
-            <a:off x="755576" y="1767850"/>
-            <a:ext cx="1512168" cy="427083"/>
-          </a:xfrm>
-          <a:prstGeom prst="rect">
-            <a:avLst/>
-          </a:prstGeom>
-        </p:spPr>
-        <p:style>
-          <a:lnRef idx="2">
-            <a:schemeClr val="accent2">
-              <a:shade val="50000"/>
-            </a:schemeClr>
-          </a:lnRef>
-          <a:fillRef idx="1">
-            <a:schemeClr val="accent2"/>
-          </a:fillRef>
-          <a:effectRef idx="0">
-            <a:schemeClr val="accent2"/>
-          </a:effectRef>
-          <a:fontRef idx="minor">
-            <a:schemeClr val="lt1"/>
-          </a:fontRef>
-        </p:style>
-        <p:txBody>
-          <a:bodyPr rtlCol="0" anchor="ctr"/>
-          <a:lstStyle/>
-          <a:p>
-            <a:pPr algn="ctr"/>
-            <a:r>
-              <a:rPr lang="en-US" altLang="ko-KR" sz="1200" dirty="0" smtClean="0"/>
-              <a:t>Request Listener</a:t>
-            </a:r>
-            <a:endParaRPr lang="ko-KR" altLang="en-US" sz="1200" dirty="0"/>
-          </a:p>
-        </p:txBody>
-      </p:sp>
-      <p:sp>
-        <p:nvSpPr>
-          <p:cNvPr id="13" name="직사각형 12"/>
-          <p:cNvSpPr/>
-          <p:nvPr/>
-        </p:nvSpPr>
-        <p:spPr>
-          <a:xfrm>
-            <a:off x="5724128" y="1767850"/>
-            <a:ext cx="1512168" cy="427083"/>
-          </a:xfrm>
-          <a:prstGeom prst="rect">
-            <a:avLst/>
-          </a:prstGeom>
-        </p:spPr>
-        <p:style>
-          <a:lnRef idx="2">
-            <a:schemeClr val="accent3">
-              <a:shade val="50000"/>
-            </a:schemeClr>
-          </a:lnRef>
-          <a:fillRef idx="1">
-            <a:schemeClr val="accent3"/>
-          </a:fillRef>
-          <a:effectRef idx="0">
-            <a:schemeClr val="accent3"/>
-          </a:effectRef>
-          <a:fontRef idx="minor">
-            <a:schemeClr val="lt1"/>
-          </a:fontRef>
-        </p:style>
-        <p:txBody>
-          <a:bodyPr rtlCol="0" anchor="ctr"/>
-          <a:lstStyle/>
-          <a:p>
-            <a:pPr algn="ctr"/>
-            <a:r>
-              <a:rPr lang="en-US" altLang="ko-KR" sz="1200" dirty="0" smtClean="0"/>
-              <a:t>Theme Resolver</a:t>
-            </a:r>
-            <a:endParaRPr lang="ko-KR" altLang="en-US" sz="1200" dirty="0"/>
-          </a:p>
-        </p:txBody>
-      </p:sp>
-      <p:sp>
-        <p:nvSpPr>
-          <p:cNvPr id="14" name="직사각형 13"/>
-          <p:cNvSpPr/>
-          <p:nvPr/>
-        </p:nvSpPr>
-        <p:spPr>
-          <a:xfrm>
-            <a:off x="755576" y="1124744"/>
-            <a:ext cx="1512168" cy="427083"/>
-          </a:xfrm>
-          <a:prstGeom prst="rect">
-            <a:avLst/>
-          </a:prstGeom>
-        </p:spPr>
-        <p:style>
-          <a:lnRef idx="2">
-            <a:schemeClr val="accent2">
-              <a:shade val="50000"/>
-            </a:schemeClr>
-          </a:lnRef>
-          <a:fillRef idx="1">
-            <a:schemeClr val="accent2"/>
-          </a:fillRef>
-          <a:effectRef idx="0">
-            <a:schemeClr val="accent2"/>
-          </a:effectRef>
-          <a:fontRef idx="minor">
-            <a:schemeClr val="lt1"/>
-          </a:fontRef>
-        </p:style>
-        <p:txBody>
-          <a:bodyPr rtlCol="0" anchor="ctr"/>
-          <a:lstStyle/>
-          <a:p>
-            <a:pPr algn="ctr"/>
-            <a:r>
-              <a:rPr lang="en-US" altLang="ko-KR" sz="1200" dirty="0" smtClean="0"/>
-              <a:t>Context Listener</a:t>
-            </a:r>
-            <a:endParaRPr lang="ko-KR" altLang="en-US" sz="1200" dirty="0"/>
-          </a:p>
-        </p:txBody>
-      </p:sp>
-      <p:sp>
-        <p:nvSpPr>
-          <p:cNvPr id="15" name="직사각형 14"/>
-          <p:cNvSpPr/>
-          <p:nvPr/>
-        </p:nvSpPr>
-        <p:spPr>
-          <a:xfrm>
-            <a:off x="4067944" y="5661245"/>
-            <a:ext cx="1512168" cy="427083"/>
-          </a:xfrm>
-          <a:prstGeom prst="rect">
-            <a:avLst/>
-          </a:prstGeom>
-        </p:spPr>
-        <p:style>
-          <a:lnRef idx="2">
-            <a:schemeClr val="accent4">
-              <a:shade val="50000"/>
-            </a:schemeClr>
-          </a:lnRef>
-          <a:fillRef idx="1">
-            <a:schemeClr val="accent4"/>
-          </a:fillRef>
-          <a:effectRef idx="0">
-            <a:schemeClr val="accent4"/>
-          </a:effectRef>
-          <a:fontRef idx="minor">
-            <a:schemeClr val="lt1"/>
-          </a:fontRef>
-        </p:style>
-        <p:txBody>
-          <a:bodyPr rtlCol="0" anchor="ctr"/>
-          <a:lstStyle/>
-          <a:p>
-            <a:pPr algn="ctr"/>
-            <a:r>
-              <a:rPr lang="en-US" altLang="ko-KR" sz="1200" dirty="0"/>
-              <a:t>Adapter</a:t>
-            </a:r>
-            <a:endParaRPr lang="ko-KR" altLang="en-US" sz="1200" dirty="0"/>
-          </a:p>
-        </p:txBody>
-      </p:sp>
-      <p:sp>
-        <p:nvSpPr>
-          <p:cNvPr id="18" name="직사각형 17"/>
-          <p:cNvSpPr/>
-          <p:nvPr/>
-        </p:nvSpPr>
-        <p:spPr>
-          <a:xfrm>
-            <a:off x="4067944" y="1772815"/>
-            <a:ext cx="1512168" cy="427083"/>
-          </a:xfrm>
-          <a:prstGeom prst="rect">
-            <a:avLst/>
-          </a:prstGeom>
-        </p:spPr>
-        <p:style>
-          <a:lnRef idx="2">
-            <a:schemeClr val="accent3">
-              <a:shade val="50000"/>
-            </a:schemeClr>
-          </a:lnRef>
-          <a:fillRef idx="1">
-            <a:schemeClr val="accent3"/>
-          </a:fillRef>
-          <a:effectRef idx="0">
-            <a:schemeClr val="accent3"/>
-          </a:effectRef>
-          <a:fontRef idx="minor">
-            <a:schemeClr val="lt1"/>
-          </a:fontRef>
-        </p:style>
-        <p:txBody>
-          <a:bodyPr rtlCol="0" anchor="ctr"/>
-          <a:lstStyle/>
-          <a:p>
-            <a:pPr algn="ctr"/>
-            <a:r>
-              <a:rPr lang="en-US" altLang="ko-KR" sz="1200" dirty="0" smtClean="0"/>
-              <a:t>Locale Resolver</a:t>
-            </a:r>
-            <a:endParaRPr lang="ko-KR" altLang="en-US" sz="1200" dirty="0"/>
-          </a:p>
-        </p:txBody>
-      </p:sp>
-      <p:sp>
-        <p:nvSpPr>
-          <p:cNvPr id="19" name="직사각형 18"/>
-          <p:cNvSpPr/>
-          <p:nvPr/>
-        </p:nvSpPr>
-        <p:spPr>
-          <a:xfrm>
-            <a:off x="755576" y="2420886"/>
-            <a:ext cx="1512168" cy="427083"/>
-          </a:xfrm>
-          <a:prstGeom prst="rect">
-            <a:avLst/>
-          </a:prstGeom>
-        </p:spPr>
-        <p:style>
-          <a:lnRef idx="2">
-            <a:schemeClr val="accent2">
-              <a:shade val="50000"/>
-            </a:schemeClr>
-          </a:lnRef>
-          <a:fillRef idx="1">
-            <a:schemeClr val="accent2"/>
-          </a:fillRef>
-          <a:effectRef idx="0">
-            <a:schemeClr val="accent2"/>
-          </a:effectRef>
-          <a:fontRef idx="minor">
-            <a:schemeClr val="lt1"/>
-          </a:fontRef>
-        </p:style>
-        <p:txBody>
-          <a:bodyPr rtlCol="0" anchor="ctr"/>
-          <a:lstStyle/>
-          <a:p>
-            <a:pPr algn="ctr"/>
-            <a:r>
-              <a:rPr lang="en-US" altLang="ko-KR" sz="1200" dirty="0" smtClean="0"/>
-              <a:t>Session Listener</a:t>
-            </a:r>
-            <a:endParaRPr lang="ko-KR" altLang="en-US" sz="1200" dirty="0"/>
-          </a:p>
-        </p:txBody>
-      </p:sp>
-      <p:sp>
-        <p:nvSpPr>
-          <p:cNvPr id="20" name="직사각형 19"/>
-          <p:cNvSpPr/>
-          <p:nvPr/>
-        </p:nvSpPr>
-        <p:spPr>
-          <a:xfrm>
-            <a:off x="7380312" y="1772815"/>
-            <a:ext cx="1512168" cy="427083"/>
-          </a:xfrm>
-          <a:prstGeom prst="rect">
-            <a:avLst/>
-          </a:prstGeom>
-        </p:spPr>
-        <p:style>
-          <a:lnRef idx="2">
-            <a:schemeClr val="accent3">
-              <a:shade val="50000"/>
-            </a:schemeClr>
-          </a:lnRef>
-          <a:fillRef idx="1">
-            <a:schemeClr val="accent3"/>
-          </a:fillRef>
-          <a:effectRef idx="0">
-            <a:schemeClr val="accent3"/>
-          </a:effectRef>
-          <a:fontRef idx="minor">
-            <a:schemeClr val="lt1"/>
-          </a:fontRef>
-        </p:style>
-        <p:txBody>
-          <a:bodyPr rtlCol="0" anchor="ctr"/>
-          <a:lstStyle/>
-          <a:p>
-            <a:pPr algn="ctr"/>
-            <a:r>
-              <a:rPr lang="en-US" altLang="ko-KR" sz="1200" dirty="0" smtClean="0"/>
-              <a:t>Multipart File Resolver</a:t>
-            </a:r>
-            <a:endParaRPr lang="ko-KR" altLang="en-US" sz="1200" dirty="0"/>
-          </a:p>
-        </p:txBody>
-      </p:sp>
-      <p:sp>
-        <p:nvSpPr>
-          <p:cNvPr id="21" name="직사각형 20"/>
-          <p:cNvSpPr/>
-          <p:nvPr/>
-        </p:nvSpPr>
-        <p:spPr>
-          <a:xfrm>
-            <a:off x="2411760" y="3068957"/>
-            <a:ext cx="1512168" cy="427083"/>
-          </a:xfrm>
-          <a:prstGeom prst="rect">
-            <a:avLst/>
-          </a:prstGeom>
-        </p:spPr>
-        <p:style>
-          <a:lnRef idx="2">
-            <a:schemeClr val="accent3">
-              <a:shade val="50000"/>
-            </a:schemeClr>
-          </a:lnRef>
-          <a:fillRef idx="1">
-            <a:schemeClr val="accent3"/>
-          </a:fillRef>
-          <a:effectRef idx="0">
-            <a:schemeClr val="accent3"/>
-          </a:effectRef>
-          <a:fontRef idx="minor">
-            <a:schemeClr val="lt1"/>
-          </a:fontRef>
-        </p:style>
-        <p:txBody>
-          <a:bodyPr rtlCol="0" anchor="ctr"/>
-          <a:lstStyle/>
-          <a:p>
-            <a:pPr algn="ctr"/>
-            <a:r>
-              <a:rPr lang="en-US" altLang="ko-KR" sz="1200" dirty="0" smtClean="0"/>
-              <a:t>Handler Mappings</a:t>
-            </a:r>
-            <a:endParaRPr lang="ko-KR" altLang="en-US" sz="1200" dirty="0"/>
-          </a:p>
-        </p:txBody>
-      </p:sp>
-      <p:sp>
-        <p:nvSpPr>
-          <p:cNvPr id="22" name="직사각형 21"/>
-          <p:cNvSpPr/>
-          <p:nvPr/>
-        </p:nvSpPr>
-        <p:spPr>
-          <a:xfrm>
-            <a:off x="4067944" y="3059024"/>
-            <a:ext cx="1512168" cy="427083"/>
-          </a:xfrm>
-          <a:prstGeom prst="rect">
-            <a:avLst/>
-          </a:prstGeom>
-        </p:spPr>
-        <p:style>
-          <a:lnRef idx="2">
-            <a:schemeClr val="accent3">
-              <a:shade val="50000"/>
-            </a:schemeClr>
-          </a:lnRef>
-          <a:fillRef idx="1">
-            <a:schemeClr val="accent3"/>
-          </a:fillRef>
-          <a:effectRef idx="0">
-            <a:schemeClr val="accent3"/>
-          </a:effectRef>
-          <a:fontRef idx="minor">
-            <a:schemeClr val="lt1"/>
-          </a:fontRef>
-        </p:style>
-        <p:txBody>
-          <a:bodyPr rtlCol="0" anchor="ctr"/>
-          <a:lstStyle/>
-          <a:p>
-            <a:pPr algn="ctr"/>
-            <a:r>
-              <a:rPr lang="en-US" altLang="ko-KR" sz="1200" dirty="0" smtClean="0"/>
-              <a:t>Web Argument Resolver</a:t>
-            </a:r>
-            <a:endParaRPr lang="ko-KR" altLang="en-US" sz="1200" dirty="0"/>
-          </a:p>
-        </p:txBody>
-      </p:sp>
-      <p:sp>
-        <p:nvSpPr>
-          <p:cNvPr id="28" name="TextBox 27"/>
-          <p:cNvSpPr txBox="1"/>
-          <p:nvPr/>
-        </p:nvSpPr>
-        <p:spPr>
-          <a:xfrm>
-            <a:off x="179512" y="260648"/>
-            <a:ext cx="4812536" cy="646331"/>
-          </a:xfrm>
-          <a:prstGeom prst="rect">
-            <a:avLst/>
-          </a:prstGeom>
-          <a:noFill/>
-        </p:spPr>
-        <p:txBody>
-          <a:bodyPr wrap="none" rtlCol="0">
-            <a:spAutoFit/>
-          </a:bodyPr>
-          <a:lstStyle/>
-          <a:p>
-            <a:r>
-              <a:rPr lang="en-US" altLang="ko-KR" dirty="0" smtClean="0"/>
-              <a:t>Java Web Application with </a:t>
-            </a:r>
-            <a:r>
-              <a:rPr lang="en-US" altLang="ko-KR" dirty="0" err="1" smtClean="0"/>
-              <a:t>Springframework</a:t>
-            </a:r>
-            <a:endParaRPr lang="en-US" altLang="ko-KR" dirty="0" smtClean="0"/>
-          </a:p>
-          <a:p>
-            <a:r>
-              <a:rPr lang="en-US" altLang="ko-KR" dirty="0" smtClean="0"/>
-              <a:t>: Java SE/EE vs. </a:t>
-            </a:r>
-            <a:r>
-              <a:rPr lang="en-US" altLang="ko-KR" dirty="0" err="1" smtClean="0"/>
-              <a:t>Springframework</a:t>
-            </a:r>
-            <a:endParaRPr lang="ko-KR" altLang="en-US" dirty="0"/>
-          </a:p>
-        </p:txBody>
-      </p:sp>
-      <p:sp>
-        <p:nvSpPr>
-          <p:cNvPr id="29" name="직사각형 28"/>
-          <p:cNvSpPr/>
-          <p:nvPr/>
-        </p:nvSpPr>
-        <p:spPr>
-          <a:xfrm>
-            <a:off x="755576" y="5684856"/>
-            <a:ext cx="1512168" cy="427083"/>
-          </a:xfrm>
-          <a:prstGeom prst="rect">
-            <a:avLst/>
-          </a:prstGeom>
-        </p:spPr>
-        <p:style>
-          <a:lnRef idx="2">
-            <a:schemeClr val="accent4">
-              <a:shade val="50000"/>
-            </a:schemeClr>
-          </a:lnRef>
-          <a:fillRef idx="1">
-            <a:schemeClr val="accent4"/>
-          </a:fillRef>
-          <a:effectRef idx="0">
-            <a:schemeClr val="accent4"/>
-          </a:effectRef>
-          <a:fontRef idx="minor">
-            <a:schemeClr val="lt1"/>
-          </a:fontRef>
-        </p:style>
-        <p:txBody>
-          <a:bodyPr rtlCol="0" anchor="ctr"/>
-          <a:lstStyle/>
-          <a:p>
-            <a:pPr algn="ctr"/>
-            <a:r>
-              <a:rPr lang="en-US" altLang="ko-KR" sz="1200" dirty="0" smtClean="0"/>
-              <a:t>Utility</a:t>
-            </a:r>
-            <a:endParaRPr lang="ko-KR" altLang="en-US" sz="1200" dirty="0"/>
-          </a:p>
-        </p:txBody>
-      </p:sp>
-      <p:sp>
-        <p:nvSpPr>
-          <p:cNvPr id="26" name="직사각형 25"/>
-          <p:cNvSpPr/>
-          <p:nvPr/>
-        </p:nvSpPr>
-        <p:spPr>
-          <a:xfrm>
-            <a:off x="7456571" y="119118"/>
-            <a:ext cx="1512168" cy="1504718"/>
-          </a:xfrm>
-          <a:prstGeom prst="rect">
-            <a:avLst/>
-          </a:prstGeom>
-        </p:spPr>
-        <p:style>
-          <a:lnRef idx="2">
-            <a:schemeClr val="dk1"/>
-          </a:lnRef>
-          <a:fillRef idx="1">
-            <a:schemeClr val="lt1"/>
-          </a:fillRef>
-          <a:effectRef idx="0">
-            <a:schemeClr val="dk1"/>
-          </a:effectRef>
-          <a:fontRef idx="minor">
-            <a:schemeClr val="dk1"/>
-          </a:fontRef>
-        </p:style>
-        <p:txBody>
-          <a:bodyPr rtlCol="0" anchor="t" anchorCtr="0"/>
-          <a:lstStyle/>
-          <a:p>
-            <a:pPr algn="ctr"/>
-            <a:r>
-              <a:rPr lang="en-US" altLang="ko-KR" sz="1200" b="1" dirty="0" smtClean="0"/>
-              <a:t>Legend</a:t>
-            </a:r>
-            <a:endParaRPr lang="ko-KR" altLang="en-US" sz="1200" b="1" dirty="0"/>
-          </a:p>
-        </p:txBody>
-      </p:sp>
-      <p:sp>
-        <p:nvSpPr>
-          <p:cNvPr id="23" name="직사각형 22"/>
-          <p:cNvSpPr/>
-          <p:nvPr/>
-        </p:nvSpPr>
-        <p:spPr>
-          <a:xfrm>
-            <a:off x="7600587" y="692696"/>
-            <a:ext cx="1224136" cy="218507"/>
-          </a:xfrm>
-          <a:prstGeom prst="rect">
-            <a:avLst/>
-          </a:prstGeom>
-        </p:spPr>
-        <p:style>
-          <a:lnRef idx="2">
-            <a:schemeClr val="accent3">
-              <a:shade val="50000"/>
-            </a:schemeClr>
-          </a:lnRef>
-          <a:fillRef idx="1">
-            <a:schemeClr val="accent3"/>
-          </a:fillRef>
-          <a:effectRef idx="0">
-            <a:schemeClr val="accent3"/>
-          </a:effectRef>
-          <a:fontRef idx="minor">
-            <a:schemeClr val="lt1"/>
-          </a:fontRef>
-        </p:style>
-        <p:txBody>
-          <a:bodyPr rtlCol="0" anchor="ctr"/>
-          <a:lstStyle/>
-          <a:p>
-            <a:pPr algn="ctr"/>
-            <a:r>
-              <a:rPr lang="en-US" altLang="ko-KR" sz="1000" dirty="0" err="1" smtClean="0"/>
-              <a:t>Springframework</a:t>
-            </a:r>
-            <a:endParaRPr lang="ko-KR" altLang="en-US" sz="1000" dirty="0"/>
-          </a:p>
-        </p:txBody>
-      </p:sp>
-      <p:sp>
-        <p:nvSpPr>
-          <p:cNvPr id="24" name="직사각형 23"/>
-          <p:cNvSpPr/>
-          <p:nvPr/>
-        </p:nvSpPr>
-        <p:spPr>
-          <a:xfrm>
-            <a:off x="7600587" y="978245"/>
-            <a:ext cx="1224136" cy="218507"/>
-          </a:xfrm>
-          <a:prstGeom prst="rect">
-            <a:avLst/>
-          </a:prstGeom>
-        </p:spPr>
-        <p:style>
-          <a:lnRef idx="2">
-            <a:schemeClr val="accent2">
-              <a:shade val="50000"/>
-            </a:schemeClr>
-          </a:lnRef>
-          <a:fillRef idx="1">
-            <a:schemeClr val="accent2"/>
-          </a:fillRef>
-          <a:effectRef idx="0">
-            <a:schemeClr val="accent2"/>
-          </a:effectRef>
-          <a:fontRef idx="minor">
-            <a:schemeClr val="lt1"/>
-          </a:fontRef>
-        </p:style>
-        <p:txBody>
-          <a:bodyPr rtlCol="0" anchor="ctr"/>
-          <a:lstStyle/>
-          <a:p>
-            <a:pPr algn="ctr"/>
-            <a:r>
-              <a:rPr lang="en-US" altLang="ko-KR" sz="1000" dirty="0" smtClean="0"/>
-              <a:t>Java EE</a:t>
-            </a:r>
-            <a:endParaRPr lang="ko-KR" altLang="en-US" sz="1000" dirty="0"/>
-          </a:p>
-        </p:txBody>
-      </p:sp>
-      <p:sp>
-        <p:nvSpPr>
-          <p:cNvPr id="25" name="직사각형 24"/>
-          <p:cNvSpPr/>
-          <p:nvPr/>
-        </p:nvSpPr>
-        <p:spPr>
-          <a:xfrm>
-            <a:off x="7600587" y="1268760"/>
-            <a:ext cx="1224136" cy="218507"/>
-          </a:xfrm>
-          <a:prstGeom prst="rect">
-            <a:avLst/>
-          </a:prstGeom>
-        </p:spPr>
-        <p:style>
-          <a:lnRef idx="2">
-            <a:schemeClr val="accent4">
-              <a:shade val="50000"/>
-            </a:schemeClr>
-          </a:lnRef>
-          <a:fillRef idx="1">
-            <a:schemeClr val="accent4"/>
-          </a:fillRef>
-          <a:effectRef idx="0">
-            <a:schemeClr val="accent4"/>
-          </a:effectRef>
-          <a:fontRef idx="minor">
-            <a:schemeClr val="lt1"/>
-          </a:fontRef>
-        </p:style>
-        <p:txBody>
-          <a:bodyPr rtlCol="0" anchor="ctr"/>
-          <a:lstStyle/>
-          <a:p>
-            <a:pPr algn="ctr"/>
-            <a:r>
-              <a:rPr lang="en-US" altLang="ko-KR" sz="1000" dirty="0" smtClean="0"/>
-              <a:t>Java SE</a:t>
-            </a:r>
-            <a:endParaRPr lang="ko-KR" altLang="en-US" sz="1000" dirty="0"/>
-          </a:p>
-        </p:txBody>
-      </p:sp>
-      <p:cxnSp>
-        <p:nvCxnSpPr>
-          <p:cNvPr id="57" name="직선 화살표 연결선 56"/>
-          <p:cNvCxnSpPr/>
-          <p:nvPr/>
-        </p:nvCxnSpPr>
-        <p:spPr>
-          <a:xfrm flipV="1">
-            <a:off x="8608699" y="465640"/>
-            <a:ext cx="216024" cy="5516"/>
-          </a:xfrm>
-          <a:prstGeom prst="straightConnector1">
-            <a:avLst/>
-          </a:prstGeom>
-          <a:ln w="25400" cmpd="sng">
-            <a:solidFill>
-              <a:schemeClr val="tx1"/>
-            </a:solidFill>
-            <a:tailEnd type="triangle"/>
+          </a:solidFill>
+          <a:ln>
+            <a:prstDash val="dash"/>
           </a:ln>
         </p:spPr>
         <p:style>
-          <a:lnRef idx="1">
-            <a:schemeClr val="accent1"/>
-          </a:lnRef>
-          <a:fillRef idx="0">
-            <a:schemeClr val="accent1"/>
-          </a:fillRef>
-          <a:effectRef idx="0">
-            <a:schemeClr val="accent1"/>
-          </a:effectRef>
-          <a:fontRef idx="minor">
-            <a:schemeClr val="tx1"/>
-          </a:fontRef>
-        </p:style>
-      </p:cxnSp>
-      <p:sp>
-        <p:nvSpPr>
-          <p:cNvPr id="60" name="TextBox 59"/>
-          <p:cNvSpPr txBox="1"/>
-          <p:nvPr/>
-        </p:nvSpPr>
-        <p:spPr>
-          <a:xfrm>
-            <a:off x="7600587" y="332656"/>
-            <a:ext cx="1078565" cy="276999"/>
-          </a:xfrm>
-          <a:prstGeom prst="rect">
-            <a:avLst/>
-          </a:prstGeom>
-          <a:noFill/>
-        </p:spPr>
-        <p:txBody>
-          <a:bodyPr wrap="none" rtlCol="0">
-            <a:spAutoFit/>
-          </a:bodyPr>
-          <a:lstStyle/>
-          <a:p>
-            <a:r>
-              <a:rPr lang="en-US" altLang="ko-KR" sz="1200" dirty="0" smtClean="0"/>
-              <a:t>Control Flow</a:t>
-            </a:r>
-            <a:endParaRPr lang="ko-KR" altLang="en-US" sz="1200" dirty="0"/>
-          </a:p>
-        </p:txBody>
-      </p:sp>
-      <p:sp>
-        <p:nvSpPr>
-          <p:cNvPr id="63" name="직사각형 62"/>
-          <p:cNvSpPr/>
-          <p:nvPr/>
-        </p:nvSpPr>
-        <p:spPr>
-          <a:xfrm>
-            <a:off x="7380312" y="3059024"/>
-            <a:ext cx="1512168" cy="427083"/>
-          </a:xfrm>
-          <a:prstGeom prst="rect">
-            <a:avLst/>
-          </a:prstGeom>
-        </p:spPr>
-        <p:style>
-          <a:lnRef idx="2">
-            <a:schemeClr val="accent3">
-              <a:shade val="50000"/>
-            </a:schemeClr>
-          </a:lnRef>
-          <a:fillRef idx="1">
-            <a:schemeClr val="accent3"/>
-          </a:fillRef>
-          <a:effectRef idx="0">
-            <a:schemeClr val="accent3"/>
-          </a:effectRef>
-          <a:fontRef idx="minor">
-            <a:schemeClr val="lt1"/>
-          </a:fontRef>
-        </p:style>
-        <p:txBody>
-          <a:bodyPr rtlCol="0" anchor="ctr"/>
-          <a:lstStyle/>
-          <a:p>
-            <a:pPr algn="ctr"/>
-            <a:r>
-              <a:rPr lang="en-US" altLang="ko-KR" sz="1200" dirty="0" smtClean="0"/>
-              <a:t>Flash Map Manager</a:t>
-            </a:r>
-            <a:endParaRPr lang="ko-KR" altLang="en-US" sz="1200" dirty="0"/>
-          </a:p>
-        </p:txBody>
-      </p:sp>
-      <p:sp>
-        <p:nvSpPr>
-          <p:cNvPr id="64" name="직사각형 63"/>
-          <p:cNvSpPr/>
-          <p:nvPr/>
-        </p:nvSpPr>
-        <p:spPr>
-          <a:xfrm>
-            <a:off x="4067944" y="2410953"/>
-            <a:ext cx="1512168" cy="427083"/>
-          </a:xfrm>
-          <a:prstGeom prst="rect">
-            <a:avLst/>
-          </a:prstGeom>
-        </p:spPr>
-        <p:style>
-          <a:lnRef idx="2">
-            <a:schemeClr val="accent3">
-              <a:shade val="50000"/>
-            </a:schemeClr>
-          </a:lnRef>
-          <a:fillRef idx="1">
-            <a:schemeClr val="accent3"/>
-          </a:fillRef>
-          <a:effectRef idx="0">
-            <a:schemeClr val="accent3"/>
-          </a:effectRef>
-          <a:fontRef idx="minor">
-            <a:schemeClr val="lt1"/>
-          </a:fontRef>
-        </p:style>
-        <p:txBody>
-          <a:bodyPr rtlCol="0" anchor="ctr"/>
-          <a:lstStyle/>
-          <a:p>
-            <a:pPr algn="ctr"/>
-            <a:r>
-              <a:rPr lang="en-US" altLang="ko-KR" sz="1200" dirty="0" smtClean="0"/>
-              <a:t>Handler Adapter</a:t>
-            </a:r>
-            <a:endParaRPr lang="ko-KR" altLang="en-US" sz="1200" dirty="0"/>
-          </a:p>
-        </p:txBody>
-      </p:sp>
-      <p:cxnSp>
-        <p:nvCxnSpPr>
-          <p:cNvPr id="81" name="직선 화살표 연결선 80"/>
-          <p:cNvCxnSpPr/>
-          <p:nvPr/>
-        </p:nvCxnSpPr>
-        <p:spPr>
-          <a:xfrm>
-            <a:off x="3923928" y="3928088"/>
-            <a:ext cx="3456384" cy="0"/>
-          </a:xfrm>
-          <a:prstGeom prst="straightConnector1">
-            <a:avLst/>
-          </a:prstGeom>
-          <a:ln w="25400" cmpd="sng">
-            <a:solidFill>
-              <a:schemeClr val="tx1"/>
-            </a:solidFill>
-            <a:tailEnd type="triangle"/>
-          </a:ln>
-        </p:spPr>
-        <p:style>
-          <a:lnRef idx="1">
-            <a:schemeClr val="accent1"/>
-          </a:lnRef>
-          <a:fillRef idx="0">
-            <a:schemeClr val="accent1"/>
-          </a:fillRef>
-          <a:effectRef idx="0">
-            <a:schemeClr val="accent1"/>
-          </a:effectRef>
-          <a:fontRef idx="minor">
-            <a:schemeClr val="tx1"/>
-          </a:fontRef>
-        </p:style>
-      </p:cxnSp>
-      <p:sp>
-        <p:nvSpPr>
-          <p:cNvPr id="65" name="직사각형 64"/>
-          <p:cNvSpPr/>
-          <p:nvPr/>
-        </p:nvSpPr>
-        <p:spPr>
-          <a:xfrm>
-            <a:off x="5724128" y="2410952"/>
-            <a:ext cx="1512168" cy="427083"/>
-          </a:xfrm>
-          <a:prstGeom prst="rect">
-            <a:avLst/>
-          </a:prstGeom>
-        </p:spPr>
-        <p:style>
-          <a:lnRef idx="2">
-            <a:schemeClr val="accent3">
-              <a:shade val="50000"/>
-            </a:schemeClr>
-          </a:lnRef>
-          <a:fillRef idx="1">
-            <a:schemeClr val="accent3"/>
-          </a:fillRef>
-          <a:effectRef idx="0">
-            <a:schemeClr val="accent3"/>
-          </a:effectRef>
-          <a:fontRef idx="minor">
-            <a:schemeClr val="lt1"/>
-          </a:fontRef>
-        </p:style>
-        <p:txBody>
-          <a:bodyPr rtlCol="0" anchor="ctr"/>
-          <a:lstStyle/>
-          <a:p>
-            <a:pPr algn="ctr"/>
-            <a:r>
-              <a:rPr lang="en-US" altLang="ko-KR" sz="1200" dirty="0" smtClean="0"/>
-              <a:t>Message Converter</a:t>
-            </a:r>
-            <a:endParaRPr lang="ko-KR" altLang="en-US" sz="1200" dirty="0"/>
-          </a:p>
-        </p:txBody>
-      </p:sp>
-      <p:sp>
-        <p:nvSpPr>
-          <p:cNvPr id="66" name="직사각형 65"/>
-          <p:cNvSpPr/>
-          <p:nvPr/>
-        </p:nvSpPr>
-        <p:spPr>
-          <a:xfrm>
-            <a:off x="5724128" y="3063989"/>
-            <a:ext cx="1512168" cy="427083"/>
-          </a:xfrm>
-          <a:prstGeom prst="rect">
-            <a:avLst/>
-          </a:prstGeom>
-        </p:spPr>
-        <p:style>
-          <a:lnRef idx="2">
-            <a:schemeClr val="accent3">
-              <a:shade val="50000"/>
-            </a:schemeClr>
-          </a:lnRef>
-          <a:fillRef idx="1">
-            <a:schemeClr val="accent3"/>
-          </a:fillRef>
-          <a:effectRef idx="0">
-            <a:schemeClr val="accent3"/>
-          </a:effectRef>
-          <a:fontRef idx="minor">
-            <a:schemeClr val="lt1"/>
-          </a:fontRef>
-        </p:style>
-        <p:txBody>
-          <a:bodyPr rtlCol="0" anchor="ctr"/>
-          <a:lstStyle/>
-          <a:p>
-            <a:pPr algn="ctr"/>
-            <a:r>
-              <a:rPr lang="en-US" altLang="ko-KR" sz="1200" dirty="0" err="1" smtClean="0"/>
-              <a:t>WebDataBinder</a:t>
-            </a:r>
-            <a:endParaRPr lang="ko-KR" altLang="en-US" sz="1200" dirty="0"/>
-          </a:p>
-        </p:txBody>
-      </p:sp>
-      <p:sp>
-        <p:nvSpPr>
-          <p:cNvPr id="82" name="직사각형 81"/>
-          <p:cNvSpPr/>
-          <p:nvPr/>
-        </p:nvSpPr>
-        <p:spPr>
-          <a:xfrm>
-            <a:off x="4067944" y="3721995"/>
-            <a:ext cx="1512168" cy="427083"/>
-          </a:xfrm>
-          <a:prstGeom prst="rect">
-            <a:avLst/>
-          </a:prstGeom>
-        </p:spPr>
-        <p:style>
-          <a:lnRef idx="2">
-            <a:schemeClr val="accent3">
-              <a:shade val="50000"/>
-            </a:schemeClr>
-          </a:lnRef>
-          <a:fillRef idx="1">
-            <a:schemeClr val="accent3"/>
-          </a:fillRef>
-          <a:effectRef idx="0">
-            <a:schemeClr val="accent3"/>
-          </a:effectRef>
-          <a:fontRef idx="minor">
-            <a:schemeClr val="lt1"/>
-          </a:fontRef>
-        </p:style>
-        <p:txBody>
-          <a:bodyPr rtlCol="0" anchor="ctr"/>
-          <a:lstStyle/>
-          <a:p>
-            <a:pPr algn="ctr"/>
-            <a:r>
-              <a:rPr lang="en-US" altLang="ko-KR" sz="1200" dirty="0" smtClean="0"/>
-              <a:t>View Resolver</a:t>
-            </a:r>
-            <a:endParaRPr lang="ko-KR" altLang="en-US" sz="1200" dirty="0"/>
-          </a:p>
-        </p:txBody>
-      </p:sp>
-      <p:sp>
-        <p:nvSpPr>
-          <p:cNvPr id="83" name="직사각형 82"/>
-          <p:cNvSpPr/>
-          <p:nvPr/>
-        </p:nvSpPr>
-        <p:spPr>
-          <a:xfrm>
-            <a:off x="5724128" y="3721995"/>
-            <a:ext cx="1512168" cy="427083"/>
-          </a:xfrm>
-          <a:prstGeom prst="rect">
-            <a:avLst/>
-          </a:prstGeom>
-        </p:spPr>
-        <p:style>
-          <a:lnRef idx="2">
-            <a:schemeClr val="accent3">
-              <a:shade val="50000"/>
-            </a:schemeClr>
-          </a:lnRef>
-          <a:fillRef idx="1">
-            <a:schemeClr val="accent3"/>
-          </a:fillRef>
-          <a:effectRef idx="0">
-            <a:schemeClr val="accent3"/>
-          </a:effectRef>
-          <a:fontRef idx="minor">
-            <a:schemeClr val="lt1"/>
-          </a:fontRef>
-        </p:style>
-        <p:txBody>
-          <a:bodyPr rtlCol="0" anchor="ctr"/>
-          <a:lstStyle/>
-          <a:p>
-            <a:pPr algn="ctr"/>
-            <a:r>
-              <a:rPr lang="en-US" altLang="ko-KR" sz="1200" dirty="0" smtClean="0"/>
-              <a:t>View</a:t>
-            </a:r>
-            <a:endParaRPr lang="ko-KR" altLang="en-US" sz="1200" dirty="0"/>
+          <a:lnRef idx="2">
+            <a:schemeClr val="dk1"/>
+          </a:lnRef>
+          <a:fillRef idx="1">
+            <a:schemeClr val="lt1"/>
+          </a:fillRef>
+          <a:effectRef idx="0">
+            <a:schemeClr val="dk1"/>
+          </a:effectRef>
+          <a:fontRef idx="minor">
+            <a:schemeClr val="dk1"/>
+          </a:fontRef>
+        </p:style>
+        <p:txBody>
+          <a:bodyPr rtlCol="0" anchor="ctr"/>
+          <a:lstStyle/>
+          <a:p>
+            <a:pPr algn="ctr"/>
+            <a:r>
+              <a:rPr lang="en-US" altLang="ko-KR" sz="900" b="1" dirty="0" smtClean="0">
+                <a:solidFill>
+                  <a:schemeClr val="bg1"/>
+                </a:solidFill>
+              </a:rPr>
+              <a:t>Http Session Binding Listener</a:t>
+            </a:r>
+            <a:endParaRPr lang="ko-KR" altLang="en-US" sz="900" b="1" dirty="0">
+              <a:solidFill>
+                <a:schemeClr val="bg1"/>
+              </a:solidFill>
+            </a:endParaRPr>
           </a:p>
         </p:txBody>
       </p:sp>
     </p:spTree>
     <p:extLst>
       <p:ext uri="{BB962C8B-B14F-4D97-AF65-F5344CB8AC3E}">
-        <p14:creationId xmlns:p14="http://schemas.microsoft.com/office/powerpoint/2010/main" val="2464545771"/>
+        <p14:creationId xmlns:p14="http://schemas.microsoft.com/office/powerpoint/2010/main" xmlns="" val="2464545771"/>
       </p:ext>
     </p:extLst>
   </p:cSld>
   <p:clrMapOvr>
     <a:masterClrMapping/>
   </p:clrMapOvr>
+  <p:transition/>
   <p:timing>
     <p:tnLst>
       <p:par>
@@ -4751,7 +4828,7 @@
         </p:nvCxnSpPr>
         <p:spPr>
           <a:xfrm>
-            <a:off x="3923928" y="5800296"/>
+            <a:off x="3923928" y="5805264"/>
             <a:ext cx="1944216" cy="0"/>
           </a:xfrm>
           <a:prstGeom prst="straightConnector1">
@@ -4787,7 +4864,7 @@
         </p:nvCxnSpPr>
         <p:spPr>
           <a:xfrm flipH="1">
-            <a:off x="3923928" y="5952696"/>
+            <a:off x="3923928" y="5957664"/>
             <a:ext cx="1944216" cy="0"/>
           </a:xfrm>
           <a:prstGeom prst="straightConnector1">
@@ -5376,8 +5453,12 @@
           <a:p>
             <a:pPr algn="ctr"/>
             <a:r>
+              <a:rPr lang="en-US" altLang="ko-KR" sz="1200" dirty="0" err="1" smtClean="0"/>
+              <a:t>Servlet</a:t>
+            </a:r>
+            <a:r>
               <a:rPr lang="en-US" altLang="ko-KR" sz="1200" dirty="0" smtClean="0"/>
-              <a:t>Filter</a:t>
+              <a:t> Filter</a:t>
             </a:r>
             <a:endParaRPr lang="ko-KR" altLang="en-US" sz="1200" dirty="0"/>
           </a:p>
@@ -5523,7 +5604,7 @@
         </p:nvSpPr>
         <p:spPr>
           <a:xfrm>
-            <a:off x="4067944" y="5661245"/>
+            <a:off x="4067944" y="5666213"/>
             <a:ext cx="1512168" cy="427083"/>
           </a:xfrm>
           <a:prstGeom prst="rect">
@@ -5788,7 +5869,7 @@
         <p:spPr>
           <a:xfrm>
             <a:off x="179512" y="260648"/>
-            <a:ext cx="4812536" cy="646331"/>
+            <a:ext cx="4350871" cy="646331"/>
           </a:xfrm>
           <a:prstGeom prst="rect">
             <a:avLst/>
@@ -5803,18 +5884,30 @@
           <a:p>
             <a:r>
               <a:rPr lang="en-US" altLang="ko-KR" dirty="0" smtClean="0"/>
-              <a:t>Java Web Application with </a:t>
+              <a:t>Java Web </a:t>
+            </a:r>
+            <a:r>
+              <a:rPr lang="en-US" altLang="ko-KR" dirty="0" smtClean="0"/>
+              <a:t>Application(</a:t>
             </a:r>
             <a:r>
               <a:rPr lang="en-US" altLang="ko-KR" dirty="0" err="1" smtClean="0"/>
               <a:t>Springframework</a:t>
             </a:r>
+            <a:r>
+              <a:rPr lang="en-US" altLang="ko-KR" dirty="0" smtClean="0"/>
+              <a:t>)</a:t>
+            </a:r>
             <a:endParaRPr lang="en-US" altLang="ko-KR" dirty="0" smtClean="0"/>
           </a:p>
           <a:p>
             <a:r>
               <a:rPr lang="en-US" altLang="ko-KR" dirty="0" smtClean="0"/>
-              <a:t>: Extension vs. Implementation</a:t>
+              <a:t>: Java SE/EE vs. </a:t>
+            </a:r>
+            <a:r>
+              <a:rPr lang="en-US" altLang="ko-KR" dirty="0" err="1" smtClean="0"/>
+              <a:t>Springframework</a:t>
             </a:r>
             <a:endParaRPr lang="ko-KR" altLang="en-US" dirty="0"/>
           </a:p>
@@ -5943,8 +6036,8 @@
           <a:p>
             <a:pPr algn="ctr"/>
             <a:r>
-              <a:rPr lang="en-US" altLang="ko-KR" sz="1000" dirty="0" smtClean="0"/>
-              <a:t>Spring</a:t>
+              <a:rPr lang="en-US" altLang="ko-KR" sz="1000" dirty="0" err="1" smtClean="0"/>
+              <a:t>Springframework</a:t>
             </a:r>
             <a:endParaRPr lang="ko-KR" altLang="en-US" sz="1000" dirty="0"/>
           </a:p>
@@ -6404,987 +6497,10 @@
           </a:p>
         </p:txBody>
       </p:sp>
-      <p:sp>
-        <p:nvSpPr>
-          <p:cNvPr id="98" name="직사각형 97"/>
-          <p:cNvSpPr/>
-          <p:nvPr/>
-        </p:nvSpPr>
-        <p:spPr>
-          <a:xfrm>
-            <a:off x="5834410" y="122205"/>
-            <a:ext cx="1512168" cy="967776"/>
-          </a:xfrm>
-          <a:prstGeom prst="rect">
-            <a:avLst/>
-          </a:prstGeom>
-        </p:spPr>
-        <p:style>
-          <a:lnRef idx="2">
-            <a:schemeClr val="dk1"/>
-          </a:lnRef>
-          <a:fillRef idx="1">
-            <a:schemeClr val="lt1"/>
-          </a:fillRef>
-          <a:effectRef idx="0">
-            <a:schemeClr val="dk1"/>
-          </a:effectRef>
-          <a:fontRef idx="minor">
-            <a:schemeClr val="dk1"/>
-          </a:fontRef>
-        </p:style>
-        <p:txBody>
-          <a:bodyPr rtlCol="0" anchor="t" anchorCtr="0"/>
-          <a:lstStyle/>
-          <a:p>
-            <a:pPr algn="ctr"/>
-            <a:r>
-              <a:rPr lang="en-US" altLang="ko-KR" sz="1200" b="1" dirty="0" smtClean="0"/>
-              <a:t>Legend</a:t>
-            </a:r>
-            <a:endParaRPr lang="ko-KR" altLang="en-US" sz="1200" b="1" dirty="0"/>
-          </a:p>
-        </p:txBody>
-      </p:sp>
-      <p:sp>
-        <p:nvSpPr>
-          <p:cNvPr id="95" name="모서리가 둥근 직사각형 94"/>
-          <p:cNvSpPr/>
-          <p:nvPr/>
-        </p:nvSpPr>
-        <p:spPr>
-          <a:xfrm>
-            <a:off x="5981388" y="404664"/>
-            <a:ext cx="1224136" cy="218507"/>
-          </a:xfrm>
-          <a:prstGeom prst="roundRect">
-            <a:avLst/>
-          </a:prstGeom>
-          <a:solidFill>
-            <a:srgbClr val="FFFF00"/>
-          </a:solidFill>
-          <a:ln>
-            <a:solidFill>
-              <a:schemeClr val="tx1"/>
-            </a:solidFill>
-          </a:ln>
-        </p:spPr>
-        <p:style>
-          <a:lnRef idx="2">
-            <a:schemeClr val="dk1"/>
-          </a:lnRef>
-          <a:fillRef idx="1">
-            <a:schemeClr val="lt1"/>
-          </a:fillRef>
-          <a:effectRef idx="0">
-            <a:schemeClr val="dk1"/>
-          </a:effectRef>
-          <a:fontRef idx="minor">
-            <a:schemeClr val="dk1"/>
-          </a:fontRef>
-        </p:style>
-        <p:txBody>
-          <a:bodyPr rtlCol="0" anchor="ctr"/>
-          <a:lstStyle/>
-          <a:p>
-            <a:pPr algn="ctr"/>
-            <a:r>
-              <a:rPr lang="en-US" altLang="ko-KR" sz="1000" b="1" dirty="0" smtClean="0"/>
-              <a:t>Extension Point</a:t>
-            </a:r>
-            <a:endParaRPr lang="ko-KR" altLang="en-US" sz="1000" b="1" dirty="0"/>
-          </a:p>
-        </p:txBody>
-      </p:sp>
-      <p:sp>
-        <p:nvSpPr>
-          <p:cNvPr id="152" name="모서리가 둥근 직사각형 151"/>
-          <p:cNvSpPr/>
-          <p:nvPr/>
-        </p:nvSpPr>
-        <p:spPr>
-          <a:xfrm>
-            <a:off x="2339752" y="1629733"/>
-            <a:ext cx="756084" cy="215091"/>
-          </a:xfrm>
-          <a:prstGeom prst="roundRect">
-            <a:avLst/>
-          </a:prstGeom>
-          <a:solidFill>
-            <a:srgbClr val="FFFF00"/>
-          </a:solidFill>
-        </p:spPr>
-        <p:style>
-          <a:lnRef idx="2">
-            <a:schemeClr val="dk1"/>
-          </a:lnRef>
-          <a:fillRef idx="1">
-            <a:schemeClr val="lt1"/>
-          </a:fillRef>
-          <a:effectRef idx="0">
-            <a:schemeClr val="dk1"/>
-          </a:effectRef>
-          <a:fontRef idx="minor">
-            <a:schemeClr val="dk1"/>
-          </a:fontRef>
-        </p:style>
-        <p:txBody>
-          <a:bodyPr rtlCol="0" anchor="ctr"/>
-          <a:lstStyle/>
-          <a:p>
-            <a:pPr algn="ctr"/>
-            <a:r>
-              <a:rPr lang="en-US" altLang="ko-KR" sz="1000" b="1" dirty="0" smtClean="0"/>
-              <a:t>Ext</a:t>
-            </a:r>
-            <a:endParaRPr lang="ko-KR" altLang="en-US" sz="1000" b="1" dirty="0"/>
-          </a:p>
-        </p:txBody>
-      </p:sp>
-      <p:sp>
-        <p:nvSpPr>
-          <p:cNvPr id="154" name="모서리가 둥근 직사각형 153"/>
-          <p:cNvSpPr/>
-          <p:nvPr/>
-        </p:nvSpPr>
-        <p:spPr>
-          <a:xfrm>
-            <a:off x="719572" y="980728"/>
-            <a:ext cx="756084" cy="215091"/>
-          </a:xfrm>
-          <a:prstGeom prst="roundRect">
-            <a:avLst/>
-          </a:prstGeom>
-          <a:solidFill>
-            <a:srgbClr val="FFFF00"/>
-          </a:solidFill>
-        </p:spPr>
-        <p:style>
-          <a:lnRef idx="2">
-            <a:schemeClr val="dk1"/>
-          </a:lnRef>
-          <a:fillRef idx="1">
-            <a:schemeClr val="lt1"/>
-          </a:fillRef>
-          <a:effectRef idx="0">
-            <a:schemeClr val="dk1"/>
-          </a:effectRef>
-          <a:fontRef idx="minor">
-            <a:schemeClr val="dk1"/>
-          </a:fontRef>
-        </p:style>
-        <p:txBody>
-          <a:bodyPr rtlCol="0" anchor="ctr"/>
-          <a:lstStyle/>
-          <a:p>
-            <a:pPr algn="ctr"/>
-            <a:r>
-              <a:rPr lang="en-US" altLang="ko-KR" sz="1000" b="1" dirty="0" smtClean="0"/>
-              <a:t>Ext</a:t>
-            </a:r>
-            <a:endParaRPr lang="ko-KR" altLang="en-US" sz="1000" b="1" dirty="0"/>
-          </a:p>
-        </p:txBody>
-      </p:sp>
-      <p:sp>
-        <p:nvSpPr>
-          <p:cNvPr id="155" name="모서리가 둥근 직사각형 154"/>
-          <p:cNvSpPr/>
-          <p:nvPr/>
-        </p:nvSpPr>
-        <p:spPr>
-          <a:xfrm>
-            <a:off x="719572" y="1629733"/>
-            <a:ext cx="756084" cy="215091"/>
-          </a:xfrm>
-          <a:prstGeom prst="roundRect">
-            <a:avLst/>
-          </a:prstGeom>
-          <a:solidFill>
-            <a:srgbClr val="FFFF00"/>
-          </a:solidFill>
-        </p:spPr>
-        <p:style>
-          <a:lnRef idx="2">
-            <a:schemeClr val="dk1"/>
-          </a:lnRef>
-          <a:fillRef idx="1">
-            <a:schemeClr val="lt1"/>
-          </a:fillRef>
-          <a:effectRef idx="0">
-            <a:schemeClr val="dk1"/>
-          </a:effectRef>
-          <a:fontRef idx="minor">
-            <a:schemeClr val="dk1"/>
-          </a:fontRef>
-        </p:style>
-        <p:txBody>
-          <a:bodyPr rtlCol="0" anchor="ctr"/>
-          <a:lstStyle/>
-          <a:p>
-            <a:pPr algn="ctr"/>
-            <a:r>
-              <a:rPr lang="en-US" altLang="ko-KR" sz="1000" b="1" dirty="0" smtClean="0"/>
-              <a:t>Ext</a:t>
-            </a:r>
-            <a:endParaRPr lang="ko-KR" altLang="en-US" sz="1000" b="1" dirty="0"/>
-          </a:p>
-        </p:txBody>
-      </p:sp>
-      <p:sp>
-        <p:nvSpPr>
-          <p:cNvPr id="156" name="모서리가 둥근 직사각형 155"/>
-          <p:cNvSpPr/>
-          <p:nvPr/>
-        </p:nvSpPr>
-        <p:spPr>
-          <a:xfrm>
-            <a:off x="683568" y="2277805"/>
-            <a:ext cx="756084" cy="215091"/>
-          </a:xfrm>
-          <a:prstGeom prst="roundRect">
-            <a:avLst/>
-          </a:prstGeom>
-          <a:solidFill>
-            <a:srgbClr val="FFFF00"/>
-          </a:solidFill>
-        </p:spPr>
-        <p:style>
-          <a:lnRef idx="2">
-            <a:schemeClr val="dk1"/>
-          </a:lnRef>
-          <a:fillRef idx="1">
-            <a:schemeClr val="lt1"/>
-          </a:fillRef>
-          <a:effectRef idx="0">
-            <a:schemeClr val="dk1"/>
-          </a:effectRef>
-          <a:fontRef idx="minor">
-            <a:schemeClr val="dk1"/>
-          </a:fontRef>
-        </p:style>
-        <p:txBody>
-          <a:bodyPr rtlCol="0" anchor="ctr"/>
-          <a:lstStyle/>
-          <a:p>
-            <a:pPr algn="ctr"/>
-            <a:r>
-              <a:rPr lang="en-US" altLang="ko-KR" sz="1000" b="1" dirty="0" smtClean="0"/>
-              <a:t>Ext</a:t>
-            </a:r>
-            <a:endParaRPr lang="ko-KR" altLang="en-US" sz="1000" b="1" dirty="0"/>
-          </a:p>
-        </p:txBody>
-      </p:sp>
-      <p:sp>
-        <p:nvSpPr>
-          <p:cNvPr id="157" name="모서리가 둥근 직사각형 156"/>
-          <p:cNvSpPr/>
-          <p:nvPr/>
-        </p:nvSpPr>
-        <p:spPr>
-          <a:xfrm>
-            <a:off x="2303748" y="3573949"/>
-            <a:ext cx="756084" cy="215091"/>
-          </a:xfrm>
-          <a:prstGeom prst="roundRect">
-            <a:avLst/>
-          </a:prstGeom>
-          <a:solidFill>
-            <a:srgbClr val="FFFF00"/>
-          </a:solidFill>
-        </p:spPr>
-        <p:style>
-          <a:lnRef idx="2">
-            <a:schemeClr val="dk1"/>
-          </a:lnRef>
-          <a:fillRef idx="1">
-            <a:schemeClr val="lt1"/>
-          </a:fillRef>
-          <a:effectRef idx="0">
-            <a:schemeClr val="dk1"/>
-          </a:effectRef>
-          <a:fontRef idx="minor">
-            <a:schemeClr val="dk1"/>
-          </a:fontRef>
-        </p:style>
-        <p:txBody>
-          <a:bodyPr rtlCol="0" anchor="ctr"/>
-          <a:lstStyle/>
-          <a:p>
-            <a:pPr algn="ctr"/>
-            <a:r>
-              <a:rPr lang="en-US" altLang="ko-KR" sz="1000" b="1" dirty="0" smtClean="0"/>
-              <a:t>Ext</a:t>
-            </a:r>
-            <a:endParaRPr lang="ko-KR" altLang="en-US" sz="1000" b="1" dirty="0"/>
-          </a:p>
-        </p:txBody>
-      </p:sp>
-      <p:sp>
-        <p:nvSpPr>
-          <p:cNvPr id="158" name="모서리가 둥근 직사각형 157"/>
-          <p:cNvSpPr/>
-          <p:nvPr/>
-        </p:nvSpPr>
-        <p:spPr>
-          <a:xfrm>
-            <a:off x="3995936" y="3573949"/>
-            <a:ext cx="756084" cy="215091"/>
-          </a:xfrm>
-          <a:prstGeom prst="roundRect">
-            <a:avLst/>
-          </a:prstGeom>
-          <a:solidFill>
-            <a:srgbClr val="FFFF00"/>
-          </a:solidFill>
-        </p:spPr>
-        <p:style>
-          <a:lnRef idx="2">
-            <a:schemeClr val="dk1"/>
-          </a:lnRef>
-          <a:fillRef idx="1">
-            <a:schemeClr val="lt1"/>
-          </a:fillRef>
-          <a:effectRef idx="0">
-            <a:schemeClr val="dk1"/>
-          </a:effectRef>
-          <a:fontRef idx="minor">
-            <a:schemeClr val="dk1"/>
-          </a:fontRef>
-        </p:style>
-        <p:txBody>
-          <a:bodyPr rtlCol="0" anchor="ctr"/>
-          <a:lstStyle/>
-          <a:p>
-            <a:pPr algn="ctr"/>
-            <a:r>
-              <a:rPr lang="en-US" altLang="ko-KR" sz="1000" b="1" dirty="0" smtClean="0"/>
-              <a:t>Ext</a:t>
-            </a:r>
-            <a:endParaRPr lang="ko-KR" altLang="en-US" sz="1000" b="1" dirty="0"/>
-          </a:p>
-        </p:txBody>
-      </p:sp>
-      <p:sp>
-        <p:nvSpPr>
-          <p:cNvPr id="160" name="모서리가 둥근 직사각형 159"/>
-          <p:cNvSpPr/>
-          <p:nvPr/>
-        </p:nvSpPr>
-        <p:spPr>
-          <a:xfrm>
-            <a:off x="6001650" y="692696"/>
-            <a:ext cx="1224136" cy="218507"/>
-          </a:xfrm>
-          <a:prstGeom prst="roundRect">
-            <a:avLst/>
-          </a:prstGeom>
-          <a:solidFill>
-            <a:schemeClr val="accent1">
-              <a:lumMod val="75000"/>
-            </a:schemeClr>
-          </a:solidFill>
-          <a:ln>
-            <a:solidFill>
-              <a:schemeClr val="tx1"/>
-            </a:solidFill>
-          </a:ln>
-        </p:spPr>
-        <p:style>
-          <a:lnRef idx="2">
-            <a:schemeClr val="dk1"/>
-          </a:lnRef>
-          <a:fillRef idx="1">
-            <a:schemeClr val="lt1"/>
-          </a:fillRef>
-          <a:effectRef idx="0">
-            <a:schemeClr val="dk1"/>
-          </a:effectRef>
-          <a:fontRef idx="minor">
-            <a:schemeClr val="dk1"/>
-          </a:fontRef>
-        </p:style>
-        <p:txBody>
-          <a:bodyPr rtlCol="0" anchor="ctr"/>
-          <a:lstStyle/>
-          <a:p>
-            <a:pPr algn="ctr"/>
-            <a:r>
-              <a:rPr lang="en-US" altLang="ko-KR" sz="1000" b="1" dirty="0" smtClean="0">
-                <a:solidFill>
-                  <a:schemeClr val="bg1"/>
-                </a:solidFill>
-              </a:rPr>
-              <a:t>Implementation</a:t>
-            </a:r>
-            <a:endParaRPr lang="ko-KR" altLang="en-US" sz="1000" b="1" dirty="0">
-              <a:solidFill>
-                <a:schemeClr val="bg1"/>
-              </a:solidFill>
-            </a:endParaRPr>
-          </a:p>
-        </p:txBody>
-      </p:sp>
-      <p:sp>
-        <p:nvSpPr>
-          <p:cNvPr id="161" name="모서리가 둥근 직사각형 160"/>
-          <p:cNvSpPr/>
-          <p:nvPr/>
-        </p:nvSpPr>
-        <p:spPr>
-          <a:xfrm>
-            <a:off x="5688124" y="3573016"/>
-            <a:ext cx="756084" cy="215091"/>
-          </a:xfrm>
-          <a:prstGeom prst="roundRect">
-            <a:avLst/>
-          </a:prstGeom>
-          <a:solidFill>
-            <a:srgbClr val="FFFF00"/>
-          </a:solidFill>
-        </p:spPr>
-        <p:style>
-          <a:lnRef idx="2">
-            <a:schemeClr val="dk1"/>
-          </a:lnRef>
-          <a:fillRef idx="1">
-            <a:schemeClr val="lt1"/>
-          </a:fillRef>
-          <a:effectRef idx="0">
-            <a:schemeClr val="dk1"/>
-          </a:effectRef>
-          <a:fontRef idx="minor">
-            <a:schemeClr val="dk1"/>
-          </a:fontRef>
-        </p:style>
-        <p:txBody>
-          <a:bodyPr rtlCol="0" anchor="ctr"/>
-          <a:lstStyle/>
-          <a:p>
-            <a:pPr algn="ctr"/>
-            <a:r>
-              <a:rPr lang="en-US" altLang="ko-KR" sz="1000" b="1" dirty="0" smtClean="0"/>
-              <a:t>Ext</a:t>
-            </a:r>
-            <a:endParaRPr lang="ko-KR" altLang="en-US" sz="1000" b="1" dirty="0"/>
-          </a:p>
-        </p:txBody>
-      </p:sp>
-      <p:sp>
-        <p:nvSpPr>
-          <p:cNvPr id="162" name="모서리가 둥근 직사각형 161"/>
-          <p:cNvSpPr/>
-          <p:nvPr/>
-        </p:nvSpPr>
-        <p:spPr>
-          <a:xfrm>
-            <a:off x="5688124" y="2924944"/>
-            <a:ext cx="756084" cy="215091"/>
-          </a:xfrm>
-          <a:prstGeom prst="roundRect">
-            <a:avLst/>
-          </a:prstGeom>
-          <a:solidFill>
-            <a:srgbClr val="FFFF00"/>
-          </a:solidFill>
-        </p:spPr>
-        <p:style>
-          <a:lnRef idx="2">
-            <a:schemeClr val="dk1"/>
-          </a:lnRef>
-          <a:fillRef idx="1">
-            <a:schemeClr val="lt1"/>
-          </a:fillRef>
-          <a:effectRef idx="0">
-            <a:schemeClr val="dk1"/>
-          </a:effectRef>
-          <a:fontRef idx="minor">
-            <a:schemeClr val="dk1"/>
-          </a:fontRef>
-        </p:style>
-        <p:txBody>
-          <a:bodyPr rtlCol="0" anchor="ctr"/>
-          <a:lstStyle/>
-          <a:p>
-            <a:pPr algn="ctr"/>
-            <a:r>
-              <a:rPr lang="en-US" altLang="ko-KR" sz="1000" b="1" dirty="0" smtClean="0"/>
-              <a:t>Ext</a:t>
-            </a:r>
-            <a:endParaRPr lang="ko-KR" altLang="en-US" sz="1000" b="1" dirty="0"/>
-          </a:p>
-        </p:txBody>
-      </p:sp>
-      <p:sp>
-        <p:nvSpPr>
-          <p:cNvPr id="163" name="모서리가 둥근 직사각형 162"/>
-          <p:cNvSpPr/>
-          <p:nvPr/>
-        </p:nvSpPr>
-        <p:spPr>
-          <a:xfrm>
-            <a:off x="3995936" y="2924944"/>
-            <a:ext cx="756084" cy="215091"/>
-          </a:xfrm>
-          <a:prstGeom prst="roundRect">
-            <a:avLst/>
-          </a:prstGeom>
-          <a:solidFill>
-            <a:srgbClr val="FFFF00"/>
-          </a:solidFill>
-        </p:spPr>
-        <p:style>
-          <a:lnRef idx="2">
-            <a:schemeClr val="dk1"/>
-          </a:lnRef>
-          <a:fillRef idx="1">
-            <a:schemeClr val="lt1"/>
-          </a:fillRef>
-          <a:effectRef idx="0">
-            <a:schemeClr val="dk1"/>
-          </a:effectRef>
-          <a:fontRef idx="minor">
-            <a:schemeClr val="dk1"/>
-          </a:fontRef>
-        </p:style>
-        <p:txBody>
-          <a:bodyPr rtlCol="0" anchor="ctr"/>
-          <a:lstStyle/>
-          <a:p>
-            <a:pPr algn="ctr"/>
-            <a:r>
-              <a:rPr lang="en-US" altLang="ko-KR" sz="1000" b="1" dirty="0" smtClean="0"/>
-              <a:t>Ext</a:t>
-            </a:r>
-            <a:endParaRPr lang="ko-KR" altLang="en-US" sz="1000" b="1" dirty="0"/>
-          </a:p>
-        </p:txBody>
-      </p:sp>
-      <p:sp>
-        <p:nvSpPr>
-          <p:cNvPr id="164" name="모서리가 둥근 직사각형 163"/>
-          <p:cNvSpPr/>
-          <p:nvPr/>
-        </p:nvSpPr>
-        <p:spPr>
-          <a:xfrm>
-            <a:off x="5652120" y="2276872"/>
-            <a:ext cx="756084" cy="215091"/>
-          </a:xfrm>
-          <a:prstGeom prst="roundRect">
-            <a:avLst/>
-          </a:prstGeom>
-          <a:solidFill>
-            <a:srgbClr val="FFFF00"/>
-          </a:solidFill>
-        </p:spPr>
-        <p:style>
-          <a:lnRef idx="2">
-            <a:schemeClr val="dk1"/>
-          </a:lnRef>
-          <a:fillRef idx="1">
-            <a:schemeClr val="lt1"/>
-          </a:fillRef>
-          <a:effectRef idx="0">
-            <a:schemeClr val="dk1"/>
-          </a:effectRef>
-          <a:fontRef idx="minor">
-            <a:schemeClr val="dk1"/>
-          </a:fontRef>
-        </p:style>
-        <p:txBody>
-          <a:bodyPr rtlCol="0" anchor="ctr"/>
-          <a:lstStyle/>
-          <a:p>
-            <a:pPr algn="ctr"/>
-            <a:r>
-              <a:rPr lang="en-US" altLang="ko-KR" sz="1000" b="1" dirty="0" smtClean="0"/>
-              <a:t>Ext</a:t>
-            </a:r>
-            <a:endParaRPr lang="ko-KR" altLang="en-US" sz="1000" b="1" dirty="0"/>
-          </a:p>
-        </p:txBody>
-      </p:sp>
-      <p:sp>
-        <p:nvSpPr>
-          <p:cNvPr id="165" name="모서리가 둥근 직사각형 164"/>
-          <p:cNvSpPr/>
-          <p:nvPr/>
-        </p:nvSpPr>
-        <p:spPr>
-          <a:xfrm>
-            <a:off x="3995936" y="4222021"/>
-            <a:ext cx="756084" cy="215091"/>
-          </a:xfrm>
-          <a:prstGeom prst="roundRect">
-            <a:avLst/>
-          </a:prstGeom>
-          <a:solidFill>
-            <a:srgbClr val="FFFF00"/>
-          </a:solidFill>
-        </p:spPr>
-        <p:style>
-          <a:lnRef idx="2">
-            <a:schemeClr val="dk1"/>
-          </a:lnRef>
-          <a:fillRef idx="1">
-            <a:schemeClr val="lt1"/>
-          </a:fillRef>
-          <a:effectRef idx="0">
-            <a:schemeClr val="dk1"/>
-          </a:effectRef>
-          <a:fontRef idx="minor">
-            <a:schemeClr val="dk1"/>
-          </a:fontRef>
-        </p:style>
-        <p:txBody>
-          <a:bodyPr rtlCol="0" anchor="ctr"/>
-          <a:lstStyle/>
-          <a:p>
-            <a:pPr algn="ctr"/>
-            <a:r>
-              <a:rPr lang="en-US" altLang="ko-KR" sz="1000" b="1" dirty="0" smtClean="0"/>
-              <a:t>Ext</a:t>
-            </a:r>
-            <a:endParaRPr lang="ko-KR" altLang="en-US" sz="1000" b="1" dirty="0"/>
-          </a:p>
-        </p:txBody>
-      </p:sp>
-      <p:sp>
-        <p:nvSpPr>
-          <p:cNvPr id="167" name="모서리가 둥근 직사각형 166"/>
-          <p:cNvSpPr/>
-          <p:nvPr/>
-        </p:nvSpPr>
-        <p:spPr>
-          <a:xfrm>
-            <a:off x="2303748" y="4869160"/>
-            <a:ext cx="756084" cy="215091"/>
-          </a:xfrm>
-          <a:prstGeom prst="roundRect">
-            <a:avLst/>
-          </a:prstGeom>
-          <a:solidFill>
-            <a:schemeClr val="accent1">
-              <a:lumMod val="75000"/>
-            </a:schemeClr>
-          </a:solidFill>
-        </p:spPr>
-        <p:style>
-          <a:lnRef idx="2">
-            <a:schemeClr val="dk1"/>
-          </a:lnRef>
-          <a:fillRef idx="1">
-            <a:schemeClr val="lt1"/>
-          </a:fillRef>
-          <a:effectRef idx="0">
-            <a:schemeClr val="dk1"/>
-          </a:effectRef>
-          <a:fontRef idx="minor">
-            <a:schemeClr val="dk1"/>
-          </a:fontRef>
-        </p:style>
-        <p:txBody>
-          <a:bodyPr rtlCol="0" anchor="ctr"/>
-          <a:lstStyle/>
-          <a:p>
-            <a:pPr algn="ctr"/>
-            <a:r>
-              <a:rPr lang="en-US" altLang="ko-KR" sz="1000" b="1" dirty="0" err="1" smtClean="0">
-                <a:solidFill>
-                  <a:schemeClr val="bg1"/>
-                </a:solidFill>
-              </a:rPr>
-              <a:t>Impl</a:t>
-            </a:r>
-            <a:endParaRPr lang="ko-KR" altLang="en-US" sz="1000" b="1" dirty="0">
-              <a:solidFill>
-                <a:schemeClr val="bg1"/>
-              </a:solidFill>
-            </a:endParaRPr>
-          </a:p>
-        </p:txBody>
-      </p:sp>
-      <p:sp>
-        <p:nvSpPr>
-          <p:cNvPr id="169" name="모서리가 둥근 직사각형 168"/>
-          <p:cNvSpPr/>
-          <p:nvPr/>
-        </p:nvSpPr>
-        <p:spPr>
-          <a:xfrm>
-            <a:off x="2303748" y="5517232"/>
-            <a:ext cx="756084" cy="215091"/>
-          </a:xfrm>
-          <a:prstGeom prst="roundRect">
-            <a:avLst/>
-          </a:prstGeom>
-          <a:solidFill>
-            <a:schemeClr val="accent1">
-              <a:lumMod val="75000"/>
-            </a:schemeClr>
-          </a:solidFill>
-        </p:spPr>
-        <p:style>
-          <a:lnRef idx="2">
-            <a:schemeClr val="dk1"/>
-          </a:lnRef>
-          <a:fillRef idx="1">
-            <a:schemeClr val="lt1"/>
-          </a:fillRef>
-          <a:effectRef idx="0">
-            <a:schemeClr val="dk1"/>
-          </a:effectRef>
-          <a:fontRef idx="minor">
-            <a:schemeClr val="dk1"/>
-          </a:fontRef>
-        </p:style>
-        <p:txBody>
-          <a:bodyPr rtlCol="0" anchor="ctr"/>
-          <a:lstStyle/>
-          <a:p>
-            <a:pPr algn="ctr"/>
-            <a:r>
-              <a:rPr lang="en-US" altLang="ko-KR" sz="1000" b="1" dirty="0" err="1" smtClean="0">
-                <a:solidFill>
-                  <a:schemeClr val="bg1"/>
-                </a:solidFill>
-              </a:rPr>
-              <a:t>Impl</a:t>
-            </a:r>
-            <a:endParaRPr lang="ko-KR" altLang="en-US" sz="1000" b="1" dirty="0">
-              <a:solidFill>
-                <a:schemeClr val="bg1"/>
-              </a:solidFill>
-            </a:endParaRPr>
-          </a:p>
-        </p:txBody>
-      </p:sp>
-      <p:sp>
-        <p:nvSpPr>
-          <p:cNvPr id="170" name="모서리가 둥근 직사각형 169"/>
-          <p:cNvSpPr/>
-          <p:nvPr/>
-        </p:nvSpPr>
-        <p:spPr>
-          <a:xfrm>
-            <a:off x="2303748" y="6166237"/>
-            <a:ext cx="756084" cy="215091"/>
-          </a:xfrm>
-          <a:prstGeom prst="roundRect">
-            <a:avLst/>
-          </a:prstGeom>
-          <a:solidFill>
-            <a:schemeClr val="accent1">
-              <a:lumMod val="75000"/>
-            </a:schemeClr>
-          </a:solidFill>
-        </p:spPr>
-        <p:style>
-          <a:lnRef idx="2">
-            <a:schemeClr val="dk1"/>
-          </a:lnRef>
-          <a:fillRef idx="1">
-            <a:schemeClr val="lt1"/>
-          </a:fillRef>
-          <a:effectRef idx="0">
-            <a:schemeClr val="dk1"/>
-          </a:effectRef>
-          <a:fontRef idx="minor">
-            <a:schemeClr val="dk1"/>
-          </a:fontRef>
-        </p:style>
-        <p:txBody>
-          <a:bodyPr rtlCol="0" anchor="ctr"/>
-          <a:lstStyle/>
-          <a:p>
-            <a:pPr algn="ctr"/>
-            <a:r>
-              <a:rPr lang="en-US" altLang="ko-KR" sz="1000" b="1" dirty="0" err="1" smtClean="0">
-                <a:solidFill>
-                  <a:schemeClr val="bg1"/>
-                </a:solidFill>
-              </a:rPr>
-              <a:t>Impl</a:t>
-            </a:r>
-            <a:endParaRPr lang="ko-KR" altLang="en-US" sz="1000" b="1" dirty="0">
-              <a:solidFill>
-                <a:schemeClr val="bg1"/>
-              </a:solidFill>
-            </a:endParaRPr>
-          </a:p>
-        </p:txBody>
-      </p:sp>
-      <p:sp>
-        <p:nvSpPr>
-          <p:cNvPr id="171" name="모서리가 둥근 직사각형 170"/>
-          <p:cNvSpPr/>
-          <p:nvPr/>
-        </p:nvSpPr>
-        <p:spPr>
-          <a:xfrm>
-            <a:off x="4031940" y="5518165"/>
-            <a:ext cx="756084" cy="215091"/>
-          </a:xfrm>
-          <a:prstGeom prst="roundRect">
-            <a:avLst/>
-          </a:prstGeom>
-          <a:solidFill>
-            <a:schemeClr val="accent1">
-              <a:lumMod val="75000"/>
-            </a:schemeClr>
-          </a:solidFill>
-        </p:spPr>
-        <p:style>
-          <a:lnRef idx="2">
-            <a:schemeClr val="dk1"/>
-          </a:lnRef>
-          <a:fillRef idx="1">
-            <a:schemeClr val="lt1"/>
-          </a:fillRef>
-          <a:effectRef idx="0">
-            <a:schemeClr val="dk1"/>
-          </a:effectRef>
-          <a:fontRef idx="minor">
-            <a:schemeClr val="dk1"/>
-          </a:fontRef>
-        </p:style>
-        <p:txBody>
-          <a:bodyPr rtlCol="0" anchor="ctr"/>
-          <a:lstStyle/>
-          <a:p>
-            <a:pPr algn="ctr"/>
-            <a:r>
-              <a:rPr lang="en-US" altLang="ko-KR" sz="1000" b="1" dirty="0" err="1" smtClean="0">
-                <a:solidFill>
-                  <a:schemeClr val="bg1"/>
-                </a:solidFill>
-              </a:rPr>
-              <a:t>Impl</a:t>
-            </a:r>
-            <a:endParaRPr lang="ko-KR" altLang="en-US" sz="1000" b="1" dirty="0">
-              <a:solidFill>
-                <a:schemeClr val="bg1"/>
-              </a:solidFill>
-            </a:endParaRPr>
-          </a:p>
-        </p:txBody>
-      </p:sp>
-      <p:sp>
-        <p:nvSpPr>
-          <p:cNvPr id="172" name="모서리가 둥근 직사각형 171"/>
-          <p:cNvSpPr/>
-          <p:nvPr/>
-        </p:nvSpPr>
-        <p:spPr>
-          <a:xfrm>
-            <a:off x="683568" y="5518165"/>
-            <a:ext cx="756084" cy="215091"/>
-          </a:xfrm>
-          <a:prstGeom prst="roundRect">
-            <a:avLst/>
-          </a:prstGeom>
-          <a:solidFill>
-            <a:schemeClr val="accent1">
-              <a:lumMod val="75000"/>
-            </a:schemeClr>
-          </a:solidFill>
-        </p:spPr>
-        <p:style>
-          <a:lnRef idx="2">
-            <a:schemeClr val="dk1"/>
-          </a:lnRef>
-          <a:fillRef idx="1">
-            <a:schemeClr val="lt1"/>
-          </a:fillRef>
-          <a:effectRef idx="0">
-            <a:schemeClr val="dk1"/>
-          </a:effectRef>
-          <a:fontRef idx="minor">
-            <a:schemeClr val="dk1"/>
-          </a:fontRef>
-        </p:style>
-        <p:txBody>
-          <a:bodyPr rtlCol="0" anchor="ctr"/>
-          <a:lstStyle/>
-          <a:p>
-            <a:pPr algn="ctr"/>
-            <a:r>
-              <a:rPr lang="en-US" altLang="ko-KR" sz="1000" b="1" dirty="0" err="1" smtClean="0">
-                <a:solidFill>
-                  <a:schemeClr val="bg1"/>
-                </a:solidFill>
-              </a:rPr>
-              <a:t>Impl</a:t>
-            </a:r>
-            <a:endParaRPr lang="ko-KR" altLang="en-US" sz="1000" b="1" dirty="0">
-              <a:solidFill>
-                <a:schemeClr val="bg1"/>
-              </a:solidFill>
-            </a:endParaRPr>
-          </a:p>
-        </p:txBody>
-      </p:sp>
-      <p:sp>
-        <p:nvSpPr>
-          <p:cNvPr id="173" name="모서리가 둥근 직사각형 172"/>
-          <p:cNvSpPr/>
-          <p:nvPr/>
-        </p:nvSpPr>
-        <p:spPr>
-          <a:xfrm>
-            <a:off x="2303748" y="4221088"/>
-            <a:ext cx="756084" cy="215091"/>
-          </a:xfrm>
-          <a:prstGeom prst="roundRect">
-            <a:avLst/>
-          </a:prstGeom>
-          <a:solidFill>
-            <a:schemeClr val="accent1">
-              <a:lumMod val="75000"/>
-            </a:schemeClr>
-          </a:solidFill>
-        </p:spPr>
-        <p:style>
-          <a:lnRef idx="2">
-            <a:schemeClr val="dk1"/>
-          </a:lnRef>
-          <a:fillRef idx="1">
-            <a:schemeClr val="lt1"/>
-          </a:fillRef>
-          <a:effectRef idx="0">
-            <a:schemeClr val="dk1"/>
-          </a:effectRef>
-          <a:fontRef idx="minor">
-            <a:schemeClr val="dk1"/>
-          </a:fontRef>
-        </p:style>
-        <p:txBody>
-          <a:bodyPr rtlCol="0" anchor="ctr"/>
-          <a:lstStyle/>
-          <a:p>
-            <a:pPr algn="ctr"/>
-            <a:r>
-              <a:rPr lang="en-US" altLang="ko-KR" sz="1000" b="1" dirty="0" err="1" smtClean="0">
-                <a:solidFill>
-                  <a:schemeClr val="bg1"/>
-                </a:solidFill>
-              </a:rPr>
-              <a:t>Impl</a:t>
-            </a:r>
-            <a:endParaRPr lang="ko-KR" altLang="en-US" sz="1000" b="1" dirty="0">
-              <a:solidFill>
-                <a:schemeClr val="bg1"/>
-              </a:solidFill>
-            </a:endParaRPr>
-          </a:p>
-        </p:txBody>
-      </p:sp>
     </p:spTree>
     <p:extLst>
       <p:ext uri="{BB962C8B-B14F-4D97-AF65-F5344CB8AC3E}">
-        <p14:creationId xmlns:p14="http://schemas.microsoft.com/office/powerpoint/2010/main" val="1920581366"/>
+        <p14:creationId xmlns:p14="http://schemas.microsoft.com/office/powerpoint/2010/main" xmlns="" val="2464545771"/>
       </p:ext>
     </p:extLst>
   </p:cSld>
@@ -7426,7 +6542,7 @@
         </p:nvCxnSpPr>
         <p:spPr>
           <a:xfrm>
-            <a:off x="3923928" y="5800296"/>
+            <a:off x="3923928" y="5805264"/>
             <a:ext cx="1944216" cy="0"/>
           </a:xfrm>
           <a:prstGeom prst="straightConnector1">
@@ -7462,7 +6578,7 @@
         </p:nvCxnSpPr>
         <p:spPr>
           <a:xfrm flipH="1">
-            <a:off x="3923928" y="5952696"/>
+            <a:off x="3923928" y="5957664"/>
             <a:ext cx="1944216" cy="0"/>
           </a:xfrm>
           <a:prstGeom prst="straightConnector1">
@@ -7678,8 +6794,8 @@
         </p:nvCxnSpPr>
         <p:spPr>
           <a:xfrm>
-            <a:off x="2699792" y="2194933"/>
-            <a:ext cx="0" cy="4119352"/>
+            <a:off x="2699792" y="2059296"/>
+            <a:ext cx="0" cy="4254989"/>
           </a:xfrm>
           <a:prstGeom prst="straightConnector1">
             <a:avLst/>
@@ -8051,6 +7167,14 @@
           <a:p>
             <a:pPr algn="ctr"/>
             <a:r>
+              <a:rPr lang="en-US" altLang="ko-KR" sz="1200" dirty="0" err="1" smtClean="0"/>
+              <a:t>Servlet</a:t>
+            </a:r>
+            <a:r>
+              <a:rPr lang="en-US" altLang="ko-KR" sz="1200" dirty="0" smtClean="0"/>
+              <a:t> </a:t>
+            </a:r>
+            <a:r>
               <a:rPr lang="en-US" altLang="ko-KR" sz="1200" dirty="0" smtClean="0"/>
               <a:t>Filter</a:t>
             </a:r>
@@ -8198,7 +7322,7 @@
         </p:nvSpPr>
         <p:spPr>
           <a:xfrm>
-            <a:off x="4067944" y="5661245"/>
+            <a:off x="4067944" y="5666213"/>
             <a:ext cx="1512168" cy="427083"/>
           </a:xfrm>
           <a:prstGeom prst="rect">
@@ -8463,7 +7587,7 @@
         <p:spPr>
           <a:xfrm>
             <a:off x="179512" y="260648"/>
-            <a:ext cx="4928272" cy="646331"/>
+            <a:ext cx="4350871" cy="646331"/>
           </a:xfrm>
           <a:prstGeom prst="rect">
             <a:avLst/>
@@ -8478,18 +7602,26 @@
           <a:p>
             <a:r>
               <a:rPr lang="en-US" altLang="ko-KR" dirty="0" smtClean="0"/>
-              <a:t>Java Web Application with </a:t>
+              <a:t>Java Web </a:t>
+            </a:r>
+            <a:r>
+              <a:rPr lang="en-US" altLang="ko-KR" dirty="0" smtClean="0"/>
+              <a:t>Application(</a:t>
             </a:r>
             <a:r>
               <a:rPr lang="en-US" altLang="ko-KR" dirty="0" err="1" smtClean="0"/>
               <a:t>Springframework</a:t>
             </a:r>
+            <a:r>
+              <a:rPr lang="en-US" altLang="ko-KR" dirty="0" smtClean="0"/>
+              <a:t>)</a:t>
+            </a:r>
             <a:endParaRPr lang="en-US" altLang="ko-KR" dirty="0" smtClean="0"/>
           </a:p>
           <a:p>
             <a:r>
               <a:rPr lang="en-US" altLang="ko-KR" dirty="0" smtClean="0"/>
-              <a:t>: User Friendly Message vs. System Message </a:t>
+              <a:t>: Extension vs. Implementation</a:t>
             </a:r>
             <a:endParaRPr lang="ko-KR" altLang="en-US" dirty="0"/>
           </a:p>
@@ -9135,6 +8267,14 @@
           <a:prstGeom prst="roundRect">
             <a:avLst/>
           </a:prstGeom>
+          <a:solidFill>
+            <a:srgbClr val="FFFF00"/>
+          </a:solidFill>
+          <a:ln>
+            <a:solidFill>
+              <a:schemeClr val="tx1"/>
+            </a:solidFill>
+          </a:ln>
         </p:spPr>
         <p:style>
           <a:lnRef idx="2">
@@ -9157,7 +8297,7 @@
             <a:pPr algn="ctr"/>
             <a:r>
               <a:rPr lang="en-US" altLang="ko-KR" sz="1000" b="1" dirty="0" smtClean="0"/>
-              <a:t>User Message</a:t>
+              <a:t>Extension Point</a:t>
             </a:r>
             <a:endParaRPr lang="ko-KR" altLang="en-US" sz="1000" b="1" dirty="0"/>
           </a:p>
@@ -9165,33 +8305,364 @@
       </p:sp>
       <p:sp>
         <p:nvSpPr>
-          <p:cNvPr id="96" name="모서리가 둥근 직사각형 95"/>
-          <p:cNvSpPr/>
-          <p:nvPr/>
-        </p:nvSpPr>
-        <p:spPr>
-          <a:xfrm>
-            <a:off x="5981389" y="692696"/>
+          <p:cNvPr id="152" name="모서리가 둥근 직사각형 151"/>
+          <p:cNvSpPr/>
+          <p:nvPr/>
+        </p:nvSpPr>
+        <p:spPr>
+          <a:xfrm>
+            <a:off x="2339752" y="1629733"/>
+            <a:ext cx="756084" cy="215091"/>
+          </a:xfrm>
+          <a:prstGeom prst="roundRect">
+            <a:avLst/>
+          </a:prstGeom>
+          <a:solidFill>
+            <a:srgbClr val="FFFF00"/>
+          </a:solidFill>
+        </p:spPr>
+        <p:style>
+          <a:lnRef idx="2">
+            <a:schemeClr val="dk1"/>
+          </a:lnRef>
+          <a:fillRef idx="1">
+            <a:schemeClr val="lt1"/>
+          </a:fillRef>
+          <a:effectRef idx="0">
+            <a:schemeClr val="dk1"/>
+          </a:effectRef>
+          <a:fontRef idx="minor">
+            <a:schemeClr val="dk1"/>
+          </a:fontRef>
+        </p:style>
+        <p:txBody>
+          <a:bodyPr rtlCol="0" anchor="ctr"/>
+          <a:lstStyle/>
+          <a:p>
+            <a:pPr algn="ctr"/>
+            <a:r>
+              <a:rPr lang="en-US" altLang="ko-KR" sz="1000" b="1" dirty="0" smtClean="0"/>
+              <a:t>Ext</a:t>
+            </a:r>
+            <a:endParaRPr lang="ko-KR" altLang="en-US" sz="1000" b="1" dirty="0"/>
+          </a:p>
+        </p:txBody>
+      </p:sp>
+      <p:sp>
+        <p:nvSpPr>
+          <p:cNvPr id="154" name="모서리가 둥근 직사각형 153"/>
+          <p:cNvSpPr/>
+          <p:nvPr/>
+        </p:nvSpPr>
+        <p:spPr>
+          <a:xfrm>
+            <a:off x="719572" y="980728"/>
+            <a:ext cx="756084" cy="215091"/>
+          </a:xfrm>
+          <a:prstGeom prst="roundRect">
+            <a:avLst/>
+          </a:prstGeom>
+          <a:solidFill>
+            <a:srgbClr val="FFFF00"/>
+          </a:solidFill>
+        </p:spPr>
+        <p:style>
+          <a:lnRef idx="2">
+            <a:schemeClr val="dk1"/>
+          </a:lnRef>
+          <a:fillRef idx="1">
+            <a:schemeClr val="lt1"/>
+          </a:fillRef>
+          <a:effectRef idx="0">
+            <a:schemeClr val="dk1"/>
+          </a:effectRef>
+          <a:fontRef idx="minor">
+            <a:schemeClr val="dk1"/>
+          </a:fontRef>
+        </p:style>
+        <p:txBody>
+          <a:bodyPr rtlCol="0" anchor="ctr"/>
+          <a:lstStyle/>
+          <a:p>
+            <a:pPr algn="ctr"/>
+            <a:r>
+              <a:rPr lang="en-US" altLang="ko-KR" sz="1000" b="1" dirty="0" smtClean="0"/>
+              <a:t>Ext</a:t>
+            </a:r>
+            <a:endParaRPr lang="ko-KR" altLang="en-US" sz="1000" b="1" dirty="0"/>
+          </a:p>
+        </p:txBody>
+      </p:sp>
+      <p:sp>
+        <p:nvSpPr>
+          <p:cNvPr id="155" name="모서리가 둥근 직사각형 154"/>
+          <p:cNvSpPr/>
+          <p:nvPr/>
+        </p:nvSpPr>
+        <p:spPr>
+          <a:xfrm>
+            <a:off x="719572" y="1629733"/>
+            <a:ext cx="756084" cy="215091"/>
+          </a:xfrm>
+          <a:prstGeom prst="roundRect">
+            <a:avLst/>
+          </a:prstGeom>
+          <a:solidFill>
+            <a:srgbClr val="FFFF00"/>
+          </a:solidFill>
+        </p:spPr>
+        <p:style>
+          <a:lnRef idx="2">
+            <a:schemeClr val="dk1"/>
+          </a:lnRef>
+          <a:fillRef idx="1">
+            <a:schemeClr val="lt1"/>
+          </a:fillRef>
+          <a:effectRef idx="0">
+            <a:schemeClr val="dk1"/>
+          </a:effectRef>
+          <a:fontRef idx="minor">
+            <a:schemeClr val="dk1"/>
+          </a:fontRef>
+        </p:style>
+        <p:txBody>
+          <a:bodyPr rtlCol="0" anchor="ctr"/>
+          <a:lstStyle/>
+          <a:p>
+            <a:pPr algn="ctr"/>
+            <a:r>
+              <a:rPr lang="en-US" altLang="ko-KR" sz="1000" b="1" dirty="0" smtClean="0"/>
+              <a:t>Ext</a:t>
+            </a:r>
+            <a:endParaRPr lang="ko-KR" altLang="en-US" sz="1000" b="1" dirty="0"/>
+          </a:p>
+        </p:txBody>
+      </p:sp>
+      <p:sp>
+        <p:nvSpPr>
+          <p:cNvPr id="156" name="모서리가 둥근 직사각형 155"/>
+          <p:cNvSpPr/>
+          <p:nvPr/>
+        </p:nvSpPr>
+        <p:spPr>
+          <a:xfrm>
+            <a:off x="683568" y="2277805"/>
+            <a:ext cx="756084" cy="215091"/>
+          </a:xfrm>
+          <a:prstGeom prst="roundRect">
+            <a:avLst/>
+          </a:prstGeom>
+          <a:solidFill>
+            <a:srgbClr val="FFFF00"/>
+          </a:solidFill>
+        </p:spPr>
+        <p:style>
+          <a:lnRef idx="2">
+            <a:schemeClr val="dk1"/>
+          </a:lnRef>
+          <a:fillRef idx="1">
+            <a:schemeClr val="lt1"/>
+          </a:fillRef>
+          <a:effectRef idx="0">
+            <a:schemeClr val="dk1"/>
+          </a:effectRef>
+          <a:fontRef idx="minor">
+            <a:schemeClr val="dk1"/>
+          </a:fontRef>
+        </p:style>
+        <p:txBody>
+          <a:bodyPr rtlCol="0" anchor="ctr"/>
+          <a:lstStyle/>
+          <a:p>
+            <a:pPr algn="ctr"/>
+            <a:r>
+              <a:rPr lang="en-US" altLang="ko-KR" sz="1000" b="1" dirty="0" smtClean="0"/>
+              <a:t>Ext</a:t>
+            </a:r>
+            <a:endParaRPr lang="ko-KR" altLang="en-US" sz="1000" b="1" dirty="0"/>
+          </a:p>
+        </p:txBody>
+      </p:sp>
+      <p:sp>
+        <p:nvSpPr>
+          <p:cNvPr id="157" name="모서리가 둥근 직사각형 156"/>
+          <p:cNvSpPr/>
+          <p:nvPr/>
+        </p:nvSpPr>
+        <p:spPr>
+          <a:xfrm>
+            <a:off x="2303748" y="3573949"/>
+            <a:ext cx="756084" cy="215091"/>
+          </a:xfrm>
+          <a:prstGeom prst="roundRect">
+            <a:avLst/>
+          </a:prstGeom>
+          <a:solidFill>
+            <a:srgbClr val="FFFF00"/>
+          </a:solidFill>
+        </p:spPr>
+        <p:style>
+          <a:lnRef idx="2">
+            <a:schemeClr val="dk1"/>
+          </a:lnRef>
+          <a:fillRef idx="1">
+            <a:schemeClr val="lt1"/>
+          </a:fillRef>
+          <a:effectRef idx="0">
+            <a:schemeClr val="dk1"/>
+          </a:effectRef>
+          <a:fontRef idx="minor">
+            <a:schemeClr val="dk1"/>
+          </a:fontRef>
+        </p:style>
+        <p:txBody>
+          <a:bodyPr rtlCol="0" anchor="ctr"/>
+          <a:lstStyle/>
+          <a:p>
+            <a:pPr algn="ctr"/>
+            <a:r>
+              <a:rPr lang="en-US" altLang="ko-KR" sz="1000" b="1" dirty="0" smtClean="0"/>
+              <a:t>Ext</a:t>
+            </a:r>
+            <a:endParaRPr lang="ko-KR" altLang="en-US" sz="1000" b="1" dirty="0"/>
+          </a:p>
+        </p:txBody>
+      </p:sp>
+      <p:sp>
+        <p:nvSpPr>
+          <p:cNvPr id="158" name="모서리가 둥근 직사각형 157"/>
+          <p:cNvSpPr/>
+          <p:nvPr/>
+        </p:nvSpPr>
+        <p:spPr>
+          <a:xfrm>
+            <a:off x="3995936" y="3573949"/>
+            <a:ext cx="756084" cy="215091"/>
+          </a:xfrm>
+          <a:prstGeom prst="roundRect">
+            <a:avLst/>
+          </a:prstGeom>
+          <a:solidFill>
+            <a:srgbClr val="FFFF00"/>
+          </a:solidFill>
+        </p:spPr>
+        <p:style>
+          <a:lnRef idx="2">
+            <a:schemeClr val="dk1"/>
+          </a:lnRef>
+          <a:fillRef idx="1">
+            <a:schemeClr val="lt1"/>
+          </a:fillRef>
+          <a:effectRef idx="0">
+            <a:schemeClr val="dk1"/>
+          </a:effectRef>
+          <a:fontRef idx="minor">
+            <a:schemeClr val="dk1"/>
+          </a:fontRef>
+        </p:style>
+        <p:txBody>
+          <a:bodyPr rtlCol="0" anchor="ctr"/>
+          <a:lstStyle/>
+          <a:p>
+            <a:pPr algn="ctr"/>
+            <a:r>
+              <a:rPr lang="en-US" altLang="ko-KR" sz="1000" b="1" dirty="0" smtClean="0"/>
+              <a:t>Ext</a:t>
+            </a:r>
+            <a:endParaRPr lang="ko-KR" altLang="en-US" sz="1000" b="1" dirty="0"/>
+          </a:p>
+        </p:txBody>
+      </p:sp>
+      <p:sp>
+        <p:nvSpPr>
+          <p:cNvPr id="160" name="모서리가 둥근 직사각형 159"/>
+          <p:cNvSpPr/>
+          <p:nvPr/>
+        </p:nvSpPr>
+        <p:spPr>
+          <a:xfrm>
+            <a:off x="6001650" y="692696"/>
             <a:ext cx="1224136" cy="218507"/>
           </a:xfrm>
           <a:prstGeom prst="roundRect">
             <a:avLst/>
           </a:prstGeom>
-        </p:spPr>
-        <p:style>
-          <a:lnRef idx="2">
-            <a:schemeClr val="dk1">
-              <a:shade val="50000"/>
+          <a:solidFill>
+            <a:schemeClr val="accent1">
+              <a:lumMod val="75000"/>
             </a:schemeClr>
-          </a:lnRef>
-          <a:fillRef idx="1">
-            <a:schemeClr val="dk1"/>
-          </a:fillRef>
-          <a:effectRef idx="0">
-            <a:schemeClr val="dk1"/>
-          </a:effectRef>
-          <a:fontRef idx="minor">
-            <a:schemeClr val="lt1"/>
+          </a:solidFill>
+          <a:ln>
+            <a:solidFill>
+              <a:schemeClr val="tx1"/>
+            </a:solidFill>
+          </a:ln>
+        </p:spPr>
+        <p:style>
+          <a:lnRef idx="2">
+            <a:schemeClr val="dk1"/>
+          </a:lnRef>
+          <a:fillRef idx="1">
+            <a:schemeClr val="lt1"/>
+          </a:fillRef>
+          <a:effectRef idx="0">
+            <a:schemeClr val="dk1"/>
+          </a:effectRef>
+          <a:fontRef idx="minor">
+            <a:schemeClr val="dk1"/>
+          </a:fontRef>
+        </p:style>
+        <p:txBody>
+          <a:bodyPr rtlCol="0" anchor="ctr"/>
+          <a:lstStyle/>
+          <a:p>
+            <a:pPr algn="ctr"/>
+            <a:r>
+              <a:rPr lang="en-US" altLang="ko-KR" sz="1000" b="1" dirty="0" smtClean="0">
+                <a:solidFill>
+                  <a:schemeClr val="bg1"/>
+                </a:solidFill>
+              </a:rPr>
+              <a:t>Implementation</a:t>
+            </a:r>
+            <a:endParaRPr lang="ko-KR" altLang="en-US" sz="1000" b="1" dirty="0">
+              <a:solidFill>
+                <a:schemeClr val="bg1"/>
+              </a:solidFill>
+            </a:endParaRPr>
+          </a:p>
+        </p:txBody>
+      </p:sp>
+      <p:sp>
+        <p:nvSpPr>
+          <p:cNvPr id="161" name="모서리가 둥근 직사각형 160"/>
+          <p:cNvSpPr/>
+          <p:nvPr/>
+        </p:nvSpPr>
+        <p:spPr>
+          <a:xfrm>
+            <a:off x="5688124" y="3573016"/>
+            <a:ext cx="756084" cy="215091"/>
+          </a:xfrm>
+          <a:prstGeom prst="roundRect">
+            <a:avLst/>
+          </a:prstGeom>
+          <a:solidFill>
+            <a:srgbClr val="FFFF00"/>
+          </a:solidFill>
+        </p:spPr>
+        <p:style>
+          <a:lnRef idx="2">
+            <a:schemeClr val="dk1"/>
+          </a:lnRef>
+          <a:fillRef idx="1">
+            <a:schemeClr val="lt1"/>
+          </a:fillRef>
+          <a:effectRef idx="0">
+            <a:schemeClr val="dk1"/>
+          </a:effectRef>
+          <a:fontRef idx="minor">
+            <a:schemeClr val="dk1"/>
           </a:fontRef>
         </p:style>
         <p:txBody>
@@ -9201,7 +8672,7 @@
             <a:pPr algn="ctr"/>
             <a:r>
               <a:rPr lang="en-US" altLang="ko-KR" sz="1000" b="1" dirty="0" smtClean="0"/>
-              <a:t>System Message</a:t>
+              <a:t>Ext</a:t>
             </a:r>
             <a:endParaRPr lang="ko-KR" altLang="en-US" sz="1000" b="1" dirty="0"/>
           </a:p>
@@ -9209,702 +8680,518 @@
       </p:sp>
       <p:sp>
         <p:nvSpPr>
-          <p:cNvPr id="122" name="모서리가 둥근 직사각형 121"/>
-          <p:cNvSpPr/>
-          <p:nvPr/>
-        </p:nvSpPr>
-        <p:spPr>
-          <a:xfrm>
-            <a:off x="4896036" y="3568048"/>
+          <p:cNvPr id="162" name="모서리가 둥근 직사각형 161"/>
+          <p:cNvSpPr/>
+          <p:nvPr/>
+        </p:nvSpPr>
+        <p:spPr>
+          <a:xfrm>
+            <a:off x="5688124" y="2924944"/>
             <a:ext cx="756084" cy="215091"/>
           </a:xfrm>
           <a:prstGeom prst="roundRect">
             <a:avLst/>
           </a:prstGeom>
-        </p:spPr>
-        <p:style>
-          <a:lnRef idx="2">
-            <a:schemeClr val="dk1">
-              <a:shade val="50000"/>
+          <a:solidFill>
+            <a:srgbClr val="FFFF00"/>
+          </a:solidFill>
+        </p:spPr>
+        <p:style>
+          <a:lnRef idx="2">
+            <a:schemeClr val="dk1"/>
+          </a:lnRef>
+          <a:fillRef idx="1">
+            <a:schemeClr val="lt1"/>
+          </a:fillRef>
+          <a:effectRef idx="0">
+            <a:schemeClr val="dk1"/>
+          </a:effectRef>
+          <a:fontRef idx="minor">
+            <a:schemeClr val="dk1"/>
+          </a:fontRef>
+        </p:style>
+        <p:txBody>
+          <a:bodyPr rtlCol="0" anchor="ctr"/>
+          <a:lstStyle/>
+          <a:p>
+            <a:pPr algn="ctr"/>
+            <a:r>
+              <a:rPr lang="en-US" altLang="ko-KR" sz="1000" b="1" dirty="0" smtClean="0"/>
+              <a:t>Ext</a:t>
+            </a:r>
+            <a:endParaRPr lang="ko-KR" altLang="en-US" sz="1000" b="1" dirty="0"/>
+          </a:p>
+        </p:txBody>
+      </p:sp>
+      <p:sp>
+        <p:nvSpPr>
+          <p:cNvPr id="163" name="모서리가 둥근 직사각형 162"/>
+          <p:cNvSpPr/>
+          <p:nvPr/>
+        </p:nvSpPr>
+        <p:spPr>
+          <a:xfrm>
+            <a:off x="3995936" y="2924944"/>
+            <a:ext cx="756084" cy="215091"/>
+          </a:xfrm>
+          <a:prstGeom prst="roundRect">
+            <a:avLst/>
+          </a:prstGeom>
+          <a:solidFill>
+            <a:srgbClr val="FFFF00"/>
+          </a:solidFill>
+        </p:spPr>
+        <p:style>
+          <a:lnRef idx="2">
+            <a:schemeClr val="dk1"/>
+          </a:lnRef>
+          <a:fillRef idx="1">
+            <a:schemeClr val="lt1"/>
+          </a:fillRef>
+          <a:effectRef idx="0">
+            <a:schemeClr val="dk1"/>
+          </a:effectRef>
+          <a:fontRef idx="minor">
+            <a:schemeClr val="dk1"/>
+          </a:fontRef>
+        </p:style>
+        <p:txBody>
+          <a:bodyPr rtlCol="0" anchor="ctr"/>
+          <a:lstStyle/>
+          <a:p>
+            <a:pPr algn="ctr"/>
+            <a:r>
+              <a:rPr lang="en-US" altLang="ko-KR" sz="1000" b="1" dirty="0" smtClean="0"/>
+              <a:t>Ext</a:t>
+            </a:r>
+            <a:endParaRPr lang="ko-KR" altLang="en-US" sz="1000" b="1" dirty="0"/>
+          </a:p>
+        </p:txBody>
+      </p:sp>
+      <p:sp>
+        <p:nvSpPr>
+          <p:cNvPr id="164" name="모서리가 둥근 직사각형 163"/>
+          <p:cNvSpPr/>
+          <p:nvPr/>
+        </p:nvSpPr>
+        <p:spPr>
+          <a:xfrm>
+            <a:off x="5652120" y="2276872"/>
+            <a:ext cx="756084" cy="215091"/>
+          </a:xfrm>
+          <a:prstGeom prst="roundRect">
+            <a:avLst/>
+          </a:prstGeom>
+          <a:solidFill>
+            <a:srgbClr val="FFFF00"/>
+          </a:solidFill>
+        </p:spPr>
+        <p:style>
+          <a:lnRef idx="2">
+            <a:schemeClr val="dk1"/>
+          </a:lnRef>
+          <a:fillRef idx="1">
+            <a:schemeClr val="lt1"/>
+          </a:fillRef>
+          <a:effectRef idx="0">
+            <a:schemeClr val="dk1"/>
+          </a:effectRef>
+          <a:fontRef idx="minor">
+            <a:schemeClr val="dk1"/>
+          </a:fontRef>
+        </p:style>
+        <p:txBody>
+          <a:bodyPr rtlCol="0" anchor="ctr"/>
+          <a:lstStyle/>
+          <a:p>
+            <a:pPr algn="ctr"/>
+            <a:r>
+              <a:rPr lang="en-US" altLang="ko-KR" sz="1000" b="1" dirty="0" smtClean="0"/>
+              <a:t>Ext</a:t>
+            </a:r>
+            <a:endParaRPr lang="ko-KR" altLang="en-US" sz="1000" b="1" dirty="0"/>
+          </a:p>
+        </p:txBody>
+      </p:sp>
+      <p:sp>
+        <p:nvSpPr>
+          <p:cNvPr id="165" name="모서리가 둥근 직사각형 164"/>
+          <p:cNvSpPr/>
+          <p:nvPr/>
+        </p:nvSpPr>
+        <p:spPr>
+          <a:xfrm>
+            <a:off x="3995936" y="4222021"/>
+            <a:ext cx="756084" cy="215091"/>
+          </a:xfrm>
+          <a:prstGeom prst="roundRect">
+            <a:avLst/>
+          </a:prstGeom>
+          <a:solidFill>
+            <a:srgbClr val="FFFF00"/>
+          </a:solidFill>
+        </p:spPr>
+        <p:style>
+          <a:lnRef idx="2">
+            <a:schemeClr val="dk1"/>
+          </a:lnRef>
+          <a:fillRef idx="1">
+            <a:schemeClr val="lt1"/>
+          </a:fillRef>
+          <a:effectRef idx="0">
+            <a:schemeClr val="dk1"/>
+          </a:effectRef>
+          <a:fontRef idx="minor">
+            <a:schemeClr val="dk1"/>
+          </a:fontRef>
+        </p:style>
+        <p:txBody>
+          <a:bodyPr rtlCol="0" anchor="ctr"/>
+          <a:lstStyle/>
+          <a:p>
+            <a:pPr algn="ctr"/>
+            <a:r>
+              <a:rPr lang="en-US" altLang="ko-KR" sz="1000" b="1" dirty="0" smtClean="0"/>
+              <a:t>Ext</a:t>
+            </a:r>
+            <a:endParaRPr lang="ko-KR" altLang="en-US" sz="1000" b="1" dirty="0"/>
+          </a:p>
+        </p:txBody>
+      </p:sp>
+      <p:sp>
+        <p:nvSpPr>
+          <p:cNvPr id="167" name="모서리가 둥근 직사각형 166"/>
+          <p:cNvSpPr/>
+          <p:nvPr/>
+        </p:nvSpPr>
+        <p:spPr>
+          <a:xfrm>
+            <a:off x="2303748" y="4869160"/>
+            <a:ext cx="756084" cy="215091"/>
+          </a:xfrm>
+          <a:prstGeom prst="roundRect">
+            <a:avLst/>
+          </a:prstGeom>
+          <a:solidFill>
+            <a:schemeClr val="accent1">
+              <a:lumMod val="75000"/>
             </a:schemeClr>
-          </a:lnRef>
-          <a:fillRef idx="1">
-            <a:schemeClr val="dk1"/>
-          </a:fillRef>
-          <a:effectRef idx="0">
-            <a:schemeClr val="dk1"/>
-          </a:effectRef>
-          <a:fontRef idx="minor">
-            <a:schemeClr val="lt1"/>
-          </a:fontRef>
-        </p:style>
-        <p:txBody>
-          <a:bodyPr rtlCol="0" anchor="ctr"/>
-          <a:lstStyle/>
-          <a:p>
-            <a:pPr algn="ctr"/>
-            <a:r>
-              <a:rPr lang="en-US" altLang="ko-KR" sz="1000" b="1" dirty="0" smtClean="0"/>
-              <a:t>System</a:t>
-            </a:r>
-            <a:endParaRPr lang="ko-KR" altLang="en-US" sz="1000" b="1" dirty="0"/>
-          </a:p>
-        </p:txBody>
-      </p:sp>
-      <p:sp>
-        <p:nvSpPr>
-          <p:cNvPr id="123" name="모서리가 둥근 직사각형 122"/>
-          <p:cNvSpPr/>
-          <p:nvPr/>
-        </p:nvSpPr>
-        <p:spPr>
-          <a:xfrm>
-            <a:off x="4896036" y="2919976"/>
+          </a:solidFill>
+        </p:spPr>
+        <p:style>
+          <a:lnRef idx="2">
+            <a:schemeClr val="dk1"/>
+          </a:lnRef>
+          <a:fillRef idx="1">
+            <a:schemeClr val="lt1"/>
+          </a:fillRef>
+          <a:effectRef idx="0">
+            <a:schemeClr val="dk1"/>
+          </a:effectRef>
+          <a:fontRef idx="minor">
+            <a:schemeClr val="dk1"/>
+          </a:fontRef>
+        </p:style>
+        <p:txBody>
+          <a:bodyPr rtlCol="0" anchor="ctr"/>
+          <a:lstStyle/>
+          <a:p>
+            <a:pPr algn="ctr"/>
+            <a:r>
+              <a:rPr lang="en-US" altLang="ko-KR" sz="1000" b="1" dirty="0" err="1" smtClean="0">
+                <a:solidFill>
+                  <a:schemeClr val="bg1"/>
+                </a:solidFill>
+              </a:rPr>
+              <a:t>Impl</a:t>
+            </a:r>
+            <a:endParaRPr lang="ko-KR" altLang="en-US" sz="1000" b="1" dirty="0">
+              <a:solidFill>
+                <a:schemeClr val="bg1"/>
+              </a:solidFill>
+            </a:endParaRPr>
+          </a:p>
+        </p:txBody>
+      </p:sp>
+      <p:sp>
+        <p:nvSpPr>
+          <p:cNvPr id="169" name="모서리가 둥근 직사각형 168"/>
+          <p:cNvSpPr/>
+          <p:nvPr/>
+        </p:nvSpPr>
+        <p:spPr>
+          <a:xfrm>
+            <a:off x="2303748" y="5517232"/>
             <a:ext cx="756084" cy="215091"/>
           </a:xfrm>
           <a:prstGeom prst="roundRect">
             <a:avLst/>
           </a:prstGeom>
-        </p:spPr>
-        <p:style>
-          <a:lnRef idx="2">
-            <a:schemeClr val="dk1">
-              <a:shade val="50000"/>
+          <a:solidFill>
+            <a:schemeClr val="accent1">
+              <a:lumMod val="75000"/>
             </a:schemeClr>
-          </a:lnRef>
-          <a:fillRef idx="1">
-            <a:schemeClr val="dk1"/>
-          </a:fillRef>
-          <a:effectRef idx="0">
-            <a:schemeClr val="dk1"/>
-          </a:effectRef>
-          <a:fontRef idx="minor">
-            <a:schemeClr val="lt1"/>
-          </a:fontRef>
-        </p:style>
-        <p:txBody>
-          <a:bodyPr rtlCol="0" anchor="ctr"/>
-          <a:lstStyle/>
-          <a:p>
-            <a:pPr algn="ctr"/>
-            <a:r>
-              <a:rPr lang="en-US" altLang="ko-KR" sz="1000" b="1" dirty="0" smtClean="0"/>
-              <a:t>System</a:t>
-            </a:r>
-            <a:endParaRPr lang="ko-KR" altLang="en-US" sz="1000" b="1" dirty="0"/>
-          </a:p>
-        </p:txBody>
-      </p:sp>
-      <p:sp>
-        <p:nvSpPr>
-          <p:cNvPr id="128" name="모서리가 둥근 직사각형 127"/>
-          <p:cNvSpPr/>
-          <p:nvPr/>
-        </p:nvSpPr>
-        <p:spPr>
-          <a:xfrm>
-            <a:off x="6516216" y="2920909"/>
+          </a:solidFill>
+        </p:spPr>
+        <p:style>
+          <a:lnRef idx="2">
+            <a:schemeClr val="dk1"/>
+          </a:lnRef>
+          <a:fillRef idx="1">
+            <a:schemeClr val="lt1"/>
+          </a:fillRef>
+          <a:effectRef idx="0">
+            <a:schemeClr val="dk1"/>
+          </a:effectRef>
+          <a:fontRef idx="minor">
+            <a:schemeClr val="dk1"/>
+          </a:fontRef>
+        </p:style>
+        <p:txBody>
+          <a:bodyPr rtlCol="0" anchor="ctr"/>
+          <a:lstStyle/>
+          <a:p>
+            <a:pPr algn="ctr"/>
+            <a:r>
+              <a:rPr lang="en-US" altLang="ko-KR" sz="1000" b="1" dirty="0" err="1" smtClean="0">
+                <a:solidFill>
+                  <a:schemeClr val="bg1"/>
+                </a:solidFill>
+              </a:rPr>
+              <a:t>Impl</a:t>
+            </a:r>
+            <a:endParaRPr lang="ko-KR" altLang="en-US" sz="1000" b="1" dirty="0">
+              <a:solidFill>
+                <a:schemeClr val="bg1"/>
+              </a:solidFill>
+            </a:endParaRPr>
+          </a:p>
+        </p:txBody>
+      </p:sp>
+      <p:sp>
+        <p:nvSpPr>
+          <p:cNvPr id="170" name="모서리가 둥근 직사각형 169"/>
+          <p:cNvSpPr/>
+          <p:nvPr/>
+        </p:nvSpPr>
+        <p:spPr>
+          <a:xfrm>
+            <a:off x="2303748" y="6166237"/>
             <a:ext cx="756084" cy="215091"/>
           </a:xfrm>
           <a:prstGeom prst="roundRect">
             <a:avLst/>
           </a:prstGeom>
-        </p:spPr>
-        <p:style>
-          <a:lnRef idx="2">
-            <a:schemeClr val="dk1">
-              <a:shade val="50000"/>
+          <a:solidFill>
+            <a:schemeClr val="accent1">
+              <a:lumMod val="75000"/>
             </a:schemeClr>
-          </a:lnRef>
-          <a:fillRef idx="1">
-            <a:schemeClr val="dk1"/>
-          </a:fillRef>
-          <a:effectRef idx="0">
-            <a:schemeClr val="dk1"/>
-          </a:effectRef>
-          <a:fontRef idx="minor">
-            <a:schemeClr val="lt1"/>
-          </a:fontRef>
-        </p:style>
-        <p:txBody>
-          <a:bodyPr rtlCol="0" anchor="ctr"/>
-          <a:lstStyle/>
-          <a:p>
-            <a:pPr algn="ctr"/>
-            <a:r>
-              <a:rPr lang="en-US" altLang="ko-KR" sz="1000" b="1" dirty="0" smtClean="0"/>
-              <a:t>System</a:t>
-            </a:r>
-            <a:endParaRPr lang="ko-KR" altLang="en-US" sz="1000" b="1" dirty="0"/>
-          </a:p>
-        </p:txBody>
-      </p:sp>
-      <p:sp>
-        <p:nvSpPr>
-          <p:cNvPr id="131" name="모서리가 둥근 직사각형 130"/>
-          <p:cNvSpPr/>
-          <p:nvPr/>
-        </p:nvSpPr>
-        <p:spPr>
-          <a:xfrm>
-            <a:off x="3221850" y="3572849"/>
+          </a:solidFill>
+        </p:spPr>
+        <p:style>
+          <a:lnRef idx="2">
+            <a:schemeClr val="dk1"/>
+          </a:lnRef>
+          <a:fillRef idx="1">
+            <a:schemeClr val="lt1"/>
+          </a:fillRef>
+          <a:effectRef idx="0">
+            <a:schemeClr val="dk1"/>
+          </a:effectRef>
+          <a:fontRef idx="minor">
+            <a:schemeClr val="dk1"/>
+          </a:fontRef>
+        </p:style>
+        <p:txBody>
+          <a:bodyPr rtlCol="0" anchor="ctr"/>
+          <a:lstStyle/>
+          <a:p>
+            <a:pPr algn="ctr"/>
+            <a:r>
+              <a:rPr lang="en-US" altLang="ko-KR" sz="1000" b="1" dirty="0" err="1" smtClean="0">
+                <a:solidFill>
+                  <a:schemeClr val="bg1"/>
+                </a:solidFill>
+              </a:rPr>
+              <a:t>Impl</a:t>
+            </a:r>
+            <a:endParaRPr lang="ko-KR" altLang="en-US" sz="1000" b="1" dirty="0">
+              <a:solidFill>
+                <a:schemeClr val="bg1"/>
+              </a:solidFill>
+            </a:endParaRPr>
+          </a:p>
+        </p:txBody>
+      </p:sp>
+      <p:sp>
+        <p:nvSpPr>
+          <p:cNvPr id="171" name="모서리가 둥근 직사각형 170"/>
+          <p:cNvSpPr/>
+          <p:nvPr/>
+        </p:nvSpPr>
+        <p:spPr>
+          <a:xfrm>
+            <a:off x="4031940" y="5523133"/>
             <a:ext cx="756084" cy="215091"/>
           </a:xfrm>
           <a:prstGeom prst="roundRect">
             <a:avLst/>
           </a:prstGeom>
-        </p:spPr>
-        <p:style>
-          <a:lnRef idx="2">
-            <a:schemeClr val="dk1">
-              <a:shade val="50000"/>
+          <a:solidFill>
+            <a:schemeClr val="accent1">
+              <a:lumMod val="75000"/>
             </a:schemeClr>
-          </a:lnRef>
-          <a:fillRef idx="1">
-            <a:schemeClr val="dk1"/>
-          </a:fillRef>
-          <a:effectRef idx="0">
-            <a:schemeClr val="dk1"/>
-          </a:effectRef>
-          <a:fontRef idx="minor">
-            <a:schemeClr val="lt1"/>
-          </a:fontRef>
-        </p:style>
-        <p:txBody>
-          <a:bodyPr rtlCol="0" anchor="ctr"/>
-          <a:lstStyle/>
-          <a:p>
-            <a:pPr algn="ctr"/>
-            <a:r>
-              <a:rPr lang="en-US" altLang="ko-KR" sz="1000" b="1" dirty="0" smtClean="0"/>
-              <a:t>System</a:t>
-            </a:r>
-            <a:endParaRPr lang="ko-KR" altLang="en-US" sz="1000" b="1" dirty="0"/>
-          </a:p>
-        </p:txBody>
-      </p:sp>
-      <p:sp>
-        <p:nvSpPr>
-          <p:cNvPr id="132" name="모서리가 둥근 직사각형 131"/>
-          <p:cNvSpPr/>
-          <p:nvPr/>
-        </p:nvSpPr>
-        <p:spPr>
-          <a:xfrm>
-            <a:off x="6516216" y="3568981"/>
+          </a:solidFill>
+        </p:spPr>
+        <p:style>
+          <a:lnRef idx="2">
+            <a:schemeClr val="dk1"/>
+          </a:lnRef>
+          <a:fillRef idx="1">
+            <a:schemeClr val="lt1"/>
+          </a:fillRef>
+          <a:effectRef idx="0">
+            <a:schemeClr val="dk1"/>
+          </a:effectRef>
+          <a:fontRef idx="minor">
+            <a:schemeClr val="dk1"/>
+          </a:fontRef>
+        </p:style>
+        <p:txBody>
+          <a:bodyPr rtlCol="0" anchor="ctr"/>
+          <a:lstStyle/>
+          <a:p>
+            <a:pPr algn="ctr"/>
+            <a:r>
+              <a:rPr lang="en-US" altLang="ko-KR" sz="1000" b="1" dirty="0" err="1" smtClean="0">
+                <a:solidFill>
+                  <a:schemeClr val="bg1"/>
+                </a:solidFill>
+              </a:rPr>
+              <a:t>Impl</a:t>
+            </a:r>
+            <a:endParaRPr lang="ko-KR" altLang="en-US" sz="1000" b="1" dirty="0">
+              <a:solidFill>
+                <a:schemeClr val="bg1"/>
+              </a:solidFill>
+            </a:endParaRPr>
+          </a:p>
+        </p:txBody>
+      </p:sp>
+      <p:sp>
+        <p:nvSpPr>
+          <p:cNvPr id="172" name="모서리가 둥근 직사각형 171"/>
+          <p:cNvSpPr/>
+          <p:nvPr/>
+        </p:nvSpPr>
+        <p:spPr>
+          <a:xfrm>
+            <a:off x="683568" y="5518165"/>
             <a:ext cx="756084" cy="215091"/>
           </a:xfrm>
           <a:prstGeom prst="roundRect">
             <a:avLst/>
           </a:prstGeom>
-        </p:spPr>
-        <p:style>
-          <a:lnRef idx="2">
-            <a:schemeClr val="dk1"/>
-          </a:lnRef>
-          <a:fillRef idx="1">
-            <a:schemeClr val="lt1"/>
-          </a:fillRef>
-          <a:effectRef idx="0">
-            <a:schemeClr val="dk1"/>
-          </a:effectRef>
-          <a:fontRef idx="minor">
-            <a:schemeClr val="dk1"/>
-          </a:fontRef>
-        </p:style>
-        <p:txBody>
-          <a:bodyPr rtlCol="0" anchor="ctr"/>
-          <a:lstStyle/>
-          <a:p>
-            <a:pPr algn="ctr"/>
-            <a:r>
-              <a:rPr lang="en-US" altLang="ko-KR" sz="1000" b="1" dirty="0" smtClean="0"/>
-              <a:t>User</a:t>
-            </a:r>
-            <a:endParaRPr lang="ko-KR" altLang="en-US" sz="1000" b="1" dirty="0"/>
-          </a:p>
-        </p:txBody>
-      </p:sp>
-      <p:sp>
-        <p:nvSpPr>
-          <p:cNvPr id="133" name="모서리가 둥근 직사각형 132"/>
-          <p:cNvSpPr/>
-          <p:nvPr/>
-        </p:nvSpPr>
-        <p:spPr>
-          <a:xfrm>
-            <a:off x="4896036" y="4222021"/>
+          <a:solidFill>
+            <a:schemeClr val="accent1">
+              <a:lumMod val="75000"/>
+            </a:schemeClr>
+          </a:solidFill>
+        </p:spPr>
+        <p:style>
+          <a:lnRef idx="2">
+            <a:schemeClr val="dk1"/>
+          </a:lnRef>
+          <a:fillRef idx="1">
+            <a:schemeClr val="lt1"/>
+          </a:fillRef>
+          <a:effectRef idx="0">
+            <a:schemeClr val="dk1"/>
+          </a:effectRef>
+          <a:fontRef idx="minor">
+            <a:schemeClr val="dk1"/>
+          </a:fontRef>
+        </p:style>
+        <p:txBody>
+          <a:bodyPr rtlCol="0" anchor="ctr"/>
+          <a:lstStyle/>
+          <a:p>
+            <a:pPr algn="ctr"/>
+            <a:r>
+              <a:rPr lang="en-US" altLang="ko-KR" sz="1000" b="1" dirty="0" err="1" smtClean="0">
+                <a:solidFill>
+                  <a:schemeClr val="bg1"/>
+                </a:solidFill>
+              </a:rPr>
+              <a:t>Impl</a:t>
+            </a:r>
+            <a:endParaRPr lang="ko-KR" altLang="en-US" sz="1000" b="1" dirty="0">
+              <a:solidFill>
+                <a:schemeClr val="bg1"/>
+              </a:solidFill>
+            </a:endParaRPr>
+          </a:p>
+        </p:txBody>
+      </p:sp>
+      <p:sp>
+        <p:nvSpPr>
+          <p:cNvPr id="173" name="모서리가 둥근 직사각형 172"/>
+          <p:cNvSpPr/>
+          <p:nvPr/>
+        </p:nvSpPr>
+        <p:spPr>
+          <a:xfrm>
+            <a:off x="2303748" y="4221088"/>
             <a:ext cx="756084" cy="215091"/>
           </a:xfrm>
           <a:prstGeom prst="roundRect">
             <a:avLst/>
           </a:prstGeom>
-        </p:spPr>
-        <p:style>
-          <a:lnRef idx="2">
-            <a:schemeClr val="dk1"/>
-          </a:lnRef>
-          <a:fillRef idx="1">
-            <a:schemeClr val="lt1"/>
-          </a:fillRef>
-          <a:effectRef idx="0">
-            <a:schemeClr val="dk1"/>
-          </a:effectRef>
-          <a:fontRef idx="minor">
-            <a:schemeClr val="dk1"/>
-          </a:fontRef>
-        </p:style>
-        <p:txBody>
-          <a:bodyPr rtlCol="0" anchor="ctr"/>
-          <a:lstStyle/>
-          <a:p>
-            <a:pPr algn="ctr"/>
-            <a:r>
-              <a:rPr lang="en-US" altLang="ko-KR" sz="1000" b="1" dirty="0" smtClean="0"/>
-              <a:t>User</a:t>
-            </a:r>
-            <a:endParaRPr lang="ko-KR" altLang="en-US" sz="1000" b="1" dirty="0"/>
-          </a:p>
-        </p:txBody>
-      </p:sp>
-      <p:sp>
-        <p:nvSpPr>
-          <p:cNvPr id="134" name="모서리가 둥근 직사각형 133"/>
-          <p:cNvSpPr/>
-          <p:nvPr/>
-        </p:nvSpPr>
-        <p:spPr>
-          <a:xfrm>
-            <a:off x="3239852" y="4221088"/>
-            <a:ext cx="756084" cy="215091"/>
-          </a:xfrm>
-          <a:prstGeom prst="roundRect">
-            <a:avLst/>
-          </a:prstGeom>
-        </p:spPr>
-        <p:style>
-          <a:lnRef idx="2">
-            <a:schemeClr val="dk1"/>
-          </a:lnRef>
-          <a:fillRef idx="1">
-            <a:schemeClr val="lt1"/>
-          </a:fillRef>
-          <a:effectRef idx="0">
-            <a:schemeClr val="dk1"/>
-          </a:effectRef>
-          <a:fontRef idx="minor">
-            <a:schemeClr val="dk1"/>
-          </a:fontRef>
-        </p:style>
-        <p:txBody>
-          <a:bodyPr rtlCol="0" anchor="ctr"/>
-          <a:lstStyle/>
-          <a:p>
-            <a:pPr algn="ctr"/>
-            <a:r>
-              <a:rPr lang="en-US" altLang="ko-KR" sz="1000" b="1" dirty="0" smtClean="0"/>
-              <a:t>User</a:t>
-            </a:r>
-            <a:endParaRPr lang="ko-KR" altLang="en-US" sz="1000" b="1" dirty="0"/>
-          </a:p>
-        </p:txBody>
-      </p:sp>
-      <p:sp>
-        <p:nvSpPr>
-          <p:cNvPr id="135" name="모서리가 둥근 직사각형 134"/>
-          <p:cNvSpPr/>
-          <p:nvPr/>
-        </p:nvSpPr>
-        <p:spPr>
-          <a:xfrm>
-            <a:off x="3239852" y="4869160"/>
-            <a:ext cx="756084" cy="215091"/>
-          </a:xfrm>
-          <a:prstGeom prst="roundRect">
-            <a:avLst/>
-          </a:prstGeom>
-        </p:spPr>
-        <p:style>
-          <a:lnRef idx="2">
-            <a:schemeClr val="dk1"/>
-          </a:lnRef>
-          <a:fillRef idx="1">
-            <a:schemeClr val="lt1"/>
-          </a:fillRef>
-          <a:effectRef idx="0">
-            <a:schemeClr val="dk1"/>
-          </a:effectRef>
-          <a:fontRef idx="minor">
-            <a:schemeClr val="dk1"/>
-          </a:fontRef>
-        </p:style>
-        <p:txBody>
-          <a:bodyPr rtlCol="0" anchor="ctr"/>
-          <a:lstStyle/>
-          <a:p>
-            <a:pPr algn="ctr"/>
-            <a:r>
-              <a:rPr lang="en-US" altLang="ko-KR" sz="1000" b="1" dirty="0" smtClean="0"/>
-              <a:t>User</a:t>
-            </a:r>
-            <a:endParaRPr lang="ko-KR" altLang="en-US" sz="1000" b="1" dirty="0"/>
-          </a:p>
-        </p:txBody>
-      </p:sp>
-      <p:sp>
-        <p:nvSpPr>
-          <p:cNvPr id="136" name="모서리가 둥근 직사각형 135"/>
-          <p:cNvSpPr/>
-          <p:nvPr/>
-        </p:nvSpPr>
-        <p:spPr>
-          <a:xfrm>
-            <a:off x="3203848" y="5518165"/>
-            <a:ext cx="756084" cy="215091"/>
-          </a:xfrm>
-          <a:prstGeom prst="roundRect">
-            <a:avLst/>
-          </a:prstGeom>
-        </p:spPr>
-        <p:style>
-          <a:lnRef idx="2">
-            <a:schemeClr val="dk1">
-              <a:shade val="50000"/>
+          <a:solidFill>
+            <a:schemeClr val="accent1">
+              <a:lumMod val="75000"/>
             </a:schemeClr>
-          </a:lnRef>
-          <a:fillRef idx="1">
-            <a:schemeClr val="dk1"/>
-          </a:fillRef>
-          <a:effectRef idx="0">
-            <a:schemeClr val="dk1"/>
-          </a:effectRef>
-          <a:fontRef idx="minor">
-            <a:schemeClr val="lt1"/>
-          </a:fontRef>
-        </p:style>
-        <p:txBody>
-          <a:bodyPr rtlCol="0" anchor="ctr"/>
-          <a:lstStyle/>
-          <a:p>
-            <a:pPr algn="ctr"/>
-            <a:r>
-              <a:rPr lang="en-US" altLang="ko-KR" sz="1000" b="1" dirty="0" smtClean="0"/>
-              <a:t>System</a:t>
-            </a:r>
-            <a:endParaRPr lang="ko-KR" altLang="en-US" sz="1000" b="1" dirty="0"/>
-          </a:p>
-        </p:txBody>
-      </p:sp>
-      <p:sp>
-        <p:nvSpPr>
-          <p:cNvPr id="137" name="모서리가 둥근 직사각형 136"/>
-          <p:cNvSpPr/>
-          <p:nvPr/>
-        </p:nvSpPr>
-        <p:spPr>
-          <a:xfrm>
-            <a:off x="4896036" y="5517232"/>
-            <a:ext cx="756084" cy="215091"/>
-          </a:xfrm>
-          <a:prstGeom prst="roundRect">
-            <a:avLst/>
-          </a:prstGeom>
-        </p:spPr>
-        <p:style>
-          <a:lnRef idx="2">
-            <a:schemeClr val="dk1">
-              <a:shade val="50000"/>
-            </a:schemeClr>
-          </a:lnRef>
-          <a:fillRef idx="1">
-            <a:schemeClr val="dk1"/>
-          </a:fillRef>
-          <a:effectRef idx="0">
-            <a:schemeClr val="dk1"/>
-          </a:effectRef>
-          <a:fontRef idx="minor">
-            <a:schemeClr val="lt1"/>
-          </a:fontRef>
-        </p:style>
-        <p:txBody>
-          <a:bodyPr rtlCol="0" anchor="ctr"/>
-          <a:lstStyle/>
-          <a:p>
-            <a:pPr algn="ctr"/>
-            <a:r>
-              <a:rPr lang="en-US" altLang="ko-KR" sz="1000" b="1" dirty="0" smtClean="0"/>
-              <a:t>System</a:t>
-            </a:r>
-            <a:endParaRPr lang="ko-KR" altLang="en-US" sz="1000" b="1" dirty="0"/>
-          </a:p>
-        </p:txBody>
-      </p:sp>
-      <p:sp>
-        <p:nvSpPr>
-          <p:cNvPr id="138" name="모서리가 둥근 직사각형 137"/>
-          <p:cNvSpPr/>
-          <p:nvPr/>
-        </p:nvSpPr>
-        <p:spPr>
-          <a:xfrm>
-            <a:off x="1547664" y="5517232"/>
-            <a:ext cx="756084" cy="215091"/>
-          </a:xfrm>
-          <a:prstGeom prst="roundRect">
-            <a:avLst/>
-          </a:prstGeom>
-        </p:spPr>
-        <p:style>
-          <a:lnRef idx="2">
-            <a:schemeClr val="dk1">
-              <a:shade val="50000"/>
-            </a:schemeClr>
-          </a:lnRef>
-          <a:fillRef idx="1">
-            <a:schemeClr val="dk1"/>
-          </a:fillRef>
-          <a:effectRef idx="0">
-            <a:schemeClr val="dk1"/>
-          </a:effectRef>
-          <a:fontRef idx="minor">
-            <a:schemeClr val="lt1"/>
-          </a:fontRef>
-        </p:style>
-        <p:txBody>
-          <a:bodyPr rtlCol="0" anchor="ctr"/>
-          <a:lstStyle/>
-          <a:p>
-            <a:pPr algn="ctr"/>
-            <a:r>
-              <a:rPr lang="en-US" altLang="ko-KR" sz="1000" b="1" dirty="0" smtClean="0"/>
-              <a:t>System</a:t>
-            </a:r>
-            <a:endParaRPr lang="ko-KR" altLang="en-US" sz="1000" b="1" dirty="0"/>
-          </a:p>
-        </p:txBody>
-      </p:sp>
-      <p:sp>
-        <p:nvSpPr>
-          <p:cNvPr id="139" name="모서리가 둥근 직사각형 138"/>
-          <p:cNvSpPr/>
-          <p:nvPr/>
-        </p:nvSpPr>
-        <p:spPr>
-          <a:xfrm>
-            <a:off x="3203848" y="6165304"/>
-            <a:ext cx="756084" cy="215091"/>
-          </a:xfrm>
-          <a:prstGeom prst="roundRect">
-            <a:avLst/>
-          </a:prstGeom>
-        </p:spPr>
-        <p:style>
-          <a:lnRef idx="2">
-            <a:schemeClr val="dk1">
-              <a:shade val="50000"/>
-            </a:schemeClr>
-          </a:lnRef>
-          <a:fillRef idx="1">
-            <a:schemeClr val="dk1"/>
-          </a:fillRef>
-          <a:effectRef idx="0">
-            <a:schemeClr val="dk1"/>
-          </a:effectRef>
-          <a:fontRef idx="minor">
-            <a:schemeClr val="lt1"/>
-          </a:fontRef>
-        </p:style>
-        <p:txBody>
-          <a:bodyPr rtlCol="0" anchor="ctr"/>
-          <a:lstStyle/>
-          <a:p>
-            <a:pPr algn="ctr"/>
-            <a:r>
-              <a:rPr lang="en-US" altLang="ko-KR" sz="1000" b="1" dirty="0" smtClean="0"/>
-              <a:t>System</a:t>
-            </a:r>
-            <a:endParaRPr lang="ko-KR" altLang="en-US" sz="1000" b="1" dirty="0"/>
-          </a:p>
-        </p:txBody>
-      </p:sp>
-      <p:sp>
-        <p:nvSpPr>
-          <p:cNvPr id="140" name="모서리가 둥근 직사각형 139"/>
-          <p:cNvSpPr/>
-          <p:nvPr/>
-        </p:nvSpPr>
-        <p:spPr>
-          <a:xfrm>
-            <a:off x="1547664" y="981661"/>
-            <a:ext cx="756084" cy="215091"/>
-          </a:xfrm>
-          <a:prstGeom prst="roundRect">
-            <a:avLst/>
-          </a:prstGeom>
-        </p:spPr>
-        <p:style>
-          <a:lnRef idx="2">
-            <a:schemeClr val="dk1">
-              <a:shade val="50000"/>
-            </a:schemeClr>
-          </a:lnRef>
-          <a:fillRef idx="1">
-            <a:schemeClr val="dk1"/>
-          </a:fillRef>
-          <a:effectRef idx="0">
-            <a:schemeClr val="dk1"/>
-          </a:effectRef>
-          <a:fontRef idx="minor">
-            <a:schemeClr val="lt1"/>
-          </a:fontRef>
-        </p:style>
-        <p:txBody>
-          <a:bodyPr rtlCol="0" anchor="ctr"/>
-          <a:lstStyle/>
-          <a:p>
-            <a:pPr algn="ctr"/>
-            <a:r>
-              <a:rPr lang="en-US" altLang="ko-KR" sz="1000" b="1" dirty="0" smtClean="0"/>
-              <a:t>System</a:t>
-            </a:r>
-            <a:endParaRPr lang="ko-KR" altLang="en-US" sz="1000" b="1" dirty="0"/>
-          </a:p>
-        </p:txBody>
-      </p:sp>
-      <p:sp>
-        <p:nvSpPr>
-          <p:cNvPr id="141" name="모서리가 둥근 직사각형 140"/>
-          <p:cNvSpPr/>
-          <p:nvPr/>
-        </p:nvSpPr>
-        <p:spPr>
-          <a:xfrm>
-            <a:off x="1547664" y="1629733"/>
-            <a:ext cx="756084" cy="215091"/>
-          </a:xfrm>
-          <a:prstGeom prst="roundRect">
-            <a:avLst/>
-          </a:prstGeom>
-        </p:spPr>
-        <p:style>
-          <a:lnRef idx="2">
-            <a:schemeClr val="dk1">
-              <a:shade val="50000"/>
-            </a:schemeClr>
-          </a:lnRef>
-          <a:fillRef idx="1">
-            <a:schemeClr val="dk1"/>
-          </a:fillRef>
-          <a:effectRef idx="0">
-            <a:schemeClr val="dk1"/>
-          </a:effectRef>
-          <a:fontRef idx="minor">
-            <a:schemeClr val="lt1"/>
-          </a:fontRef>
-        </p:style>
-        <p:txBody>
-          <a:bodyPr rtlCol="0" anchor="ctr"/>
-          <a:lstStyle/>
-          <a:p>
-            <a:pPr algn="ctr"/>
-            <a:r>
-              <a:rPr lang="en-US" altLang="ko-KR" sz="1000" b="1" dirty="0" smtClean="0"/>
-              <a:t>System</a:t>
-            </a:r>
-            <a:endParaRPr lang="ko-KR" altLang="en-US" sz="1000" b="1" dirty="0"/>
-          </a:p>
-        </p:txBody>
-      </p:sp>
-      <p:sp>
-        <p:nvSpPr>
-          <p:cNvPr id="142" name="모서리가 둥근 직사각형 141"/>
-          <p:cNvSpPr/>
-          <p:nvPr/>
-        </p:nvSpPr>
-        <p:spPr>
-          <a:xfrm>
-            <a:off x="1547664" y="2277805"/>
-            <a:ext cx="756084" cy="215091"/>
-          </a:xfrm>
-          <a:prstGeom prst="roundRect">
-            <a:avLst/>
-          </a:prstGeom>
-        </p:spPr>
-        <p:style>
-          <a:lnRef idx="2">
-            <a:schemeClr val="dk1">
-              <a:shade val="50000"/>
-            </a:schemeClr>
-          </a:lnRef>
-          <a:fillRef idx="1">
-            <a:schemeClr val="dk1"/>
-          </a:fillRef>
-          <a:effectRef idx="0">
-            <a:schemeClr val="dk1"/>
-          </a:effectRef>
-          <a:fontRef idx="minor">
-            <a:schemeClr val="lt1"/>
-          </a:fontRef>
-        </p:style>
-        <p:txBody>
-          <a:bodyPr rtlCol="0" anchor="ctr"/>
-          <a:lstStyle/>
-          <a:p>
-            <a:pPr algn="ctr"/>
-            <a:r>
-              <a:rPr lang="en-US" altLang="ko-KR" sz="1000" b="1" dirty="0" smtClean="0"/>
-              <a:t>System</a:t>
-            </a:r>
-            <a:endParaRPr lang="ko-KR" altLang="en-US" sz="1000" b="1" dirty="0"/>
-          </a:p>
-        </p:txBody>
-      </p:sp>
-      <p:sp>
-        <p:nvSpPr>
-          <p:cNvPr id="144" name="모서리가 둥근 직사각형 143"/>
-          <p:cNvSpPr/>
-          <p:nvPr/>
-        </p:nvSpPr>
-        <p:spPr>
-          <a:xfrm>
-            <a:off x="3239852" y="1629733"/>
-            <a:ext cx="756084" cy="215091"/>
-          </a:xfrm>
-          <a:prstGeom prst="roundRect">
-            <a:avLst/>
-          </a:prstGeom>
-        </p:spPr>
-        <p:style>
-          <a:lnRef idx="2">
-            <a:schemeClr val="dk1"/>
-          </a:lnRef>
-          <a:fillRef idx="1">
-            <a:schemeClr val="lt1"/>
-          </a:fillRef>
-          <a:effectRef idx="0">
-            <a:schemeClr val="dk1"/>
-          </a:effectRef>
-          <a:fontRef idx="minor">
-            <a:schemeClr val="dk1"/>
-          </a:fontRef>
-        </p:style>
-        <p:txBody>
-          <a:bodyPr rtlCol="0" anchor="ctr"/>
-          <a:lstStyle/>
-          <a:p>
-            <a:pPr algn="ctr"/>
-            <a:r>
-              <a:rPr lang="en-US" altLang="ko-KR" sz="1000" b="1" dirty="0" smtClean="0"/>
-              <a:t>User</a:t>
-            </a:r>
-            <a:endParaRPr lang="ko-KR" altLang="en-US" sz="1000" b="1" dirty="0"/>
+          </a:solidFill>
+        </p:spPr>
+        <p:style>
+          <a:lnRef idx="2">
+            <a:schemeClr val="dk1"/>
+          </a:lnRef>
+          <a:fillRef idx="1">
+            <a:schemeClr val="lt1"/>
+          </a:fillRef>
+          <a:effectRef idx="0">
+            <a:schemeClr val="dk1"/>
+          </a:effectRef>
+          <a:fontRef idx="minor">
+            <a:schemeClr val="dk1"/>
+          </a:fontRef>
+        </p:style>
+        <p:txBody>
+          <a:bodyPr rtlCol="0" anchor="ctr"/>
+          <a:lstStyle/>
+          <a:p>
+            <a:pPr algn="ctr"/>
+            <a:r>
+              <a:rPr lang="en-US" altLang="ko-KR" sz="1000" b="1" dirty="0" err="1" smtClean="0">
+                <a:solidFill>
+                  <a:schemeClr val="bg1"/>
+                </a:solidFill>
+              </a:rPr>
+              <a:t>Impl</a:t>
+            </a:r>
+            <a:endParaRPr lang="ko-KR" altLang="en-US" sz="1000" b="1" dirty="0">
+              <a:solidFill>
+                <a:schemeClr val="bg1"/>
+              </a:solidFill>
+            </a:endParaRPr>
           </a:p>
         </p:txBody>
       </p:sp>
     </p:spTree>
     <p:extLst>
       <p:ext uri="{BB962C8B-B14F-4D97-AF65-F5344CB8AC3E}">
-        <p14:creationId xmlns:p14="http://schemas.microsoft.com/office/powerpoint/2010/main" val="1722891913"/>
+        <p14:creationId xmlns:p14="http://schemas.microsoft.com/office/powerpoint/2010/main" xmlns="" val="1920581366"/>
       </p:ext>
     </p:extLst>
   </p:cSld>
@@ -10571,8 +9858,12 @@
           <a:p>
             <a:pPr algn="ctr"/>
             <a:r>
+              <a:rPr lang="en-US" altLang="ko-KR" sz="1200" dirty="0" err="1" smtClean="0"/>
+              <a:t>Servlet</a:t>
+            </a:r>
+            <a:r>
               <a:rPr lang="en-US" altLang="ko-KR" sz="1200" dirty="0" smtClean="0"/>
-              <a:t>Filter</a:t>
+              <a:t> Filter</a:t>
             </a:r>
             <a:endParaRPr lang="ko-KR" altLang="en-US" sz="1200" dirty="0"/>
           </a:p>
@@ -10998,18 +10289,26 @@
           <a:p>
             <a:r>
               <a:rPr lang="en-US" altLang="ko-KR" dirty="0" smtClean="0"/>
-              <a:t>Java Web Application with </a:t>
+              <a:t>Java Web </a:t>
+            </a:r>
+            <a:r>
+              <a:rPr lang="en-US" altLang="ko-KR" dirty="0" smtClean="0"/>
+              <a:t>Application(</a:t>
             </a:r>
             <a:r>
               <a:rPr lang="en-US" altLang="ko-KR" dirty="0" err="1" smtClean="0"/>
               <a:t>Springframework</a:t>
             </a:r>
+            <a:r>
+              <a:rPr lang="en-US" altLang="ko-KR" dirty="0" smtClean="0"/>
+              <a:t>)</a:t>
+            </a:r>
             <a:endParaRPr lang="en-US" altLang="ko-KR" dirty="0" smtClean="0"/>
           </a:p>
           <a:p>
             <a:r>
               <a:rPr lang="en-US" altLang="ko-KR" dirty="0" smtClean="0"/>
-              <a:t>: Error / Exception Handling Point</a:t>
+              <a:t>: User Friendly Message vs. System Message </a:t>
             </a:r>
             <a:endParaRPr lang="ko-KR" altLang="en-US" dirty="0"/>
           </a:p>
@@ -11608,7 +10907,7 @@
         <p:spPr>
           <a:xfrm>
             <a:off x="5834410" y="122205"/>
-            <a:ext cx="1512168" cy="1255808"/>
+            <a:ext cx="1512168" cy="967776"/>
           </a:xfrm>
           <a:prstGeom prst="rect">
             <a:avLst/>
@@ -11657,13 +10956,13 @@
           </a:prstGeom>
         </p:spPr>
         <p:style>
-          <a:lnRef idx="1">
-            <a:schemeClr val="dk1"/>
-          </a:lnRef>
-          <a:fillRef idx="2">
-            <a:schemeClr val="dk1"/>
-          </a:fillRef>
-          <a:effectRef idx="1">
+          <a:lnRef idx="2">
+            <a:schemeClr val="dk1"/>
+          </a:lnRef>
+          <a:fillRef idx="1">
+            <a:schemeClr val="lt1"/>
+          </a:fillRef>
+          <a:effectRef idx="0">
             <a:schemeClr val="dk1"/>
           </a:effectRef>
           <a:fontRef idx="minor">
@@ -11699,17 +10998,19 @@
           </a:prstGeom>
         </p:spPr>
         <p:style>
-          <a:lnRef idx="1">
-            <a:schemeClr val="dk1"/>
-          </a:lnRef>
-          <a:fillRef idx="2">
-            <a:schemeClr val="dk1"/>
-          </a:fillRef>
-          <a:effectRef idx="1">
-            <a:schemeClr val="dk1"/>
-          </a:effectRef>
-          <a:fontRef idx="minor">
-            <a:schemeClr val="dk1"/>
+          <a:lnRef idx="2">
+            <a:schemeClr val="dk1">
+              <a:shade val="50000"/>
+            </a:schemeClr>
+          </a:lnRef>
+          <a:fillRef idx="1">
+            <a:schemeClr val="dk1"/>
+          </a:fillRef>
+          <a:effectRef idx="0">
+            <a:schemeClr val="dk1"/>
+          </a:effectRef>
+          <a:fontRef idx="minor">
+            <a:schemeClr val="lt1"/>
           </a:fontRef>
         </p:style>
         <p:txBody>
@@ -11719,7 +11020,225 @@
             <a:pPr algn="ctr"/>
             <a:r>
               <a:rPr lang="en-US" altLang="ko-KR" sz="1000" b="1" dirty="0" smtClean="0"/>
-              <a:t>Spring</a:t>
+              <a:t>System Message</a:t>
+            </a:r>
+            <a:endParaRPr lang="ko-KR" altLang="en-US" sz="1000" b="1" dirty="0"/>
+          </a:p>
+        </p:txBody>
+      </p:sp>
+      <p:sp>
+        <p:nvSpPr>
+          <p:cNvPr id="122" name="모서리가 둥근 직사각형 121"/>
+          <p:cNvSpPr/>
+          <p:nvPr/>
+        </p:nvSpPr>
+        <p:spPr>
+          <a:xfrm>
+            <a:off x="4896036" y="3568048"/>
+            <a:ext cx="756084" cy="215091"/>
+          </a:xfrm>
+          <a:prstGeom prst="roundRect">
+            <a:avLst/>
+          </a:prstGeom>
+        </p:spPr>
+        <p:style>
+          <a:lnRef idx="2">
+            <a:schemeClr val="dk1">
+              <a:shade val="50000"/>
+            </a:schemeClr>
+          </a:lnRef>
+          <a:fillRef idx="1">
+            <a:schemeClr val="dk1"/>
+          </a:fillRef>
+          <a:effectRef idx="0">
+            <a:schemeClr val="dk1"/>
+          </a:effectRef>
+          <a:fontRef idx="minor">
+            <a:schemeClr val="lt1"/>
+          </a:fontRef>
+        </p:style>
+        <p:txBody>
+          <a:bodyPr rtlCol="0" anchor="ctr"/>
+          <a:lstStyle/>
+          <a:p>
+            <a:pPr algn="ctr"/>
+            <a:r>
+              <a:rPr lang="en-US" altLang="ko-KR" sz="1000" b="1" dirty="0" smtClean="0"/>
+              <a:t>System</a:t>
+            </a:r>
+            <a:endParaRPr lang="ko-KR" altLang="en-US" sz="1000" b="1" dirty="0"/>
+          </a:p>
+        </p:txBody>
+      </p:sp>
+      <p:sp>
+        <p:nvSpPr>
+          <p:cNvPr id="123" name="모서리가 둥근 직사각형 122"/>
+          <p:cNvSpPr/>
+          <p:nvPr/>
+        </p:nvSpPr>
+        <p:spPr>
+          <a:xfrm>
+            <a:off x="4896036" y="2919976"/>
+            <a:ext cx="756084" cy="215091"/>
+          </a:xfrm>
+          <a:prstGeom prst="roundRect">
+            <a:avLst/>
+          </a:prstGeom>
+        </p:spPr>
+        <p:style>
+          <a:lnRef idx="2">
+            <a:schemeClr val="dk1">
+              <a:shade val="50000"/>
+            </a:schemeClr>
+          </a:lnRef>
+          <a:fillRef idx="1">
+            <a:schemeClr val="dk1"/>
+          </a:fillRef>
+          <a:effectRef idx="0">
+            <a:schemeClr val="dk1"/>
+          </a:effectRef>
+          <a:fontRef idx="minor">
+            <a:schemeClr val="lt1"/>
+          </a:fontRef>
+        </p:style>
+        <p:txBody>
+          <a:bodyPr rtlCol="0" anchor="ctr"/>
+          <a:lstStyle/>
+          <a:p>
+            <a:pPr algn="ctr"/>
+            <a:r>
+              <a:rPr lang="en-US" altLang="ko-KR" sz="1000" b="1" dirty="0" smtClean="0"/>
+              <a:t>System</a:t>
+            </a:r>
+            <a:endParaRPr lang="ko-KR" altLang="en-US" sz="1000" b="1" dirty="0"/>
+          </a:p>
+        </p:txBody>
+      </p:sp>
+      <p:sp>
+        <p:nvSpPr>
+          <p:cNvPr id="128" name="모서리가 둥근 직사각형 127"/>
+          <p:cNvSpPr/>
+          <p:nvPr/>
+        </p:nvSpPr>
+        <p:spPr>
+          <a:xfrm>
+            <a:off x="6516216" y="2920909"/>
+            <a:ext cx="756084" cy="215091"/>
+          </a:xfrm>
+          <a:prstGeom prst="roundRect">
+            <a:avLst/>
+          </a:prstGeom>
+        </p:spPr>
+        <p:style>
+          <a:lnRef idx="2">
+            <a:schemeClr val="dk1">
+              <a:shade val="50000"/>
+            </a:schemeClr>
+          </a:lnRef>
+          <a:fillRef idx="1">
+            <a:schemeClr val="dk1"/>
+          </a:fillRef>
+          <a:effectRef idx="0">
+            <a:schemeClr val="dk1"/>
+          </a:effectRef>
+          <a:fontRef idx="minor">
+            <a:schemeClr val="lt1"/>
+          </a:fontRef>
+        </p:style>
+        <p:txBody>
+          <a:bodyPr rtlCol="0" anchor="ctr"/>
+          <a:lstStyle/>
+          <a:p>
+            <a:pPr algn="ctr"/>
+            <a:r>
+              <a:rPr lang="en-US" altLang="ko-KR" sz="1000" b="1" dirty="0" smtClean="0"/>
+              <a:t>System</a:t>
+            </a:r>
+            <a:endParaRPr lang="ko-KR" altLang="en-US" sz="1000" b="1" dirty="0"/>
+          </a:p>
+        </p:txBody>
+      </p:sp>
+      <p:sp>
+        <p:nvSpPr>
+          <p:cNvPr id="131" name="모서리가 둥근 직사각형 130"/>
+          <p:cNvSpPr/>
+          <p:nvPr/>
+        </p:nvSpPr>
+        <p:spPr>
+          <a:xfrm>
+            <a:off x="3221850" y="3572849"/>
+            <a:ext cx="756084" cy="215091"/>
+          </a:xfrm>
+          <a:prstGeom prst="roundRect">
+            <a:avLst/>
+          </a:prstGeom>
+        </p:spPr>
+        <p:style>
+          <a:lnRef idx="2">
+            <a:schemeClr val="dk1">
+              <a:shade val="50000"/>
+            </a:schemeClr>
+          </a:lnRef>
+          <a:fillRef idx="1">
+            <a:schemeClr val="dk1"/>
+          </a:fillRef>
+          <a:effectRef idx="0">
+            <a:schemeClr val="dk1"/>
+          </a:effectRef>
+          <a:fontRef idx="minor">
+            <a:schemeClr val="lt1"/>
+          </a:fontRef>
+        </p:style>
+        <p:txBody>
+          <a:bodyPr rtlCol="0" anchor="ctr"/>
+          <a:lstStyle/>
+          <a:p>
+            <a:pPr algn="ctr"/>
+            <a:r>
+              <a:rPr lang="en-US" altLang="ko-KR" sz="1000" b="1" dirty="0" smtClean="0"/>
+              <a:t>System</a:t>
+            </a:r>
+            <a:endParaRPr lang="ko-KR" altLang="en-US" sz="1000" b="1" dirty="0"/>
+          </a:p>
+        </p:txBody>
+      </p:sp>
+      <p:sp>
+        <p:nvSpPr>
+          <p:cNvPr id="132" name="모서리가 둥근 직사각형 131"/>
+          <p:cNvSpPr/>
+          <p:nvPr/>
+        </p:nvSpPr>
+        <p:spPr>
+          <a:xfrm>
+            <a:off x="6516216" y="3568981"/>
+            <a:ext cx="756084" cy="215091"/>
+          </a:xfrm>
+          <a:prstGeom prst="roundRect">
+            <a:avLst/>
+          </a:prstGeom>
+        </p:spPr>
+        <p:style>
+          <a:lnRef idx="2">
+            <a:schemeClr val="dk1"/>
+          </a:lnRef>
+          <a:fillRef idx="1">
+            <a:schemeClr val="lt1"/>
+          </a:fillRef>
+          <a:effectRef idx="0">
+            <a:schemeClr val="dk1"/>
+          </a:effectRef>
+          <a:fontRef idx="minor">
+            <a:schemeClr val="dk1"/>
+          </a:fontRef>
+        </p:style>
+        <p:txBody>
+          <a:bodyPr rtlCol="0" anchor="ctr"/>
+          <a:lstStyle/>
+          <a:p>
+            <a:pPr algn="ctr"/>
+            <a:r>
+              <a:rPr lang="en-US" altLang="ko-KR" sz="1000" b="1" dirty="0" smtClean="0"/>
+              <a:t>User</a:t>
             </a:r>
             <a:endParaRPr lang="ko-KR" altLang="en-US" sz="1000" b="1" dirty="0"/>
           </a:p>
@@ -11741,13 +11260,13 @@
           </a:prstGeom>
         </p:spPr>
         <p:style>
-          <a:lnRef idx="1">
-            <a:schemeClr val="dk1"/>
-          </a:lnRef>
-          <a:fillRef idx="2">
-            <a:schemeClr val="dk1"/>
-          </a:fillRef>
-          <a:effectRef idx="1">
+          <a:lnRef idx="2">
+            <a:schemeClr val="dk1"/>
+          </a:lnRef>
+          <a:fillRef idx="1">
+            <a:schemeClr val="lt1"/>
+          </a:fillRef>
+          <a:effectRef idx="0">
             <a:schemeClr val="dk1"/>
           </a:effectRef>
           <a:fontRef idx="minor">
@@ -11769,6 +11288,398 @@
       </p:sp>
       <p:sp>
         <p:nvSpPr>
+          <p:cNvPr id="134" name="모서리가 둥근 직사각형 133"/>
+          <p:cNvSpPr/>
+          <p:nvPr/>
+        </p:nvSpPr>
+        <p:spPr>
+          <a:xfrm>
+            <a:off x="3239852" y="4221088"/>
+            <a:ext cx="756084" cy="215091"/>
+          </a:xfrm>
+          <a:prstGeom prst="roundRect">
+            <a:avLst/>
+          </a:prstGeom>
+        </p:spPr>
+        <p:style>
+          <a:lnRef idx="2">
+            <a:schemeClr val="dk1"/>
+          </a:lnRef>
+          <a:fillRef idx="1">
+            <a:schemeClr val="lt1"/>
+          </a:fillRef>
+          <a:effectRef idx="0">
+            <a:schemeClr val="dk1"/>
+          </a:effectRef>
+          <a:fontRef idx="minor">
+            <a:schemeClr val="dk1"/>
+          </a:fontRef>
+        </p:style>
+        <p:txBody>
+          <a:bodyPr rtlCol="0" anchor="ctr"/>
+          <a:lstStyle/>
+          <a:p>
+            <a:pPr algn="ctr"/>
+            <a:r>
+              <a:rPr lang="en-US" altLang="ko-KR" sz="1000" b="1" dirty="0" smtClean="0"/>
+              <a:t>User</a:t>
+            </a:r>
+            <a:endParaRPr lang="ko-KR" altLang="en-US" sz="1000" b="1" dirty="0"/>
+          </a:p>
+        </p:txBody>
+      </p:sp>
+      <p:sp>
+        <p:nvSpPr>
+          <p:cNvPr id="135" name="모서리가 둥근 직사각형 134"/>
+          <p:cNvSpPr/>
+          <p:nvPr/>
+        </p:nvSpPr>
+        <p:spPr>
+          <a:xfrm>
+            <a:off x="3239852" y="4869160"/>
+            <a:ext cx="756084" cy="215091"/>
+          </a:xfrm>
+          <a:prstGeom prst="roundRect">
+            <a:avLst/>
+          </a:prstGeom>
+        </p:spPr>
+        <p:style>
+          <a:lnRef idx="2">
+            <a:schemeClr val="dk1"/>
+          </a:lnRef>
+          <a:fillRef idx="1">
+            <a:schemeClr val="lt1"/>
+          </a:fillRef>
+          <a:effectRef idx="0">
+            <a:schemeClr val="dk1"/>
+          </a:effectRef>
+          <a:fontRef idx="minor">
+            <a:schemeClr val="dk1"/>
+          </a:fontRef>
+        </p:style>
+        <p:txBody>
+          <a:bodyPr rtlCol="0" anchor="ctr"/>
+          <a:lstStyle/>
+          <a:p>
+            <a:pPr algn="ctr"/>
+            <a:r>
+              <a:rPr lang="en-US" altLang="ko-KR" sz="1000" b="1" dirty="0" smtClean="0"/>
+              <a:t>User</a:t>
+            </a:r>
+            <a:endParaRPr lang="ko-KR" altLang="en-US" sz="1000" b="1" dirty="0"/>
+          </a:p>
+        </p:txBody>
+      </p:sp>
+      <p:sp>
+        <p:nvSpPr>
+          <p:cNvPr id="136" name="모서리가 둥근 직사각형 135"/>
+          <p:cNvSpPr/>
+          <p:nvPr/>
+        </p:nvSpPr>
+        <p:spPr>
+          <a:xfrm>
+            <a:off x="3203848" y="5518165"/>
+            <a:ext cx="756084" cy="215091"/>
+          </a:xfrm>
+          <a:prstGeom prst="roundRect">
+            <a:avLst/>
+          </a:prstGeom>
+        </p:spPr>
+        <p:style>
+          <a:lnRef idx="2">
+            <a:schemeClr val="dk1">
+              <a:shade val="50000"/>
+            </a:schemeClr>
+          </a:lnRef>
+          <a:fillRef idx="1">
+            <a:schemeClr val="dk1"/>
+          </a:fillRef>
+          <a:effectRef idx="0">
+            <a:schemeClr val="dk1"/>
+          </a:effectRef>
+          <a:fontRef idx="minor">
+            <a:schemeClr val="lt1"/>
+          </a:fontRef>
+        </p:style>
+        <p:txBody>
+          <a:bodyPr rtlCol="0" anchor="ctr"/>
+          <a:lstStyle/>
+          <a:p>
+            <a:pPr algn="ctr"/>
+            <a:r>
+              <a:rPr lang="en-US" altLang="ko-KR" sz="1000" b="1" dirty="0" smtClean="0"/>
+              <a:t>System</a:t>
+            </a:r>
+            <a:endParaRPr lang="ko-KR" altLang="en-US" sz="1000" b="1" dirty="0"/>
+          </a:p>
+        </p:txBody>
+      </p:sp>
+      <p:sp>
+        <p:nvSpPr>
+          <p:cNvPr id="137" name="모서리가 둥근 직사각형 136"/>
+          <p:cNvSpPr/>
+          <p:nvPr/>
+        </p:nvSpPr>
+        <p:spPr>
+          <a:xfrm>
+            <a:off x="4896036" y="5517232"/>
+            <a:ext cx="756084" cy="215091"/>
+          </a:xfrm>
+          <a:prstGeom prst="roundRect">
+            <a:avLst/>
+          </a:prstGeom>
+        </p:spPr>
+        <p:style>
+          <a:lnRef idx="2">
+            <a:schemeClr val="dk1">
+              <a:shade val="50000"/>
+            </a:schemeClr>
+          </a:lnRef>
+          <a:fillRef idx="1">
+            <a:schemeClr val="dk1"/>
+          </a:fillRef>
+          <a:effectRef idx="0">
+            <a:schemeClr val="dk1"/>
+          </a:effectRef>
+          <a:fontRef idx="minor">
+            <a:schemeClr val="lt1"/>
+          </a:fontRef>
+        </p:style>
+        <p:txBody>
+          <a:bodyPr rtlCol="0" anchor="ctr"/>
+          <a:lstStyle/>
+          <a:p>
+            <a:pPr algn="ctr"/>
+            <a:r>
+              <a:rPr lang="en-US" altLang="ko-KR" sz="1000" b="1" dirty="0" smtClean="0"/>
+              <a:t>System</a:t>
+            </a:r>
+            <a:endParaRPr lang="ko-KR" altLang="en-US" sz="1000" b="1" dirty="0"/>
+          </a:p>
+        </p:txBody>
+      </p:sp>
+      <p:sp>
+        <p:nvSpPr>
+          <p:cNvPr id="138" name="모서리가 둥근 직사각형 137"/>
+          <p:cNvSpPr/>
+          <p:nvPr/>
+        </p:nvSpPr>
+        <p:spPr>
+          <a:xfrm>
+            <a:off x="1547664" y="5517232"/>
+            <a:ext cx="756084" cy="215091"/>
+          </a:xfrm>
+          <a:prstGeom prst="roundRect">
+            <a:avLst/>
+          </a:prstGeom>
+        </p:spPr>
+        <p:style>
+          <a:lnRef idx="2">
+            <a:schemeClr val="dk1">
+              <a:shade val="50000"/>
+            </a:schemeClr>
+          </a:lnRef>
+          <a:fillRef idx="1">
+            <a:schemeClr val="dk1"/>
+          </a:fillRef>
+          <a:effectRef idx="0">
+            <a:schemeClr val="dk1"/>
+          </a:effectRef>
+          <a:fontRef idx="minor">
+            <a:schemeClr val="lt1"/>
+          </a:fontRef>
+        </p:style>
+        <p:txBody>
+          <a:bodyPr rtlCol="0" anchor="ctr"/>
+          <a:lstStyle/>
+          <a:p>
+            <a:pPr algn="ctr"/>
+            <a:r>
+              <a:rPr lang="en-US" altLang="ko-KR" sz="1000" b="1" dirty="0" smtClean="0"/>
+              <a:t>System</a:t>
+            </a:r>
+            <a:endParaRPr lang="ko-KR" altLang="en-US" sz="1000" b="1" dirty="0"/>
+          </a:p>
+        </p:txBody>
+      </p:sp>
+      <p:sp>
+        <p:nvSpPr>
+          <p:cNvPr id="139" name="모서리가 둥근 직사각형 138"/>
+          <p:cNvSpPr/>
+          <p:nvPr/>
+        </p:nvSpPr>
+        <p:spPr>
+          <a:xfrm>
+            <a:off x="3203848" y="6165304"/>
+            <a:ext cx="756084" cy="215091"/>
+          </a:xfrm>
+          <a:prstGeom prst="roundRect">
+            <a:avLst/>
+          </a:prstGeom>
+        </p:spPr>
+        <p:style>
+          <a:lnRef idx="2">
+            <a:schemeClr val="dk1">
+              <a:shade val="50000"/>
+            </a:schemeClr>
+          </a:lnRef>
+          <a:fillRef idx="1">
+            <a:schemeClr val="dk1"/>
+          </a:fillRef>
+          <a:effectRef idx="0">
+            <a:schemeClr val="dk1"/>
+          </a:effectRef>
+          <a:fontRef idx="minor">
+            <a:schemeClr val="lt1"/>
+          </a:fontRef>
+        </p:style>
+        <p:txBody>
+          <a:bodyPr rtlCol="0" anchor="ctr"/>
+          <a:lstStyle/>
+          <a:p>
+            <a:pPr algn="ctr"/>
+            <a:r>
+              <a:rPr lang="en-US" altLang="ko-KR" sz="1000" b="1" dirty="0" smtClean="0"/>
+              <a:t>System</a:t>
+            </a:r>
+            <a:endParaRPr lang="ko-KR" altLang="en-US" sz="1000" b="1" dirty="0"/>
+          </a:p>
+        </p:txBody>
+      </p:sp>
+      <p:sp>
+        <p:nvSpPr>
+          <p:cNvPr id="140" name="모서리가 둥근 직사각형 139"/>
+          <p:cNvSpPr/>
+          <p:nvPr/>
+        </p:nvSpPr>
+        <p:spPr>
+          <a:xfrm>
+            <a:off x="1547664" y="981661"/>
+            <a:ext cx="756084" cy="215091"/>
+          </a:xfrm>
+          <a:prstGeom prst="roundRect">
+            <a:avLst/>
+          </a:prstGeom>
+        </p:spPr>
+        <p:style>
+          <a:lnRef idx="2">
+            <a:schemeClr val="dk1">
+              <a:shade val="50000"/>
+            </a:schemeClr>
+          </a:lnRef>
+          <a:fillRef idx="1">
+            <a:schemeClr val="dk1"/>
+          </a:fillRef>
+          <a:effectRef idx="0">
+            <a:schemeClr val="dk1"/>
+          </a:effectRef>
+          <a:fontRef idx="minor">
+            <a:schemeClr val="lt1"/>
+          </a:fontRef>
+        </p:style>
+        <p:txBody>
+          <a:bodyPr rtlCol="0" anchor="ctr"/>
+          <a:lstStyle/>
+          <a:p>
+            <a:pPr algn="ctr"/>
+            <a:r>
+              <a:rPr lang="en-US" altLang="ko-KR" sz="1000" b="1" dirty="0" smtClean="0"/>
+              <a:t>System</a:t>
+            </a:r>
+            <a:endParaRPr lang="ko-KR" altLang="en-US" sz="1000" b="1" dirty="0"/>
+          </a:p>
+        </p:txBody>
+      </p:sp>
+      <p:sp>
+        <p:nvSpPr>
+          <p:cNvPr id="141" name="모서리가 둥근 직사각형 140"/>
+          <p:cNvSpPr/>
+          <p:nvPr/>
+        </p:nvSpPr>
+        <p:spPr>
+          <a:xfrm>
+            <a:off x="1547664" y="1629733"/>
+            <a:ext cx="756084" cy="215091"/>
+          </a:xfrm>
+          <a:prstGeom prst="roundRect">
+            <a:avLst/>
+          </a:prstGeom>
+        </p:spPr>
+        <p:style>
+          <a:lnRef idx="2">
+            <a:schemeClr val="dk1">
+              <a:shade val="50000"/>
+            </a:schemeClr>
+          </a:lnRef>
+          <a:fillRef idx="1">
+            <a:schemeClr val="dk1"/>
+          </a:fillRef>
+          <a:effectRef idx="0">
+            <a:schemeClr val="dk1"/>
+          </a:effectRef>
+          <a:fontRef idx="minor">
+            <a:schemeClr val="lt1"/>
+          </a:fontRef>
+        </p:style>
+        <p:txBody>
+          <a:bodyPr rtlCol="0" anchor="ctr"/>
+          <a:lstStyle/>
+          <a:p>
+            <a:pPr algn="ctr"/>
+            <a:r>
+              <a:rPr lang="en-US" altLang="ko-KR" sz="1000" b="1" dirty="0" smtClean="0"/>
+              <a:t>System</a:t>
+            </a:r>
+            <a:endParaRPr lang="ko-KR" altLang="en-US" sz="1000" b="1" dirty="0"/>
+          </a:p>
+        </p:txBody>
+      </p:sp>
+      <p:sp>
+        <p:nvSpPr>
+          <p:cNvPr id="142" name="모서리가 둥근 직사각형 141"/>
+          <p:cNvSpPr/>
+          <p:nvPr/>
+        </p:nvSpPr>
+        <p:spPr>
+          <a:xfrm>
+            <a:off x="1547664" y="2277805"/>
+            <a:ext cx="756084" cy="215091"/>
+          </a:xfrm>
+          <a:prstGeom prst="roundRect">
+            <a:avLst/>
+          </a:prstGeom>
+        </p:spPr>
+        <p:style>
+          <a:lnRef idx="2">
+            <a:schemeClr val="dk1">
+              <a:shade val="50000"/>
+            </a:schemeClr>
+          </a:lnRef>
+          <a:fillRef idx="1">
+            <a:schemeClr val="dk1"/>
+          </a:fillRef>
+          <a:effectRef idx="0">
+            <a:schemeClr val="dk1"/>
+          </a:effectRef>
+          <a:fontRef idx="minor">
+            <a:schemeClr val="lt1"/>
+          </a:fontRef>
+        </p:style>
+        <p:txBody>
+          <a:bodyPr rtlCol="0" anchor="ctr"/>
+          <a:lstStyle/>
+          <a:p>
+            <a:pPr algn="ctr"/>
+            <a:r>
+              <a:rPr lang="en-US" altLang="ko-KR" sz="1000" b="1" dirty="0" smtClean="0"/>
+              <a:t>System</a:t>
+            </a:r>
+            <a:endParaRPr lang="ko-KR" altLang="en-US" sz="1000" b="1" dirty="0"/>
+          </a:p>
+        </p:txBody>
+      </p:sp>
+      <p:sp>
+        <p:nvSpPr>
           <p:cNvPr id="144" name="모서리가 둥근 직사각형 143"/>
           <p:cNvSpPr/>
           <p:nvPr/>
@@ -11783,13 +11694,13 @@
           </a:prstGeom>
         </p:spPr>
         <p:style>
-          <a:lnRef idx="1">
-            <a:schemeClr val="dk1"/>
-          </a:lnRef>
-          <a:fillRef idx="2">
-            <a:schemeClr val="dk1"/>
-          </a:fillRef>
-          <a:effectRef idx="1">
+          <a:lnRef idx="2">
+            <a:schemeClr val="dk1"/>
+          </a:lnRef>
+          <a:fillRef idx="1">
+            <a:schemeClr val="lt1"/>
+          </a:fillRef>
+          <a:effectRef idx="0">
             <a:schemeClr val="dk1"/>
           </a:effectRef>
           <a:fontRef idx="minor">
@@ -11804,90 +11715,6 @@
             <a:r>
               <a:rPr lang="en-US" altLang="ko-KR" sz="1000" b="1" dirty="0" smtClean="0"/>
               <a:t>User</a:t>
-            </a:r>
-            <a:endParaRPr lang="ko-KR" altLang="en-US" sz="1000" b="1" dirty="0"/>
-          </a:p>
-        </p:txBody>
-      </p:sp>
-      <p:sp>
-        <p:nvSpPr>
-          <p:cNvPr id="61" name="모서리가 둥근 직사각형 60"/>
-          <p:cNvSpPr/>
-          <p:nvPr/>
-        </p:nvSpPr>
-        <p:spPr>
-          <a:xfrm>
-            <a:off x="-324544" y="1917765"/>
-            <a:ext cx="756084" cy="215091"/>
-          </a:xfrm>
-          <a:prstGeom prst="roundRect">
-            <a:avLst/>
-          </a:prstGeom>
-        </p:spPr>
-        <p:style>
-          <a:lnRef idx="1">
-            <a:schemeClr val="dk1"/>
-          </a:lnRef>
-          <a:fillRef idx="2">
-            <a:schemeClr val="dk1"/>
-          </a:fillRef>
-          <a:effectRef idx="1">
-            <a:schemeClr val="dk1"/>
-          </a:effectRef>
-          <a:fontRef idx="minor">
-            <a:schemeClr val="dk1"/>
-          </a:fontRef>
-        </p:style>
-        <p:txBody>
-          <a:bodyPr rtlCol="0" anchor="ctr"/>
-          <a:lstStyle/>
-          <a:p>
-            <a:pPr algn="ctr"/>
-            <a:r>
-              <a:rPr lang="en-US" altLang="ko-KR" sz="1000" b="1" dirty="0" smtClean="0"/>
-              <a:t>User</a:t>
-            </a:r>
-            <a:endParaRPr lang="ko-KR" altLang="en-US" sz="1000" b="1" dirty="0"/>
-          </a:p>
-        </p:txBody>
-      </p:sp>
-      <p:sp>
-        <p:nvSpPr>
-          <p:cNvPr id="62" name="모서리가 둥근 직사각형 61"/>
-          <p:cNvSpPr/>
-          <p:nvPr/>
-        </p:nvSpPr>
-        <p:spPr>
-          <a:xfrm>
-            <a:off x="6012160" y="980728"/>
-            <a:ext cx="1224136" cy="218507"/>
-          </a:xfrm>
-          <a:prstGeom prst="roundRect">
-            <a:avLst/>
-          </a:prstGeom>
-        </p:spPr>
-        <p:style>
-          <a:lnRef idx="1">
-            <a:schemeClr val="dk1"/>
-          </a:lnRef>
-          <a:fillRef idx="2">
-            <a:schemeClr val="dk1"/>
-          </a:fillRef>
-          <a:effectRef idx="1">
-            <a:schemeClr val="dk1"/>
-          </a:effectRef>
-          <a:fontRef idx="minor">
-            <a:schemeClr val="dk1"/>
-          </a:fontRef>
-        </p:style>
-        <p:txBody>
-          <a:bodyPr rtlCol="0" anchor="ctr"/>
-          <a:lstStyle/>
-          <a:p>
-            <a:pPr algn="ctr"/>
-            <a:r>
-              <a:rPr lang="en-US" altLang="ko-KR" sz="1000" b="1" dirty="0" smtClean="0"/>
-              <a:t>Container</a:t>
             </a:r>
             <a:endParaRPr lang="ko-KR" altLang="en-US" sz="1000" b="1" dirty="0"/>
           </a:p>
@@ -11896,7 +11723,7 @@
     </p:spTree>
     <p:extLst>
       <p:ext uri="{BB962C8B-B14F-4D97-AF65-F5344CB8AC3E}">
-        <p14:creationId xmlns:p14="http://schemas.microsoft.com/office/powerpoint/2010/main" val="2640725856"/>
+        <p14:creationId xmlns:p14="http://schemas.microsoft.com/office/powerpoint/2010/main" xmlns="" val="1722891913"/>
       </p:ext>
     </p:extLst>
   </p:cSld>
@@ -11930,16 +11757,1056 @@
           <a:chExt cx="0" cy="0"/>
         </a:xfrm>
       </p:grpSpPr>
-      <p:sp>
-        <p:nvSpPr>
-          <p:cNvPr id="2" name="TextBox 1"/>
+      <p:cxnSp>
+        <p:nvCxnSpPr>
+          <p:cNvPr id="84" name="직선 화살표 연결선 83"/>
+          <p:cNvCxnSpPr/>
+          <p:nvPr/>
+        </p:nvCxnSpPr>
+        <p:spPr>
+          <a:xfrm>
+            <a:off x="3923928" y="5800296"/>
+            <a:ext cx="1944216" cy="0"/>
+          </a:xfrm>
+          <a:prstGeom prst="straightConnector1">
+            <a:avLst/>
+          </a:prstGeom>
+          <a:ln w="25400" cmpd="sng">
+            <a:solidFill>
+              <a:schemeClr val="tx1"/>
+            </a:solidFill>
+            <a:tailEnd type="triangle"/>
+          </a:ln>
+        </p:spPr>
+        <p:style>
+          <a:lnRef idx="1">
+            <a:schemeClr val="accent1"/>
+          </a:lnRef>
+          <a:fillRef idx="0">
+            <a:schemeClr val="accent1"/>
+          </a:fillRef>
+          <a:effectRef idx="0">
+            <a:schemeClr val="accent1"/>
+          </a:effectRef>
+          <a:fontRef idx="minor">
+            <a:schemeClr val="tx1"/>
+          </a:fontRef>
+        </p:style>
+      </p:cxnSp>
+      <p:cxnSp>
+        <p:nvCxnSpPr>
+          <p:cNvPr id="85" name="직선 화살표 연결선 84"/>
+          <p:cNvCxnSpPr/>
+          <p:nvPr/>
+        </p:nvCxnSpPr>
+        <p:spPr>
+          <a:xfrm flipH="1">
+            <a:off x="3923928" y="5952696"/>
+            <a:ext cx="1944216" cy="0"/>
+          </a:xfrm>
+          <a:prstGeom prst="straightConnector1">
+            <a:avLst/>
+          </a:prstGeom>
+          <a:ln w="25400" cmpd="sng">
+            <a:solidFill>
+              <a:schemeClr val="tx1"/>
+            </a:solidFill>
+            <a:tailEnd type="triangle"/>
+          </a:ln>
+        </p:spPr>
+        <p:style>
+          <a:lnRef idx="1">
+            <a:schemeClr val="accent1"/>
+          </a:lnRef>
+          <a:fillRef idx="0">
+            <a:schemeClr val="accent1"/>
+          </a:fillRef>
+          <a:effectRef idx="0">
+            <a:schemeClr val="accent1"/>
+          </a:effectRef>
+          <a:fontRef idx="minor">
+            <a:schemeClr val="tx1"/>
+          </a:fontRef>
+        </p:style>
+      </p:cxnSp>
+      <p:cxnSp>
+        <p:nvCxnSpPr>
+          <p:cNvPr id="73" name="직선 화살표 연결선 72"/>
+          <p:cNvCxnSpPr/>
+          <p:nvPr/>
+        </p:nvCxnSpPr>
+        <p:spPr>
+          <a:xfrm>
+            <a:off x="3923928" y="1906896"/>
+            <a:ext cx="3456384" cy="0"/>
+          </a:xfrm>
+          <a:prstGeom prst="straightConnector1">
+            <a:avLst/>
+          </a:prstGeom>
+          <a:ln w="25400" cmpd="sng">
+            <a:solidFill>
+              <a:schemeClr val="tx1"/>
+            </a:solidFill>
+            <a:tailEnd type="triangle"/>
+          </a:ln>
+        </p:spPr>
+        <p:style>
+          <a:lnRef idx="1">
+            <a:schemeClr val="accent1"/>
+          </a:lnRef>
+          <a:fillRef idx="0">
+            <a:schemeClr val="accent1"/>
+          </a:fillRef>
+          <a:effectRef idx="0">
+            <a:schemeClr val="accent1"/>
+          </a:effectRef>
+          <a:fontRef idx="minor">
+            <a:schemeClr val="tx1"/>
+          </a:fontRef>
+        </p:style>
+      </p:cxnSp>
+      <p:cxnSp>
+        <p:nvCxnSpPr>
+          <p:cNvPr id="75" name="직선 화살표 연결선 74"/>
+          <p:cNvCxnSpPr/>
+          <p:nvPr/>
+        </p:nvCxnSpPr>
+        <p:spPr>
+          <a:xfrm flipH="1">
+            <a:off x="3923928" y="2059296"/>
+            <a:ext cx="3456384" cy="0"/>
+          </a:xfrm>
+          <a:prstGeom prst="straightConnector1">
+            <a:avLst/>
+          </a:prstGeom>
+          <a:ln w="25400" cmpd="sng">
+            <a:solidFill>
+              <a:schemeClr val="tx1"/>
+            </a:solidFill>
+            <a:tailEnd type="triangle"/>
+          </a:ln>
+        </p:spPr>
+        <p:style>
+          <a:lnRef idx="1">
+            <a:schemeClr val="accent1"/>
+          </a:lnRef>
+          <a:fillRef idx="0">
+            <a:schemeClr val="accent1"/>
+          </a:fillRef>
+          <a:effectRef idx="0">
+            <a:schemeClr val="accent1"/>
+          </a:effectRef>
+          <a:fontRef idx="minor">
+            <a:schemeClr val="tx1"/>
+          </a:fontRef>
+        </p:style>
+      </p:cxnSp>
+      <p:cxnSp>
+        <p:nvCxnSpPr>
+          <p:cNvPr id="70" name="직선 화살표 연결선 69"/>
+          <p:cNvCxnSpPr/>
+          <p:nvPr/>
+        </p:nvCxnSpPr>
+        <p:spPr>
+          <a:xfrm flipH="1">
+            <a:off x="467544" y="2059296"/>
+            <a:ext cx="2160240" cy="0"/>
+          </a:xfrm>
+          <a:prstGeom prst="straightConnector1">
+            <a:avLst/>
+          </a:prstGeom>
+          <a:ln w="25400" cmpd="sng">
+            <a:solidFill>
+              <a:schemeClr val="tx1"/>
+            </a:solidFill>
+            <a:tailEnd type="triangle"/>
+          </a:ln>
+        </p:spPr>
+        <p:style>
+          <a:lnRef idx="1">
+            <a:schemeClr val="accent1"/>
+          </a:lnRef>
+          <a:fillRef idx="0">
+            <a:schemeClr val="accent1"/>
+          </a:fillRef>
+          <a:effectRef idx="0">
+            <a:schemeClr val="accent1"/>
+          </a:effectRef>
+          <a:fontRef idx="minor">
+            <a:schemeClr val="tx1"/>
+          </a:fontRef>
+        </p:style>
+      </p:cxnSp>
+      <p:cxnSp>
+        <p:nvCxnSpPr>
+          <p:cNvPr id="67" name="직선 화살표 연결선 66"/>
+          <p:cNvCxnSpPr/>
+          <p:nvPr/>
+        </p:nvCxnSpPr>
+        <p:spPr>
+          <a:xfrm>
+            <a:off x="467544" y="1906896"/>
+            <a:ext cx="1944216" cy="0"/>
+          </a:xfrm>
+          <a:prstGeom prst="straightConnector1">
+            <a:avLst/>
+          </a:prstGeom>
+          <a:ln w="25400" cmpd="sng">
+            <a:solidFill>
+              <a:schemeClr val="tx1"/>
+            </a:solidFill>
+            <a:tailEnd type="triangle"/>
+          </a:ln>
+        </p:spPr>
+        <p:style>
+          <a:lnRef idx="1">
+            <a:schemeClr val="accent1"/>
+          </a:lnRef>
+          <a:fillRef idx="0">
+            <a:schemeClr val="accent1"/>
+          </a:fillRef>
+          <a:effectRef idx="0">
+            <a:schemeClr val="accent1"/>
+          </a:effectRef>
+          <a:fontRef idx="minor">
+            <a:schemeClr val="tx1"/>
+          </a:fontRef>
+        </p:style>
+      </p:cxnSp>
+      <p:cxnSp>
+        <p:nvCxnSpPr>
+          <p:cNvPr id="52" name="직선 화살표 연결선 51"/>
+          <p:cNvCxnSpPr/>
+          <p:nvPr/>
+        </p:nvCxnSpPr>
+        <p:spPr>
+          <a:xfrm flipV="1">
+            <a:off x="3599892" y="2059296"/>
+            <a:ext cx="0" cy="4468532"/>
+          </a:xfrm>
+          <a:prstGeom prst="straightConnector1">
+            <a:avLst/>
+          </a:prstGeom>
+          <a:ln w="25400" cmpd="sng">
+            <a:solidFill>
+              <a:schemeClr val="tx1"/>
+            </a:solidFill>
+            <a:tailEnd type="triangle"/>
+          </a:ln>
+        </p:spPr>
+        <p:style>
+          <a:lnRef idx="1">
+            <a:schemeClr val="accent1"/>
+          </a:lnRef>
+          <a:fillRef idx="0">
+            <a:schemeClr val="accent1"/>
+          </a:fillRef>
+          <a:effectRef idx="0">
+            <a:schemeClr val="accent1"/>
+          </a:effectRef>
+          <a:fontRef idx="minor">
+            <a:schemeClr val="tx1"/>
+          </a:fontRef>
+        </p:style>
+      </p:cxnSp>
+      <p:cxnSp>
+        <p:nvCxnSpPr>
+          <p:cNvPr id="50" name="직선 화살표 연결선 49"/>
+          <p:cNvCxnSpPr/>
+          <p:nvPr/>
+        </p:nvCxnSpPr>
+        <p:spPr>
+          <a:xfrm>
+            <a:off x="2699792" y="2194933"/>
+            <a:ext cx="0" cy="4119352"/>
+          </a:xfrm>
+          <a:prstGeom prst="straightConnector1">
+            <a:avLst/>
+          </a:prstGeom>
+          <a:ln w="25400" cmpd="sng">
+            <a:solidFill>
+              <a:schemeClr val="tx1"/>
+            </a:solidFill>
+            <a:tailEnd type="triangle"/>
+          </a:ln>
+        </p:spPr>
+        <p:style>
+          <a:lnRef idx="1">
+            <a:schemeClr val="accent1"/>
+          </a:lnRef>
+          <a:fillRef idx="0">
+            <a:schemeClr val="accent1"/>
+          </a:fillRef>
+          <a:effectRef idx="0">
+            <a:schemeClr val="accent1"/>
+          </a:effectRef>
+          <a:fontRef idx="minor">
+            <a:schemeClr val="tx1"/>
+          </a:fontRef>
+        </p:style>
+      </p:cxnSp>
+      <p:sp>
+        <p:nvSpPr>
+          <p:cNvPr id="4" name="직사각형 3"/>
+          <p:cNvSpPr/>
+          <p:nvPr/>
+        </p:nvSpPr>
+        <p:spPr>
+          <a:xfrm>
+            <a:off x="2411760" y="6314285"/>
+            <a:ext cx="1512168" cy="427083"/>
+          </a:xfrm>
+          <a:prstGeom prst="rect">
+            <a:avLst/>
+          </a:prstGeom>
+        </p:spPr>
+        <p:style>
+          <a:lnRef idx="2">
+            <a:schemeClr val="accent4">
+              <a:shade val="50000"/>
+            </a:schemeClr>
+          </a:lnRef>
+          <a:fillRef idx="1">
+            <a:schemeClr val="accent4"/>
+          </a:fillRef>
+          <a:effectRef idx="0">
+            <a:schemeClr val="accent4"/>
+          </a:effectRef>
+          <a:fontRef idx="minor">
+            <a:schemeClr val="lt1"/>
+          </a:fontRef>
+        </p:style>
+        <p:txBody>
+          <a:bodyPr rtlCol="0" anchor="ctr"/>
+          <a:lstStyle/>
+          <a:p>
+            <a:pPr algn="ctr"/>
+            <a:r>
+              <a:rPr lang="en-US" altLang="ko-KR" sz="1200" dirty="0" smtClean="0"/>
+              <a:t>DAO</a:t>
+            </a:r>
+            <a:endParaRPr lang="ko-KR" altLang="en-US" sz="1200" dirty="0"/>
+          </a:p>
+        </p:txBody>
+      </p:sp>
+      <p:sp>
+        <p:nvSpPr>
+          <p:cNvPr id="5" name="직사각형 4"/>
+          <p:cNvSpPr/>
+          <p:nvPr/>
+        </p:nvSpPr>
+        <p:spPr>
+          <a:xfrm>
+            <a:off x="2411760" y="5661245"/>
+            <a:ext cx="1512168" cy="427083"/>
+          </a:xfrm>
+          <a:prstGeom prst="rect">
+            <a:avLst/>
+          </a:prstGeom>
+        </p:spPr>
+        <p:style>
+          <a:lnRef idx="2">
+            <a:schemeClr val="accent4">
+              <a:shade val="50000"/>
+            </a:schemeClr>
+          </a:lnRef>
+          <a:fillRef idx="1">
+            <a:schemeClr val="accent4"/>
+          </a:fillRef>
+          <a:effectRef idx="0">
+            <a:schemeClr val="accent4"/>
+          </a:effectRef>
+          <a:fontRef idx="minor">
+            <a:schemeClr val="lt1"/>
+          </a:fontRef>
+        </p:style>
+        <p:txBody>
+          <a:bodyPr rtlCol="0" anchor="ctr"/>
+          <a:lstStyle/>
+          <a:p>
+            <a:pPr algn="ctr"/>
+            <a:r>
+              <a:rPr lang="en-US" altLang="ko-KR" sz="1200" dirty="0" smtClean="0"/>
+              <a:t>Manager</a:t>
+            </a:r>
+            <a:endParaRPr lang="ko-KR" altLang="en-US" sz="1200" dirty="0"/>
+          </a:p>
+        </p:txBody>
+      </p:sp>
+      <p:sp>
+        <p:nvSpPr>
+          <p:cNvPr id="6" name="직사각형 5"/>
+          <p:cNvSpPr/>
+          <p:nvPr/>
+        </p:nvSpPr>
+        <p:spPr>
+          <a:xfrm>
+            <a:off x="2411760" y="5018137"/>
+            <a:ext cx="1512168" cy="427083"/>
+          </a:xfrm>
+          <a:prstGeom prst="rect">
+            <a:avLst/>
+          </a:prstGeom>
+        </p:spPr>
+        <p:style>
+          <a:lnRef idx="2">
+            <a:schemeClr val="accent4">
+              <a:shade val="50000"/>
+            </a:schemeClr>
+          </a:lnRef>
+          <a:fillRef idx="1">
+            <a:schemeClr val="accent4"/>
+          </a:fillRef>
+          <a:effectRef idx="0">
+            <a:schemeClr val="accent4"/>
+          </a:effectRef>
+          <a:fontRef idx="minor">
+            <a:schemeClr val="lt1"/>
+          </a:fontRef>
+        </p:style>
+        <p:txBody>
+          <a:bodyPr rtlCol="0" anchor="ctr"/>
+          <a:lstStyle/>
+          <a:p>
+            <a:pPr algn="ctr"/>
+            <a:r>
+              <a:rPr lang="en-US" altLang="ko-KR" sz="1200" dirty="0" smtClean="0"/>
+              <a:t>Service</a:t>
+            </a:r>
+            <a:endParaRPr lang="ko-KR" altLang="en-US" sz="1200" dirty="0"/>
+          </a:p>
+        </p:txBody>
+      </p:sp>
+      <p:sp>
+        <p:nvSpPr>
+          <p:cNvPr id="7" name="직사각형 6"/>
+          <p:cNvSpPr/>
+          <p:nvPr/>
+        </p:nvSpPr>
+        <p:spPr>
+          <a:xfrm>
+            <a:off x="2411760" y="4370066"/>
+            <a:ext cx="1512168" cy="427083"/>
+          </a:xfrm>
+          <a:prstGeom prst="rect">
+            <a:avLst/>
+          </a:prstGeom>
+        </p:spPr>
+        <p:style>
+          <a:lnRef idx="2">
+            <a:schemeClr val="accent3">
+              <a:shade val="50000"/>
+            </a:schemeClr>
+          </a:lnRef>
+          <a:fillRef idx="1">
+            <a:schemeClr val="accent3"/>
+          </a:fillRef>
+          <a:effectRef idx="0">
+            <a:schemeClr val="accent3"/>
+          </a:effectRef>
+          <a:fontRef idx="minor">
+            <a:schemeClr val="lt1"/>
+          </a:fontRef>
+        </p:style>
+        <p:txBody>
+          <a:bodyPr rtlCol="0" anchor="ctr"/>
+          <a:lstStyle/>
+          <a:p>
+            <a:pPr algn="ctr"/>
+            <a:r>
+              <a:rPr lang="en-US" altLang="ko-KR" sz="1200" dirty="0" smtClean="0"/>
+              <a:t>Controller</a:t>
+            </a:r>
+            <a:endParaRPr lang="ko-KR" altLang="en-US" sz="1200" dirty="0"/>
+          </a:p>
+        </p:txBody>
+      </p:sp>
+      <p:sp>
+        <p:nvSpPr>
+          <p:cNvPr id="8" name="직사각형 7"/>
+          <p:cNvSpPr/>
+          <p:nvPr/>
+        </p:nvSpPr>
+        <p:spPr>
+          <a:xfrm>
+            <a:off x="2411760" y="2415921"/>
+            <a:ext cx="1512168" cy="427083"/>
+          </a:xfrm>
+          <a:prstGeom prst="rect">
+            <a:avLst/>
+          </a:prstGeom>
+        </p:spPr>
+        <p:style>
+          <a:lnRef idx="2">
+            <a:schemeClr val="accent3">
+              <a:shade val="50000"/>
+            </a:schemeClr>
+          </a:lnRef>
+          <a:fillRef idx="1">
+            <a:schemeClr val="accent3"/>
+          </a:fillRef>
+          <a:effectRef idx="0">
+            <a:schemeClr val="accent3"/>
+          </a:effectRef>
+          <a:fontRef idx="minor">
+            <a:schemeClr val="lt1"/>
+          </a:fontRef>
+        </p:style>
+        <p:txBody>
+          <a:bodyPr rtlCol="0" anchor="ctr"/>
+          <a:lstStyle/>
+          <a:p>
+            <a:pPr algn="ctr"/>
+            <a:r>
+              <a:rPr lang="en-US" altLang="ko-KR" sz="1200" dirty="0" smtClean="0"/>
+              <a:t>Dispatcher Servlet</a:t>
+            </a:r>
+            <a:endParaRPr lang="ko-KR" altLang="en-US" sz="1200" dirty="0"/>
+          </a:p>
+        </p:txBody>
+      </p:sp>
+      <p:sp>
+        <p:nvSpPr>
+          <p:cNvPr id="9" name="직사각형 8"/>
+          <p:cNvSpPr/>
+          <p:nvPr/>
+        </p:nvSpPr>
+        <p:spPr>
+          <a:xfrm>
+            <a:off x="2411760" y="3721995"/>
+            <a:ext cx="1512168" cy="427083"/>
+          </a:xfrm>
+          <a:prstGeom prst="rect">
+            <a:avLst/>
+          </a:prstGeom>
+        </p:spPr>
+        <p:style>
+          <a:lnRef idx="2">
+            <a:schemeClr val="accent3">
+              <a:shade val="50000"/>
+            </a:schemeClr>
+          </a:lnRef>
+          <a:fillRef idx="1">
+            <a:schemeClr val="accent3"/>
+          </a:fillRef>
+          <a:effectRef idx="0">
+            <a:schemeClr val="accent3"/>
+          </a:effectRef>
+          <a:fontRef idx="minor">
+            <a:schemeClr val="lt1"/>
+          </a:fontRef>
+        </p:style>
+        <p:txBody>
+          <a:bodyPr rtlCol="0" anchor="ctr"/>
+          <a:lstStyle/>
+          <a:p>
+            <a:pPr algn="ctr"/>
+            <a:r>
+              <a:rPr lang="en-US" altLang="ko-KR" sz="1200" dirty="0" smtClean="0"/>
+              <a:t>Handler Interceptor</a:t>
+            </a:r>
+            <a:endParaRPr lang="ko-KR" altLang="en-US" sz="1200" dirty="0"/>
+          </a:p>
+        </p:txBody>
+      </p:sp>
+      <p:sp>
+        <p:nvSpPr>
+          <p:cNvPr id="10" name="직사각형 9"/>
+          <p:cNvSpPr/>
+          <p:nvPr/>
+        </p:nvSpPr>
+        <p:spPr>
+          <a:xfrm>
+            <a:off x="4067944" y="4370066"/>
+            <a:ext cx="1512168" cy="427083"/>
+          </a:xfrm>
+          <a:prstGeom prst="rect">
+            <a:avLst/>
+          </a:prstGeom>
+        </p:spPr>
+        <p:style>
+          <a:lnRef idx="2">
+            <a:schemeClr val="accent3">
+              <a:shade val="50000"/>
+            </a:schemeClr>
+          </a:lnRef>
+          <a:fillRef idx="1">
+            <a:schemeClr val="accent3"/>
+          </a:fillRef>
+          <a:effectRef idx="0">
+            <a:schemeClr val="accent3"/>
+          </a:effectRef>
+          <a:fontRef idx="minor">
+            <a:schemeClr val="lt1"/>
+          </a:fontRef>
+        </p:style>
+        <p:txBody>
+          <a:bodyPr rtlCol="0" anchor="ctr"/>
+          <a:lstStyle/>
+          <a:p>
+            <a:pPr algn="ctr"/>
+            <a:r>
+              <a:rPr lang="en-US" altLang="ko-KR" sz="1200" dirty="0" smtClean="0"/>
+              <a:t>Handler Exception Resolver</a:t>
+            </a:r>
+            <a:endParaRPr lang="ko-KR" altLang="en-US" sz="1200" dirty="0"/>
+          </a:p>
+        </p:txBody>
+      </p:sp>
+      <p:sp>
+        <p:nvSpPr>
+          <p:cNvPr id="11" name="직사각형 10"/>
+          <p:cNvSpPr/>
+          <p:nvPr/>
+        </p:nvSpPr>
+        <p:spPr>
+          <a:xfrm>
+            <a:off x="2411760" y="1767850"/>
+            <a:ext cx="1512168" cy="427083"/>
+          </a:xfrm>
+          <a:prstGeom prst="rect">
+            <a:avLst/>
+          </a:prstGeom>
+        </p:spPr>
+        <p:style>
+          <a:lnRef idx="2">
+            <a:schemeClr val="accent2">
+              <a:shade val="50000"/>
+            </a:schemeClr>
+          </a:lnRef>
+          <a:fillRef idx="1">
+            <a:schemeClr val="accent2"/>
+          </a:fillRef>
+          <a:effectRef idx="0">
+            <a:schemeClr val="accent2"/>
+          </a:effectRef>
+          <a:fontRef idx="minor">
+            <a:schemeClr val="lt1"/>
+          </a:fontRef>
+        </p:style>
+        <p:txBody>
+          <a:bodyPr rtlCol="0" anchor="ctr"/>
+          <a:lstStyle/>
+          <a:p>
+            <a:pPr algn="ctr"/>
+            <a:r>
+              <a:rPr lang="en-US" altLang="ko-KR" sz="1200" dirty="0" err="1" smtClean="0"/>
+              <a:t>Servlet</a:t>
+            </a:r>
+            <a:r>
+              <a:rPr lang="en-US" altLang="ko-KR" sz="1200" dirty="0" smtClean="0"/>
+              <a:t> Filter</a:t>
+            </a:r>
+            <a:endParaRPr lang="ko-KR" altLang="en-US" sz="1200" dirty="0"/>
+          </a:p>
+        </p:txBody>
+      </p:sp>
+      <p:sp>
+        <p:nvSpPr>
+          <p:cNvPr id="12" name="직사각형 11"/>
+          <p:cNvSpPr/>
+          <p:nvPr/>
+        </p:nvSpPr>
+        <p:spPr>
+          <a:xfrm>
+            <a:off x="755576" y="1767850"/>
+            <a:ext cx="1512168" cy="427083"/>
+          </a:xfrm>
+          <a:prstGeom prst="rect">
+            <a:avLst/>
+          </a:prstGeom>
+        </p:spPr>
+        <p:style>
+          <a:lnRef idx="2">
+            <a:schemeClr val="accent2">
+              <a:shade val="50000"/>
+            </a:schemeClr>
+          </a:lnRef>
+          <a:fillRef idx="1">
+            <a:schemeClr val="accent2"/>
+          </a:fillRef>
+          <a:effectRef idx="0">
+            <a:schemeClr val="accent2"/>
+          </a:effectRef>
+          <a:fontRef idx="minor">
+            <a:schemeClr val="lt1"/>
+          </a:fontRef>
+        </p:style>
+        <p:txBody>
+          <a:bodyPr rtlCol="0" anchor="ctr"/>
+          <a:lstStyle/>
+          <a:p>
+            <a:pPr algn="ctr"/>
+            <a:r>
+              <a:rPr lang="en-US" altLang="ko-KR" sz="1200" dirty="0" smtClean="0"/>
+              <a:t>Request Listener</a:t>
+            </a:r>
+            <a:endParaRPr lang="ko-KR" altLang="en-US" sz="1200" dirty="0"/>
+          </a:p>
+        </p:txBody>
+      </p:sp>
+      <p:sp>
+        <p:nvSpPr>
+          <p:cNvPr id="13" name="직사각형 12"/>
+          <p:cNvSpPr/>
+          <p:nvPr/>
+        </p:nvSpPr>
+        <p:spPr>
+          <a:xfrm>
+            <a:off x="5724128" y="1767850"/>
+            <a:ext cx="1512168" cy="427083"/>
+          </a:xfrm>
+          <a:prstGeom prst="rect">
+            <a:avLst/>
+          </a:prstGeom>
+        </p:spPr>
+        <p:style>
+          <a:lnRef idx="2">
+            <a:schemeClr val="accent3">
+              <a:shade val="50000"/>
+            </a:schemeClr>
+          </a:lnRef>
+          <a:fillRef idx="1">
+            <a:schemeClr val="accent3"/>
+          </a:fillRef>
+          <a:effectRef idx="0">
+            <a:schemeClr val="accent3"/>
+          </a:effectRef>
+          <a:fontRef idx="minor">
+            <a:schemeClr val="lt1"/>
+          </a:fontRef>
+        </p:style>
+        <p:txBody>
+          <a:bodyPr rtlCol="0" anchor="ctr"/>
+          <a:lstStyle/>
+          <a:p>
+            <a:pPr algn="ctr"/>
+            <a:r>
+              <a:rPr lang="en-US" altLang="ko-KR" sz="1200" dirty="0" smtClean="0"/>
+              <a:t>Theme Resolver</a:t>
+            </a:r>
+            <a:endParaRPr lang="ko-KR" altLang="en-US" sz="1200" dirty="0"/>
+          </a:p>
+        </p:txBody>
+      </p:sp>
+      <p:sp>
+        <p:nvSpPr>
+          <p:cNvPr id="14" name="직사각형 13"/>
+          <p:cNvSpPr/>
+          <p:nvPr/>
+        </p:nvSpPr>
+        <p:spPr>
+          <a:xfrm>
+            <a:off x="755576" y="1124744"/>
+            <a:ext cx="1512168" cy="427083"/>
+          </a:xfrm>
+          <a:prstGeom prst="rect">
+            <a:avLst/>
+          </a:prstGeom>
+        </p:spPr>
+        <p:style>
+          <a:lnRef idx="2">
+            <a:schemeClr val="accent2">
+              <a:shade val="50000"/>
+            </a:schemeClr>
+          </a:lnRef>
+          <a:fillRef idx="1">
+            <a:schemeClr val="accent2"/>
+          </a:fillRef>
+          <a:effectRef idx="0">
+            <a:schemeClr val="accent2"/>
+          </a:effectRef>
+          <a:fontRef idx="minor">
+            <a:schemeClr val="lt1"/>
+          </a:fontRef>
+        </p:style>
+        <p:txBody>
+          <a:bodyPr rtlCol="0" anchor="ctr"/>
+          <a:lstStyle/>
+          <a:p>
+            <a:pPr algn="ctr"/>
+            <a:r>
+              <a:rPr lang="en-US" altLang="ko-KR" sz="1200" dirty="0" smtClean="0"/>
+              <a:t>Context Listener</a:t>
+            </a:r>
+            <a:endParaRPr lang="ko-KR" altLang="en-US" sz="1200" dirty="0"/>
+          </a:p>
+        </p:txBody>
+      </p:sp>
+      <p:sp>
+        <p:nvSpPr>
+          <p:cNvPr id="15" name="직사각형 14"/>
+          <p:cNvSpPr/>
+          <p:nvPr/>
+        </p:nvSpPr>
+        <p:spPr>
+          <a:xfrm>
+            <a:off x="4067944" y="5661245"/>
+            <a:ext cx="1512168" cy="427083"/>
+          </a:xfrm>
+          <a:prstGeom prst="rect">
+            <a:avLst/>
+          </a:prstGeom>
+        </p:spPr>
+        <p:style>
+          <a:lnRef idx="2">
+            <a:schemeClr val="accent4">
+              <a:shade val="50000"/>
+            </a:schemeClr>
+          </a:lnRef>
+          <a:fillRef idx="1">
+            <a:schemeClr val="accent4"/>
+          </a:fillRef>
+          <a:effectRef idx="0">
+            <a:schemeClr val="accent4"/>
+          </a:effectRef>
+          <a:fontRef idx="minor">
+            <a:schemeClr val="lt1"/>
+          </a:fontRef>
+        </p:style>
+        <p:txBody>
+          <a:bodyPr rtlCol="0" anchor="ctr"/>
+          <a:lstStyle/>
+          <a:p>
+            <a:pPr algn="ctr"/>
+            <a:r>
+              <a:rPr lang="en-US" altLang="ko-KR" sz="1200" dirty="0"/>
+              <a:t>Adapter</a:t>
+            </a:r>
+            <a:endParaRPr lang="ko-KR" altLang="en-US" sz="1200" dirty="0"/>
+          </a:p>
+        </p:txBody>
+      </p:sp>
+      <p:sp>
+        <p:nvSpPr>
+          <p:cNvPr id="18" name="직사각형 17"/>
+          <p:cNvSpPr/>
+          <p:nvPr/>
+        </p:nvSpPr>
+        <p:spPr>
+          <a:xfrm>
+            <a:off x="4067944" y="1772815"/>
+            <a:ext cx="1512168" cy="427083"/>
+          </a:xfrm>
+          <a:prstGeom prst="rect">
+            <a:avLst/>
+          </a:prstGeom>
+        </p:spPr>
+        <p:style>
+          <a:lnRef idx="2">
+            <a:schemeClr val="accent3">
+              <a:shade val="50000"/>
+            </a:schemeClr>
+          </a:lnRef>
+          <a:fillRef idx="1">
+            <a:schemeClr val="accent3"/>
+          </a:fillRef>
+          <a:effectRef idx="0">
+            <a:schemeClr val="accent3"/>
+          </a:effectRef>
+          <a:fontRef idx="minor">
+            <a:schemeClr val="lt1"/>
+          </a:fontRef>
+        </p:style>
+        <p:txBody>
+          <a:bodyPr rtlCol="0" anchor="ctr"/>
+          <a:lstStyle/>
+          <a:p>
+            <a:pPr algn="ctr"/>
+            <a:r>
+              <a:rPr lang="en-US" altLang="ko-KR" sz="1200" dirty="0" smtClean="0"/>
+              <a:t>Locale Resolver</a:t>
+            </a:r>
+            <a:endParaRPr lang="ko-KR" altLang="en-US" sz="1200" dirty="0"/>
+          </a:p>
+        </p:txBody>
+      </p:sp>
+      <p:sp>
+        <p:nvSpPr>
+          <p:cNvPr id="19" name="직사각형 18"/>
+          <p:cNvSpPr/>
+          <p:nvPr/>
+        </p:nvSpPr>
+        <p:spPr>
+          <a:xfrm>
+            <a:off x="755576" y="2420886"/>
+            <a:ext cx="1512168" cy="427083"/>
+          </a:xfrm>
+          <a:prstGeom prst="rect">
+            <a:avLst/>
+          </a:prstGeom>
+        </p:spPr>
+        <p:style>
+          <a:lnRef idx="2">
+            <a:schemeClr val="accent2">
+              <a:shade val="50000"/>
+            </a:schemeClr>
+          </a:lnRef>
+          <a:fillRef idx="1">
+            <a:schemeClr val="accent2"/>
+          </a:fillRef>
+          <a:effectRef idx="0">
+            <a:schemeClr val="accent2"/>
+          </a:effectRef>
+          <a:fontRef idx="minor">
+            <a:schemeClr val="lt1"/>
+          </a:fontRef>
+        </p:style>
+        <p:txBody>
+          <a:bodyPr rtlCol="0" anchor="ctr"/>
+          <a:lstStyle/>
+          <a:p>
+            <a:pPr algn="ctr"/>
+            <a:r>
+              <a:rPr lang="en-US" altLang="ko-KR" sz="1200" dirty="0" smtClean="0"/>
+              <a:t>Session Listener</a:t>
+            </a:r>
+            <a:endParaRPr lang="ko-KR" altLang="en-US" sz="1200" dirty="0"/>
+          </a:p>
+        </p:txBody>
+      </p:sp>
+      <p:sp>
+        <p:nvSpPr>
+          <p:cNvPr id="20" name="직사각형 19"/>
+          <p:cNvSpPr/>
+          <p:nvPr/>
+        </p:nvSpPr>
+        <p:spPr>
+          <a:xfrm>
+            <a:off x="7380312" y="1772815"/>
+            <a:ext cx="1512168" cy="427083"/>
+          </a:xfrm>
+          <a:prstGeom prst="rect">
+            <a:avLst/>
+          </a:prstGeom>
+        </p:spPr>
+        <p:style>
+          <a:lnRef idx="2">
+            <a:schemeClr val="accent3">
+              <a:shade val="50000"/>
+            </a:schemeClr>
+          </a:lnRef>
+          <a:fillRef idx="1">
+            <a:schemeClr val="accent3"/>
+          </a:fillRef>
+          <a:effectRef idx="0">
+            <a:schemeClr val="accent3"/>
+          </a:effectRef>
+          <a:fontRef idx="minor">
+            <a:schemeClr val="lt1"/>
+          </a:fontRef>
+        </p:style>
+        <p:txBody>
+          <a:bodyPr rtlCol="0" anchor="ctr"/>
+          <a:lstStyle/>
+          <a:p>
+            <a:pPr algn="ctr"/>
+            <a:r>
+              <a:rPr lang="en-US" altLang="ko-KR" sz="1200" dirty="0" smtClean="0"/>
+              <a:t>Multipart File Resolver</a:t>
+            </a:r>
+            <a:endParaRPr lang="ko-KR" altLang="en-US" sz="1200" dirty="0"/>
+          </a:p>
+        </p:txBody>
+      </p:sp>
+      <p:sp>
+        <p:nvSpPr>
+          <p:cNvPr id="21" name="직사각형 20"/>
+          <p:cNvSpPr/>
+          <p:nvPr/>
+        </p:nvSpPr>
+        <p:spPr>
+          <a:xfrm>
+            <a:off x="2411760" y="3068957"/>
+            <a:ext cx="1512168" cy="427083"/>
+          </a:xfrm>
+          <a:prstGeom prst="rect">
+            <a:avLst/>
+          </a:prstGeom>
+        </p:spPr>
+        <p:style>
+          <a:lnRef idx="2">
+            <a:schemeClr val="accent3">
+              <a:shade val="50000"/>
+            </a:schemeClr>
+          </a:lnRef>
+          <a:fillRef idx="1">
+            <a:schemeClr val="accent3"/>
+          </a:fillRef>
+          <a:effectRef idx="0">
+            <a:schemeClr val="accent3"/>
+          </a:effectRef>
+          <a:fontRef idx="minor">
+            <a:schemeClr val="lt1"/>
+          </a:fontRef>
+        </p:style>
+        <p:txBody>
+          <a:bodyPr rtlCol="0" anchor="ctr"/>
+          <a:lstStyle/>
+          <a:p>
+            <a:pPr algn="ctr"/>
+            <a:r>
+              <a:rPr lang="en-US" altLang="ko-KR" sz="1200" dirty="0" smtClean="0"/>
+              <a:t>Handler Mappings</a:t>
+            </a:r>
+            <a:endParaRPr lang="ko-KR" altLang="en-US" sz="1200" dirty="0"/>
+          </a:p>
+        </p:txBody>
+      </p:sp>
+      <p:sp>
+        <p:nvSpPr>
+          <p:cNvPr id="22" name="직사각형 21"/>
+          <p:cNvSpPr/>
+          <p:nvPr/>
+        </p:nvSpPr>
+        <p:spPr>
+          <a:xfrm>
+            <a:off x="4067944" y="3059024"/>
+            <a:ext cx="1512168" cy="427083"/>
+          </a:xfrm>
+          <a:prstGeom prst="rect">
+            <a:avLst/>
+          </a:prstGeom>
+        </p:spPr>
+        <p:style>
+          <a:lnRef idx="2">
+            <a:schemeClr val="accent3">
+              <a:shade val="50000"/>
+            </a:schemeClr>
+          </a:lnRef>
+          <a:fillRef idx="1">
+            <a:schemeClr val="accent3"/>
+          </a:fillRef>
+          <a:effectRef idx="0">
+            <a:schemeClr val="accent3"/>
+          </a:effectRef>
+          <a:fontRef idx="minor">
+            <a:schemeClr val="lt1"/>
+          </a:fontRef>
+        </p:style>
+        <p:txBody>
+          <a:bodyPr rtlCol="0" anchor="ctr"/>
+          <a:lstStyle/>
+          <a:p>
+            <a:pPr algn="ctr"/>
+            <a:r>
+              <a:rPr lang="en-US" altLang="ko-KR" sz="1200" dirty="0" smtClean="0"/>
+              <a:t>Web Argument Resolver</a:t>
+            </a:r>
+            <a:endParaRPr lang="ko-KR" altLang="en-US" sz="1200" dirty="0"/>
+          </a:p>
+        </p:txBody>
+      </p:sp>
+      <p:sp>
+        <p:nvSpPr>
+          <p:cNvPr id="28" name="TextBox 27"/>
           <p:cNvSpPr txBox="1"/>
           <p:nvPr/>
         </p:nvSpPr>
         <p:spPr>
           <a:xfrm>
             <a:off x="179512" y="260648"/>
-            <a:ext cx="5402441" cy="646331"/>
+            <a:ext cx="4350871" cy="646331"/>
           </a:xfrm>
           <a:prstGeom prst="rect">
             <a:avLst/>
@@ -11954,79 +12821,913 @@
           <a:p>
             <a:r>
               <a:rPr lang="en-US" altLang="ko-KR" dirty="0" smtClean="0"/>
-              <a:t>User Friendly Message Break Down Structure</a:t>
-            </a:r>
-          </a:p>
-          <a:p>
+              <a:t>Java Web </a:t>
+            </a:r>
             <a:r>
               <a:rPr lang="en-US" altLang="ko-KR" dirty="0" smtClean="0"/>
-              <a:t>: Common Message vs. Business Specific Message</a:t>
+              <a:t>Application(</a:t>
+            </a:r>
+            <a:r>
+              <a:rPr lang="en-US" altLang="ko-KR" dirty="0" err="1" smtClean="0"/>
+              <a:t>Springframework</a:t>
+            </a:r>
+            <a:r>
+              <a:rPr lang="en-US" altLang="ko-KR" dirty="0" smtClean="0"/>
+              <a:t>)</a:t>
+            </a:r>
+            <a:endParaRPr lang="en-US" altLang="ko-KR" dirty="0" smtClean="0"/>
+          </a:p>
+          <a:p>
+            <a:r>
+              <a:rPr lang="en-US" altLang="ko-KR" dirty="0" smtClean="0"/>
+              <a:t>: Error / Exception Handling Point</a:t>
             </a:r>
             <a:endParaRPr lang="ko-KR" altLang="en-US" dirty="0"/>
           </a:p>
         </p:txBody>
       </p:sp>
-      <p:graphicFrame>
-        <p:nvGraphicFramePr>
-          <p:cNvPr id="3" name="개체 2"/>
-          <p:cNvGraphicFramePr>
-            <a:graphicFrameLocks noChangeAspect="1"/>
-          </p:cNvGraphicFramePr>
-          <p:nvPr>
-            <p:extLst>
-              <p:ext uri="{D42A27DB-BD31-4B8C-83A1-F6EECF244321}">
-                <p14:modId xmlns:p14="http://schemas.microsoft.com/office/powerpoint/2010/main" val="1760426656"/>
-              </p:ext>
-            </p:extLst>
-          </p:nvPr>
-        </p:nvGraphicFramePr>
-        <p:xfrm>
-          <a:off x="1323975" y="2376488"/>
-          <a:ext cx="6496050" cy="2105025"/>
-        </p:xfrm>
-        <a:graphic>
-          <a:graphicData uri="http://schemas.openxmlformats.org/presentationml/2006/ole">
-            <mc:AlternateContent xmlns:mc="http://schemas.openxmlformats.org/markup-compatibility/2006">
-              <mc:Choice xmlns:v="urn:schemas-microsoft-com:vml" Requires="v">
-                <p:oleObj spid="_x0000_s3076" name="워크시트" r:id="rId3" imgW="6496185" imgH="2105115" progId="Excel.Sheet.12">
-                  <p:link updateAutomatic="1"/>
-                </p:oleObj>
-              </mc:Choice>
-              <mc:Fallback>
-                <p:oleObj name="워크시트" r:id="rId3" imgW="6496185" imgH="2105115" progId="Excel.Sheet.12">
-                  <p:link updateAutomatic="1"/>
-                  <p:pic>
-                    <p:nvPicPr>
-                      <p:cNvPr id="0" name=""/>
-                      <p:cNvPicPr/>
-                      <p:nvPr/>
-                    </p:nvPicPr>
-                    <p:blipFill>
-                      <a:blip r:embed="rId4"/>
-                      <a:stretch>
-                        <a:fillRect/>
-                      </a:stretch>
-                    </p:blipFill>
-                    <p:spPr>
-                      <a:xfrm>
-                        <a:off x="1323975" y="2376488"/>
-                        <a:ext cx="6496050" cy="2105025"/>
-                      </a:xfrm>
-                      <a:prstGeom prst="rect">
-                        <a:avLst/>
-                      </a:prstGeom>
-                    </p:spPr>
-                  </p:pic>
-                </p:oleObj>
-              </mc:Fallback>
-            </mc:AlternateContent>
-          </a:graphicData>
-        </a:graphic>
-      </p:graphicFrame>
+      <p:sp>
+        <p:nvSpPr>
+          <p:cNvPr id="29" name="직사각형 28"/>
+          <p:cNvSpPr/>
+          <p:nvPr/>
+        </p:nvSpPr>
+        <p:spPr>
+          <a:xfrm>
+            <a:off x="755576" y="5684856"/>
+            <a:ext cx="1512168" cy="427083"/>
+          </a:xfrm>
+          <a:prstGeom prst="rect">
+            <a:avLst/>
+          </a:prstGeom>
+        </p:spPr>
+        <p:style>
+          <a:lnRef idx="2">
+            <a:schemeClr val="accent4">
+              <a:shade val="50000"/>
+            </a:schemeClr>
+          </a:lnRef>
+          <a:fillRef idx="1">
+            <a:schemeClr val="accent4"/>
+          </a:fillRef>
+          <a:effectRef idx="0">
+            <a:schemeClr val="accent4"/>
+          </a:effectRef>
+          <a:fontRef idx="minor">
+            <a:schemeClr val="lt1"/>
+          </a:fontRef>
+        </p:style>
+        <p:txBody>
+          <a:bodyPr rtlCol="0" anchor="ctr"/>
+          <a:lstStyle/>
+          <a:p>
+            <a:pPr algn="ctr"/>
+            <a:r>
+              <a:rPr lang="en-US" altLang="ko-KR" sz="1200" dirty="0" smtClean="0"/>
+              <a:t>Utility</a:t>
+            </a:r>
+            <a:endParaRPr lang="ko-KR" altLang="en-US" sz="1200" dirty="0"/>
+          </a:p>
+        </p:txBody>
+      </p:sp>
+      <p:sp>
+        <p:nvSpPr>
+          <p:cNvPr id="26" name="직사각형 25"/>
+          <p:cNvSpPr/>
+          <p:nvPr/>
+        </p:nvSpPr>
+        <p:spPr>
+          <a:xfrm>
+            <a:off x="7456571" y="119118"/>
+            <a:ext cx="1512168" cy="1504718"/>
+          </a:xfrm>
+          <a:prstGeom prst="rect">
+            <a:avLst/>
+          </a:prstGeom>
+        </p:spPr>
+        <p:style>
+          <a:lnRef idx="2">
+            <a:schemeClr val="dk1"/>
+          </a:lnRef>
+          <a:fillRef idx="1">
+            <a:schemeClr val="lt1"/>
+          </a:fillRef>
+          <a:effectRef idx="0">
+            <a:schemeClr val="dk1"/>
+          </a:effectRef>
+          <a:fontRef idx="minor">
+            <a:schemeClr val="dk1"/>
+          </a:fontRef>
+        </p:style>
+        <p:txBody>
+          <a:bodyPr rtlCol="0" anchor="t" anchorCtr="0"/>
+          <a:lstStyle/>
+          <a:p>
+            <a:pPr algn="ctr"/>
+            <a:r>
+              <a:rPr lang="en-US" altLang="ko-KR" sz="1200" b="1" dirty="0" smtClean="0"/>
+              <a:t>Legend</a:t>
+            </a:r>
+            <a:endParaRPr lang="ko-KR" altLang="en-US" sz="1200" b="1" dirty="0"/>
+          </a:p>
+        </p:txBody>
+      </p:sp>
+      <p:sp>
+        <p:nvSpPr>
+          <p:cNvPr id="23" name="직사각형 22"/>
+          <p:cNvSpPr/>
+          <p:nvPr/>
+        </p:nvSpPr>
+        <p:spPr>
+          <a:xfrm>
+            <a:off x="7600587" y="692696"/>
+            <a:ext cx="1224136" cy="218507"/>
+          </a:xfrm>
+          <a:prstGeom prst="rect">
+            <a:avLst/>
+          </a:prstGeom>
+        </p:spPr>
+        <p:style>
+          <a:lnRef idx="2">
+            <a:schemeClr val="accent3">
+              <a:shade val="50000"/>
+            </a:schemeClr>
+          </a:lnRef>
+          <a:fillRef idx="1">
+            <a:schemeClr val="accent3"/>
+          </a:fillRef>
+          <a:effectRef idx="0">
+            <a:schemeClr val="accent3"/>
+          </a:effectRef>
+          <a:fontRef idx="minor">
+            <a:schemeClr val="lt1"/>
+          </a:fontRef>
+        </p:style>
+        <p:txBody>
+          <a:bodyPr rtlCol="0" anchor="ctr"/>
+          <a:lstStyle/>
+          <a:p>
+            <a:pPr algn="ctr"/>
+            <a:r>
+              <a:rPr lang="en-US" altLang="ko-KR" sz="1000" dirty="0" smtClean="0"/>
+              <a:t>Spring</a:t>
+            </a:r>
+            <a:endParaRPr lang="ko-KR" altLang="en-US" sz="1000" dirty="0"/>
+          </a:p>
+        </p:txBody>
+      </p:sp>
+      <p:sp>
+        <p:nvSpPr>
+          <p:cNvPr id="24" name="직사각형 23"/>
+          <p:cNvSpPr/>
+          <p:nvPr/>
+        </p:nvSpPr>
+        <p:spPr>
+          <a:xfrm>
+            <a:off x="7600587" y="978245"/>
+            <a:ext cx="1224136" cy="218507"/>
+          </a:xfrm>
+          <a:prstGeom prst="rect">
+            <a:avLst/>
+          </a:prstGeom>
+        </p:spPr>
+        <p:style>
+          <a:lnRef idx="2">
+            <a:schemeClr val="accent2">
+              <a:shade val="50000"/>
+            </a:schemeClr>
+          </a:lnRef>
+          <a:fillRef idx="1">
+            <a:schemeClr val="accent2"/>
+          </a:fillRef>
+          <a:effectRef idx="0">
+            <a:schemeClr val="accent2"/>
+          </a:effectRef>
+          <a:fontRef idx="minor">
+            <a:schemeClr val="lt1"/>
+          </a:fontRef>
+        </p:style>
+        <p:txBody>
+          <a:bodyPr rtlCol="0" anchor="ctr"/>
+          <a:lstStyle/>
+          <a:p>
+            <a:pPr algn="ctr"/>
+            <a:r>
+              <a:rPr lang="en-US" altLang="ko-KR" sz="1000" dirty="0" smtClean="0"/>
+              <a:t>Java EE</a:t>
+            </a:r>
+            <a:endParaRPr lang="ko-KR" altLang="en-US" sz="1000" dirty="0"/>
+          </a:p>
+        </p:txBody>
+      </p:sp>
+      <p:sp>
+        <p:nvSpPr>
+          <p:cNvPr id="25" name="직사각형 24"/>
+          <p:cNvSpPr/>
+          <p:nvPr/>
+        </p:nvSpPr>
+        <p:spPr>
+          <a:xfrm>
+            <a:off x="7600587" y="1268760"/>
+            <a:ext cx="1224136" cy="218507"/>
+          </a:xfrm>
+          <a:prstGeom prst="rect">
+            <a:avLst/>
+          </a:prstGeom>
+        </p:spPr>
+        <p:style>
+          <a:lnRef idx="2">
+            <a:schemeClr val="accent4">
+              <a:shade val="50000"/>
+            </a:schemeClr>
+          </a:lnRef>
+          <a:fillRef idx="1">
+            <a:schemeClr val="accent4"/>
+          </a:fillRef>
+          <a:effectRef idx="0">
+            <a:schemeClr val="accent4"/>
+          </a:effectRef>
+          <a:fontRef idx="minor">
+            <a:schemeClr val="lt1"/>
+          </a:fontRef>
+        </p:style>
+        <p:txBody>
+          <a:bodyPr rtlCol="0" anchor="ctr"/>
+          <a:lstStyle/>
+          <a:p>
+            <a:pPr algn="ctr"/>
+            <a:r>
+              <a:rPr lang="en-US" altLang="ko-KR" sz="1000" dirty="0" smtClean="0"/>
+              <a:t>Java SE</a:t>
+            </a:r>
+            <a:endParaRPr lang="ko-KR" altLang="en-US" sz="1000" dirty="0"/>
+          </a:p>
+        </p:txBody>
+      </p:sp>
+      <p:cxnSp>
+        <p:nvCxnSpPr>
+          <p:cNvPr id="57" name="직선 화살표 연결선 56"/>
+          <p:cNvCxnSpPr/>
+          <p:nvPr/>
+        </p:nvCxnSpPr>
+        <p:spPr>
+          <a:xfrm flipV="1">
+            <a:off x="8608699" y="465640"/>
+            <a:ext cx="216024" cy="5516"/>
+          </a:xfrm>
+          <a:prstGeom prst="straightConnector1">
+            <a:avLst/>
+          </a:prstGeom>
+          <a:ln w="25400" cmpd="sng">
+            <a:solidFill>
+              <a:schemeClr val="tx1"/>
+            </a:solidFill>
+            <a:tailEnd type="triangle"/>
+          </a:ln>
+        </p:spPr>
+        <p:style>
+          <a:lnRef idx="1">
+            <a:schemeClr val="accent1"/>
+          </a:lnRef>
+          <a:fillRef idx="0">
+            <a:schemeClr val="accent1"/>
+          </a:fillRef>
+          <a:effectRef idx="0">
+            <a:schemeClr val="accent1"/>
+          </a:effectRef>
+          <a:fontRef idx="minor">
+            <a:schemeClr val="tx1"/>
+          </a:fontRef>
+        </p:style>
+      </p:cxnSp>
+      <p:sp>
+        <p:nvSpPr>
+          <p:cNvPr id="60" name="TextBox 59"/>
+          <p:cNvSpPr txBox="1"/>
+          <p:nvPr/>
+        </p:nvSpPr>
+        <p:spPr>
+          <a:xfrm>
+            <a:off x="7600587" y="332656"/>
+            <a:ext cx="1078565" cy="276999"/>
+          </a:xfrm>
+          <a:prstGeom prst="rect">
+            <a:avLst/>
+          </a:prstGeom>
+          <a:noFill/>
+        </p:spPr>
+        <p:txBody>
+          <a:bodyPr wrap="none" rtlCol="0">
+            <a:spAutoFit/>
+          </a:bodyPr>
+          <a:lstStyle/>
+          <a:p>
+            <a:r>
+              <a:rPr lang="en-US" altLang="ko-KR" sz="1200" dirty="0" smtClean="0"/>
+              <a:t>Control Flow</a:t>
+            </a:r>
+            <a:endParaRPr lang="ko-KR" altLang="en-US" sz="1200" dirty="0"/>
+          </a:p>
+        </p:txBody>
+      </p:sp>
+      <p:sp>
+        <p:nvSpPr>
+          <p:cNvPr id="63" name="직사각형 62"/>
+          <p:cNvSpPr/>
+          <p:nvPr/>
+        </p:nvSpPr>
+        <p:spPr>
+          <a:xfrm>
+            <a:off x="7380312" y="3059024"/>
+            <a:ext cx="1512168" cy="427083"/>
+          </a:xfrm>
+          <a:prstGeom prst="rect">
+            <a:avLst/>
+          </a:prstGeom>
+        </p:spPr>
+        <p:style>
+          <a:lnRef idx="2">
+            <a:schemeClr val="accent3">
+              <a:shade val="50000"/>
+            </a:schemeClr>
+          </a:lnRef>
+          <a:fillRef idx="1">
+            <a:schemeClr val="accent3"/>
+          </a:fillRef>
+          <a:effectRef idx="0">
+            <a:schemeClr val="accent3"/>
+          </a:effectRef>
+          <a:fontRef idx="minor">
+            <a:schemeClr val="lt1"/>
+          </a:fontRef>
+        </p:style>
+        <p:txBody>
+          <a:bodyPr rtlCol="0" anchor="ctr"/>
+          <a:lstStyle/>
+          <a:p>
+            <a:pPr algn="ctr"/>
+            <a:r>
+              <a:rPr lang="en-US" altLang="ko-KR" sz="1200" dirty="0" smtClean="0"/>
+              <a:t>Flash Map Manager</a:t>
+            </a:r>
+            <a:endParaRPr lang="ko-KR" altLang="en-US" sz="1200" dirty="0"/>
+          </a:p>
+        </p:txBody>
+      </p:sp>
+      <p:sp>
+        <p:nvSpPr>
+          <p:cNvPr id="64" name="직사각형 63"/>
+          <p:cNvSpPr/>
+          <p:nvPr/>
+        </p:nvSpPr>
+        <p:spPr>
+          <a:xfrm>
+            <a:off x="4067944" y="2410953"/>
+            <a:ext cx="1512168" cy="427083"/>
+          </a:xfrm>
+          <a:prstGeom prst="rect">
+            <a:avLst/>
+          </a:prstGeom>
+        </p:spPr>
+        <p:style>
+          <a:lnRef idx="2">
+            <a:schemeClr val="accent3">
+              <a:shade val="50000"/>
+            </a:schemeClr>
+          </a:lnRef>
+          <a:fillRef idx="1">
+            <a:schemeClr val="accent3"/>
+          </a:fillRef>
+          <a:effectRef idx="0">
+            <a:schemeClr val="accent3"/>
+          </a:effectRef>
+          <a:fontRef idx="minor">
+            <a:schemeClr val="lt1"/>
+          </a:fontRef>
+        </p:style>
+        <p:txBody>
+          <a:bodyPr rtlCol="0" anchor="ctr"/>
+          <a:lstStyle/>
+          <a:p>
+            <a:pPr algn="ctr"/>
+            <a:r>
+              <a:rPr lang="en-US" altLang="ko-KR" sz="1200" dirty="0" smtClean="0"/>
+              <a:t>Handler Adapter</a:t>
+            </a:r>
+            <a:endParaRPr lang="ko-KR" altLang="en-US" sz="1200" dirty="0"/>
+          </a:p>
+        </p:txBody>
+      </p:sp>
+      <p:cxnSp>
+        <p:nvCxnSpPr>
+          <p:cNvPr id="81" name="직선 화살표 연결선 80"/>
+          <p:cNvCxnSpPr/>
+          <p:nvPr/>
+        </p:nvCxnSpPr>
+        <p:spPr>
+          <a:xfrm>
+            <a:off x="3923928" y="3928088"/>
+            <a:ext cx="3456384" cy="0"/>
+          </a:xfrm>
+          <a:prstGeom prst="straightConnector1">
+            <a:avLst/>
+          </a:prstGeom>
+          <a:ln w="25400" cmpd="sng">
+            <a:solidFill>
+              <a:schemeClr val="tx1"/>
+            </a:solidFill>
+            <a:tailEnd type="triangle"/>
+          </a:ln>
+        </p:spPr>
+        <p:style>
+          <a:lnRef idx="1">
+            <a:schemeClr val="accent1"/>
+          </a:lnRef>
+          <a:fillRef idx="0">
+            <a:schemeClr val="accent1"/>
+          </a:fillRef>
+          <a:effectRef idx="0">
+            <a:schemeClr val="accent1"/>
+          </a:effectRef>
+          <a:fontRef idx="minor">
+            <a:schemeClr val="tx1"/>
+          </a:fontRef>
+        </p:style>
+      </p:cxnSp>
+      <p:sp>
+        <p:nvSpPr>
+          <p:cNvPr id="65" name="직사각형 64"/>
+          <p:cNvSpPr/>
+          <p:nvPr/>
+        </p:nvSpPr>
+        <p:spPr>
+          <a:xfrm>
+            <a:off x="5724128" y="2410952"/>
+            <a:ext cx="1512168" cy="427083"/>
+          </a:xfrm>
+          <a:prstGeom prst="rect">
+            <a:avLst/>
+          </a:prstGeom>
+        </p:spPr>
+        <p:style>
+          <a:lnRef idx="2">
+            <a:schemeClr val="accent3">
+              <a:shade val="50000"/>
+            </a:schemeClr>
+          </a:lnRef>
+          <a:fillRef idx="1">
+            <a:schemeClr val="accent3"/>
+          </a:fillRef>
+          <a:effectRef idx="0">
+            <a:schemeClr val="accent3"/>
+          </a:effectRef>
+          <a:fontRef idx="minor">
+            <a:schemeClr val="lt1"/>
+          </a:fontRef>
+        </p:style>
+        <p:txBody>
+          <a:bodyPr rtlCol="0" anchor="ctr"/>
+          <a:lstStyle/>
+          <a:p>
+            <a:pPr algn="ctr"/>
+            <a:r>
+              <a:rPr lang="en-US" altLang="ko-KR" sz="1200" dirty="0" smtClean="0"/>
+              <a:t>Message Converter</a:t>
+            </a:r>
+            <a:endParaRPr lang="ko-KR" altLang="en-US" sz="1200" dirty="0"/>
+          </a:p>
+        </p:txBody>
+      </p:sp>
+      <p:sp>
+        <p:nvSpPr>
+          <p:cNvPr id="66" name="직사각형 65"/>
+          <p:cNvSpPr/>
+          <p:nvPr/>
+        </p:nvSpPr>
+        <p:spPr>
+          <a:xfrm>
+            <a:off x="5724128" y="3063989"/>
+            <a:ext cx="1512168" cy="427083"/>
+          </a:xfrm>
+          <a:prstGeom prst="rect">
+            <a:avLst/>
+          </a:prstGeom>
+        </p:spPr>
+        <p:style>
+          <a:lnRef idx="2">
+            <a:schemeClr val="accent3">
+              <a:shade val="50000"/>
+            </a:schemeClr>
+          </a:lnRef>
+          <a:fillRef idx="1">
+            <a:schemeClr val="accent3"/>
+          </a:fillRef>
+          <a:effectRef idx="0">
+            <a:schemeClr val="accent3"/>
+          </a:effectRef>
+          <a:fontRef idx="minor">
+            <a:schemeClr val="lt1"/>
+          </a:fontRef>
+        </p:style>
+        <p:txBody>
+          <a:bodyPr rtlCol="0" anchor="ctr"/>
+          <a:lstStyle/>
+          <a:p>
+            <a:pPr algn="ctr"/>
+            <a:r>
+              <a:rPr lang="en-US" altLang="ko-KR" sz="1200" dirty="0" err="1" smtClean="0"/>
+              <a:t>WebDataBinder</a:t>
+            </a:r>
+            <a:endParaRPr lang="ko-KR" altLang="en-US" sz="1200" dirty="0"/>
+          </a:p>
+        </p:txBody>
+      </p:sp>
+      <p:sp>
+        <p:nvSpPr>
+          <p:cNvPr id="82" name="직사각형 81"/>
+          <p:cNvSpPr/>
+          <p:nvPr/>
+        </p:nvSpPr>
+        <p:spPr>
+          <a:xfrm>
+            <a:off x="4067944" y="3721995"/>
+            <a:ext cx="1512168" cy="427083"/>
+          </a:xfrm>
+          <a:prstGeom prst="rect">
+            <a:avLst/>
+          </a:prstGeom>
+        </p:spPr>
+        <p:style>
+          <a:lnRef idx="2">
+            <a:schemeClr val="accent3">
+              <a:shade val="50000"/>
+            </a:schemeClr>
+          </a:lnRef>
+          <a:fillRef idx="1">
+            <a:schemeClr val="accent3"/>
+          </a:fillRef>
+          <a:effectRef idx="0">
+            <a:schemeClr val="accent3"/>
+          </a:effectRef>
+          <a:fontRef idx="minor">
+            <a:schemeClr val="lt1"/>
+          </a:fontRef>
+        </p:style>
+        <p:txBody>
+          <a:bodyPr rtlCol="0" anchor="ctr"/>
+          <a:lstStyle/>
+          <a:p>
+            <a:pPr algn="ctr"/>
+            <a:r>
+              <a:rPr lang="en-US" altLang="ko-KR" sz="1200" dirty="0" smtClean="0"/>
+              <a:t>View Resolver</a:t>
+            </a:r>
+            <a:endParaRPr lang="ko-KR" altLang="en-US" sz="1200" dirty="0"/>
+          </a:p>
+        </p:txBody>
+      </p:sp>
+      <p:sp>
+        <p:nvSpPr>
+          <p:cNvPr id="83" name="직사각형 82"/>
+          <p:cNvSpPr/>
+          <p:nvPr/>
+        </p:nvSpPr>
+        <p:spPr>
+          <a:xfrm>
+            <a:off x="5724128" y="3721995"/>
+            <a:ext cx="1512168" cy="427083"/>
+          </a:xfrm>
+          <a:prstGeom prst="rect">
+            <a:avLst/>
+          </a:prstGeom>
+        </p:spPr>
+        <p:style>
+          <a:lnRef idx="2">
+            <a:schemeClr val="accent3">
+              <a:shade val="50000"/>
+            </a:schemeClr>
+          </a:lnRef>
+          <a:fillRef idx="1">
+            <a:schemeClr val="accent3"/>
+          </a:fillRef>
+          <a:effectRef idx="0">
+            <a:schemeClr val="accent3"/>
+          </a:effectRef>
+          <a:fontRef idx="minor">
+            <a:schemeClr val="lt1"/>
+          </a:fontRef>
+        </p:style>
+        <p:txBody>
+          <a:bodyPr rtlCol="0" anchor="ctr"/>
+          <a:lstStyle/>
+          <a:p>
+            <a:pPr algn="ctr"/>
+            <a:r>
+              <a:rPr lang="en-US" altLang="ko-KR" sz="1200" dirty="0" smtClean="0"/>
+              <a:t>View</a:t>
+            </a:r>
+            <a:endParaRPr lang="ko-KR" altLang="en-US" sz="1200" dirty="0"/>
+          </a:p>
+        </p:txBody>
+      </p:sp>
+      <p:sp>
+        <p:nvSpPr>
+          <p:cNvPr id="98" name="직사각형 97"/>
+          <p:cNvSpPr/>
+          <p:nvPr/>
+        </p:nvSpPr>
+        <p:spPr>
+          <a:xfrm>
+            <a:off x="5834410" y="122205"/>
+            <a:ext cx="1512168" cy="1255808"/>
+          </a:xfrm>
+          <a:prstGeom prst="rect">
+            <a:avLst/>
+          </a:prstGeom>
+        </p:spPr>
+        <p:style>
+          <a:lnRef idx="2">
+            <a:schemeClr val="dk1"/>
+          </a:lnRef>
+          <a:fillRef idx="1">
+            <a:schemeClr val="lt1"/>
+          </a:fillRef>
+          <a:effectRef idx="0">
+            <a:schemeClr val="dk1"/>
+          </a:effectRef>
+          <a:fontRef idx="minor">
+            <a:schemeClr val="dk1"/>
+          </a:fontRef>
+        </p:style>
+        <p:txBody>
+          <a:bodyPr rtlCol="0" anchor="t" anchorCtr="0"/>
+          <a:lstStyle/>
+          <a:p>
+            <a:pPr algn="ctr"/>
+            <a:r>
+              <a:rPr lang="en-US" altLang="ko-KR" sz="1200" b="1" dirty="0" smtClean="0"/>
+              <a:t>Legend</a:t>
+            </a:r>
+            <a:endParaRPr lang="ko-KR" altLang="en-US" sz="1200" b="1" dirty="0"/>
+          </a:p>
+        </p:txBody>
+      </p:sp>
+      <p:sp>
+        <p:nvSpPr>
+          <p:cNvPr id="95" name="모서리가 둥근 직사각형 94"/>
+          <p:cNvSpPr/>
+          <p:nvPr/>
+        </p:nvSpPr>
+        <p:spPr>
+          <a:xfrm>
+            <a:off x="5981388" y="404664"/>
+            <a:ext cx="1224136" cy="218507"/>
+          </a:xfrm>
+          <a:prstGeom prst="roundRect">
+            <a:avLst/>
+          </a:prstGeom>
+        </p:spPr>
+        <p:style>
+          <a:lnRef idx="1">
+            <a:schemeClr val="dk1"/>
+          </a:lnRef>
+          <a:fillRef idx="2">
+            <a:schemeClr val="dk1"/>
+          </a:fillRef>
+          <a:effectRef idx="1">
+            <a:schemeClr val="dk1"/>
+          </a:effectRef>
+          <a:fontRef idx="minor">
+            <a:schemeClr val="dk1"/>
+          </a:fontRef>
+        </p:style>
+        <p:txBody>
+          <a:bodyPr rtlCol="0" anchor="ctr"/>
+          <a:lstStyle/>
+          <a:p>
+            <a:pPr algn="ctr"/>
+            <a:r>
+              <a:rPr lang="en-US" altLang="ko-KR" sz="1000" b="1" dirty="0" smtClean="0"/>
+              <a:t>User Message</a:t>
+            </a:r>
+            <a:endParaRPr lang="ko-KR" altLang="en-US" sz="1000" b="1" dirty="0"/>
+          </a:p>
+        </p:txBody>
+      </p:sp>
+      <p:sp>
+        <p:nvSpPr>
+          <p:cNvPr id="96" name="모서리가 둥근 직사각형 95"/>
+          <p:cNvSpPr/>
+          <p:nvPr/>
+        </p:nvSpPr>
+        <p:spPr>
+          <a:xfrm>
+            <a:off x="5981389" y="692696"/>
+            <a:ext cx="1224136" cy="218507"/>
+          </a:xfrm>
+          <a:prstGeom prst="roundRect">
+            <a:avLst/>
+          </a:prstGeom>
+        </p:spPr>
+        <p:style>
+          <a:lnRef idx="1">
+            <a:schemeClr val="dk1"/>
+          </a:lnRef>
+          <a:fillRef idx="2">
+            <a:schemeClr val="dk1"/>
+          </a:fillRef>
+          <a:effectRef idx="1">
+            <a:schemeClr val="dk1"/>
+          </a:effectRef>
+          <a:fontRef idx="minor">
+            <a:schemeClr val="dk1"/>
+          </a:fontRef>
+        </p:style>
+        <p:txBody>
+          <a:bodyPr rtlCol="0" anchor="ctr"/>
+          <a:lstStyle/>
+          <a:p>
+            <a:pPr algn="ctr"/>
+            <a:r>
+              <a:rPr lang="en-US" altLang="ko-KR" sz="1000" b="1" dirty="0" smtClean="0"/>
+              <a:t>Spring</a:t>
+            </a:r>
+            <a:endParaRPr lang="ko-KR" altLang="en-US" sz="1000" b="1" dirty="0"/>
+          </a:p>
+        </p:txBody>
+      </p:sp>
+      <p:sp>
+        <p:nvSpPr>
+          <p:cNvPr id="133" name="모서리가 둥근 직사각형 132"/>
+          <p:cNvSpPr/>
+          <p:nvPr/>
+        </p:nvSpPr>
+        <p:spPr>
+          <a:xfrm>
+            <a:off x="4896036" y="4222021"/>
+            <a:ext cx="756084" cy="215091"/>
+          </a:xfrm>
+          <a:prstGeom prst="roundRect">
+            <a:avLst/>
+          </a:prstGeom>
+        </p:spPr>
+        <p:style>
+          <a:lnRef idx="1">
+            <a:schemeClr val="dk1"/>
+          </a:lnRef>
+          <a:fillRef idx="2">
+            <a:schemeClr val="dk1"/>
+          </a:fillRef>
+          <a:effectRef idx="1">
+            <a:schemeClr val="dk1"/>
+          </a:effectRef>
+          <a:fontRef idx="minor">
+            <a:schemeClr val="dk1"/>
+          </a:fontRef>
+        </p:style>
+        <p:txBody>
+          <a:bodyPr rtlCol="0" anchor="ctr"/>
+          <a:lstStyle/>
+          <a:p>
+            <a:pPr algn="ctr"/>
+            <a:r>
+              <a:rPr lang="en-US" altLang="ko-KR" sz="1000" b="1" dirty="0" smtClean="0"/>
+              <a:t>User</a:t>
+            </a:r>
+            <a:endParaRPr lang="ko-KR" altLang="en-US" sz="1000" b="1" dirty="0"/>
+          </a:p>
+        </p:txBody>
+      </p:sp>
+      <p:sp>
+        <p:nvSpPr>
+          <p:cNvPr id="144" name="모서리가 둥근 직사각형 143"/>
+          <p:cNvSpPr/>
+          <p:nvPr/>
+        </p:nvSpPr>
+        <p:spPr>
+          <a:xfrm>
+            <a:off x="3239852" y="1629733"/>
+            <a:ext cx="756084" cy="215091"/>
+          </a:xfrm>
+          <a:prstGeom prst="roundRect">
+            <a:avLst/>
+          </a:prstGeom>
+        </p:spPr>
+        <p:style>
+          <a:lnRef idx="1">
+            <a:schemeClr val="dk1"/>
+          </a:lnRef>
+          <a:fillRef idx="2">
+            <a:schemeClr val="dk1"/>
+          </a:fillRef>
+          <a:effectRef idx="1">
+            <a:schemeClr val="dk1"/>
+          </a:effectRef>
+          <a:fontRef idx="minor">
+            <a:schemeClr val="dk1"/>
+          </a:fontRef>
+        </p:style>
+        <p:txBody>
+          <a:bodyPr rtlCol="0" anchor="ctr"/>
+          <a:lstStyle/>
+          <a:p>
+            <a:pPr algn="ctr"/>
+            <a:r>
+              <a:rPr lang="en-US" altLang="ko-KR" sz="1000" b="1" dirty="0" smtClean="0"/>
+              <a:t>User</a:t>
+            </a:r>
+            <a:endParaRPr lang="ko-KR" altLang="en-US" sz="1000" b="1" dirty="0"/>
+          </a:p>
+        </p:txBody>
+      </p:sp>
+      <p:sp>
+        <p:nvSpPr>
+          <p:cNvPr id="61" name="모서리가 둥근 직사각형 60"/>
+          <p:cNvSpPr/>
+          <p:nvPr/>
+        </p:nvSpPr>
+        <p:spPr>
+          <a:xfrm>
+            <a:off x="-324544" y="1917765"/>
+            <a:ext cx="756084" cy="215091"/>
+          </a:xfrm>
+          <a:prstGeom prst="roundRect">
+            <a:avLst/>
+          </a:prstGeom>
+        </p:spPr>
+        <p:style>
+          <a:lnRef idx="1">
+            <a:schemeClr val="dk1"/>
+          </a:lnRef>
+          <a:fillRef idx="2">
+            <a:schemeClr val="dk1"/>
+          </a:fillRef>
+          <a:effectRef idx="1">
+            <a:schemeClr val="dk1"/>
+          </a:effectRef>
+          <a:fontRef idx="minor">
+            <a:schemeClr val="dk1"/>
+          </a:fontRef>
+        </p:style>
+        <p:txBody>
+          <a:bodyPr rtlCol="0" anchor="ctr"/>
+          <a:lstStyle/>
+          <a:p>
+            <a:pPr algn="ctr"/>
+            <a:r>
+              <a:rPr lang="en-US" altLang="ko-KR" sz="1000" b="1" dirty="0" smtClean="0"/>
+              <a:t>User</a:t>
+            </a:r>
+            <a:endParaRPr lang="ko-KR" altLang="en-US" sz="1000" b="1" dirty="0"/>
+          </a:p>
+        </p:txBody>
+      </p:sp>
+      <p:sp>
+        <p:nvSpPr>
+          <p:cNvPr id="62" name="모서리가 둥근 직사각형 61"/>
+          <p:cNvSpPr/>
+          <p:nvPr/>
+        </p:nvSpPr>
+        <p:spPr>
+          <a:xfrm>
+            <a:off x="6012160" y="980728"/>
+            <a:ext cx="1224136" cy="218507"/>
+          </a:xfrm>
+          <a:prstGeom prst="roundRect">
+            <a:avLst/>
+          </a:prstGeom>
+        </p:spPr>
+        <p:style>
+          <a:lnRef idx="1">
+            <a:schemeClr val="dk1"/>
+          </a:lnRef>
+          <a:fillRef idx="2">
+            <a:schemeClr val="dk1"/>
+          </a:fillRef>
+          <a:effectRef idx="1">
+            <a:schemeClr val="dk1"/>
+          </a:effectRef>
+          <a:fontRef idx="minor">
+            <a:schemeClr val="dk1"/>
+          </a:fontRef>
+        </p:style>
+        <p:txBody>
+          <a:bodyPr rtlCol="0" anchor="ctr"/>
+          <a:lstStyle/>
+          <a:p>
+            <a:pPr algn="ctr"/>
+            <a:r>
+              <a:rPr lang="en-US" altLang="ko-KR" sz="1000" b="1" dirty="0" smtClean="0"/>
+              <a:t>Container</a:t>
+            </a:r>
+            <a:endParaRPr lang="ko-KR" altLang="en-US" sz="1000" b="1" dirty="0"/>
+          </a:p>
+        </p:txBody>
+      </p:sp>
     </p:spTree>
     <p:extLst>
       <p:ext uri="{BB962C8B-B14F-4D97-AF65-F5344CB8AC3E}">
-        <p14:creationId xmlns:p14="http://schemas.microsoft.com/office/powerpoint/2010/main" val="2882679318"/>
+        <p14:creationId xmlns:p14="http://schemas.microsoft.com/office/powerpoint/2010/main" xmlns="" val="2640725856"/>
       </p:ext>
     </p:extLst>
   </p:cSld>
@@ -12069,7 +13770,7 @@
         <p:spPr>
           <a:xfrm>
             <a:off x="179512" y="260648"/>
-            <a:ext cx="4388702" cy="646331"/>
+            <a:ext cx="5402441" cy="646331"/>
           </a:xfrm>
           <a:prstGeom prst="rect">
             <a:avLst/>
@@ -12084,22 +13785,48 @@
           <a:p>
             <a:r>
               <a:rPr lang="en-US" altLang="ko-KR" dirty="0" smtClean="0"/>
-              <a:t>Message Type</a:t>
+              <a:t>User Friendly Message Break Down Structure</a:t>
             </a:r>
           </a:p>
           <a:p>
             <a:r>
               <a:rPr lang="en-US" altLang="ko-KR" dirty="0" smtClean="0"/>
-              <a:t>: Info / Warn / Confirm / Prompt / Error</a:t>
+              <a:t>: Common Message vs. Business Specific Message</a:t>
             </a:r>
             <a:endParaRPr lang="ko-KR" altLang="en-US" dirty="0"/>
           </a:p>
         </p:txBody>
       </p:sp>
+      <p:graphicFrame>
+        <p:nvGraphicFramePr>
+          <p:cNvPr id="3" name="개체 2"/>
+          <p:cNvGraphicFramePr>
+            <a:graphicFrameLocks noChangeAspect="1"/>
+          </p:cNvGraphicFramePr>
+          <p:nvPr>
+            <p:extLst>
+              <p:ext uri="{D42A27DB-BD31-4B8C-83A1-F6EECF244321}">
+                <p14:modId xmlns:p14="http://schemas.microsoft.com/office/powerpoint/2010/main" xmlns="" val="1760426656"/>
+              </p:ext>
+            </p:extLst>
+          </p:nvPr>
+        </p:nvGraphicFramePr>
+        <p:xfrm>
+          <a:off x="1323975" y="2376488"/>
+          <a:ext cx="6496050" cy="2105025"/>
+        </p:xfrm>
+        <a:graphic>
+          <a:graphicData uri="http://schemas.openxmlformats.org/presentationml/2006/ole">
+            <p:oleObj spid="_x0000_s3076" name="Worksheet" r:id="rId3" imgW="6496157" imgH="2104920" progId="Excel.Sheet.8">
+              <p:link updateAutomatic="1"/>
+            </p:oleObj>
+          </a:graphicData>
+        </a:graphic>
+      </p:graphicFrame>
     </p:spTree>
     <p:extLst>
       <p:ext uri="{BB962C8B-B14F-4D97-AF65-F5344CB8AC3E}">
-        <p14:creationId xmlns:p14="http://schemas.microsoft.com/office/powerpoint/2010/main" val="3508075851"/>
+        <p14:creationId xmlns:p14="http://schemas.microsoft.com/office/powerpoint/2010/main" xmlns="" val="2882679318"/>
       </p:ext>
     </p:extLst>
   </p:cSld>
@@ -12142,6 +13869,79 @@
         <p:spPr>
           <a:xfrm>
             <a:off x="179512" y="260648"/>
+            <a:ext cx="4388702" cy="646331"/>
+          </a:xfrm>
+          <a:prstGeom prst="rect">
+            <a:avLst/>
+          </a:prstGeom>
+          <a:noFill/>
+        </p:spPr>
+        <p:txBody>
+          <a:bodyPr wrap="none" rtlCol="0">
+            <a:spAutoFit/>
+          </a:bodyPr>
+          <a:lstStyle/>
+          <a:p>
+            <a:r>
+              <a:rPr lang="en-US" altLang="ko-KR" dirty="0" smtClean="0"/>
+              <a:t>Message Type</a:t>
+            </a:r>
+          </a:p>
+          <a:p>
+            <a:r>
+              <a:rPr lang="en-US" altLang="ko-KR" dirty="0" smtClean="0"/>
+              <a:t>: Info / Warn / Confirm / Prompt / Error</a:t>
+            </a:r>
+            <a:endParaRPr lang="ko-KR" altLang="en-US" dirty="0"/>
+          </a:p>
+        </p:txBody>
+      </p:sp>
+    </p:spTree>
+    <p:extLst>
+      <p:ext uri="{BB962C8B-B14F-4D97-AF65-F5344CB8AC3E}">
+        <p14:creationId xmlns:p14="http://schemas.microsoft.com/office/powerpoint/2010/main" xmlns="" val="3508075851"/>
+      </p:ext>
+    </p:extLst>
+  </p:cSld>
+  <p:clrMapOvr>
+    <a:masterClrMapping/>
+  </p:clrMapOvr>
+  <p:timing>
+    <p:tnLst>
+      <p:par>
+        <p:cTn id="1" dur="indefinite" restart="never" nodeType="tmRoot"/>
+      </p:par>
+    </p:tnLst>
+  </p:timing>
+</p:sld>
+</file>
+
+<file path=ppt/slides/slide8.xml><?xml version="1.0" encoding="utf-8"?>
+<p:sld xmlns:a="http://schemas.openxmlformats.org/drawingml/2006/main" xmlns:r="http://schemas.openxmlformats.org/officeDocument/2006/relationships" xmlns:p="http://schemas.openxmlformats.org/presentationml/2006/main">
+  <p:cSld>
+    <p:spTree>
+      <p:nvGrpSpPr>
+        <p:cNvPr id="1" name=""/>
+        <p:cNvGrpSpPr/>
+        <p:nvPr/>
+      </p:nvGrpSpPr>
+      <p:grpSpPr>
+        <a:xfrm>
+          <a:off x="0" y="0"/>
+          <a:ext cx="0" cy="0"/>
+          <a:chOff x="0" y="0"/>
+          <a:chExt cx="0" cy="0"/>
+        </a:xfrm>
+      </p:grpSpPr>
+      <p:sp>
+        <p:nvSpPr>
+          <p:cNvPr id="2" name="TextBox 1"/>
+          <p:cNvSpPr txBox="1"/>
+          <p:nvPr/>
+        </p:nvSpPr>
+        <p:spPr>
+          <a:xfrm>
+            <a:off x="179512" y="260648"/>
             <a:ext cx="2590389" cy="646331"/>
           </a:xfrm>
           <a:prstGeom prst="rect">
@@ -12178,58 +13978,27 @@
           <p:nvPr>
             <p:extLst>
               <p:ext uri="{D42A27DB-BD31-4B8C-83A1-F6EECF244321}">
-                <p14:modId xmlns:p14="http://schemas.microsoft.com/office/powerpoint/2010/main" val="1563092936"/>
+                <p14:modId xmlns:p14="http://schemas.microsoft.com/office/powerpoint/2010/main" xmlns="" val="1563092936"/>
               </p:ext>
             </p:extLst>
           </p:nvPr>
         </p:nvGraphicFramePr>
         <p:xfrm>
-          <a:off x="251520" y="1196752"/>
-          <a:ext cx="3867150" cy="2943225"/>
+          <a:off x="-1127125" y="1611313"/>
+          <a:ext cx="6599238" cy="2098675"/>
         </p:xfrm>
         <a:graphic>
           <a:graphicData uri="http://schemas.openxmlformats.org/presentationml/2006/ole">
-            <mc:AlternateContent xmlns:mc="http://schemas.openxmlformats.org/markup-compatibility/2006">
-              <mc:Choice xmlns:v="urn:schemas-microsoft-com:vml" Requires="v">
-                <p:oleObj spid="_x0000_s1032" name="워크시트" r:id="rId3" imgW="3867285" imgH="2943225" progId="Excel.Sheet.12">
-                  <p:link updateAutomatic="1"/>
-                </p:oleObj>
-              </mc:Choice>
-              <mc:Fallback>
-                <p:oleObj name="워크시트" r:id="rId3" imgW="3867285" imgH="2943225" progId="Excel.Sheet.12">
-                  <p:link updateAutomatic="1"/>
-                  <p:pic>
-                    <p:nvPicPr>
-                      <p:cNvPr id="0" name=""/>
-                      <p:cNvPicPr/>
-                      <p:nvPr/>
-                    </p:nvPicPr>
-                    <p:blipFill>
-                      <a:blip r:embed="rId4"/>
-                      <a:stretch>
-                        <a:fillRect/>
-                      </a:stretch>
-                    </p:blipFill>
-                    <p:spPr>
-                      <a:xfrm>
-                        <a:off x="251520" y="1196752"/>
-                        <a:ext cx="3867150" cy="2943225"/>
-                      </a:xfrm>
-                      <a:prstGeom prst="rect">
-                        <a:avLst/>
-                      </a:prstGeom>
-                    </p:spPr>
-                  </p:pic>
-                </p:oleObj>
-              </mc:Fallback>
-            </mc:AlternateContent>
+            <p:oleObj spid="_x0000_s1032" name="Worksheet" r:id="rId3" imgW="6610423" imgH="2104920" progId="Excel.Sheet.8">
+              <p:link updateAutomatic="1"/>
+            </p:oleObj>
           </a:graphicData>
         </a:graphic>
       </p:graphicFrame>
     </p:spTree>
     <p:extLst>
       <p:ext uri="{BB962C8B-B14F-4D97-AF65-F5344CB8AC3E}">
-        <p14:creationId xmlns:p14="http://schemas.microsoft.com/office/powerpoint/2010/main" val="4289008472"/>
+        <p14:creationId xmlns:p14="http://schemas.microsoft.com/office/powerpoint/2010/main" xmlns="" val="4289008472"/>
       </p:ext>
     </p:extLst>
   </p:cSld>

--- a/documentation/draft/message/message.pptx
+++ b/documentation/draft/message/message.pptx
@@ -296,7 +296,7 @@
             <a:fld id="{FB30EDBD-1C2D-4C1E-B459-B60219FAB484}" type="datetimeFigureOut">
               <a:rPr lang="ko-KR" altLang="en-US" smtClean="0"/>
               <a:pPr/>
-              <a:t>2012-10-18</a:t>
+              <a:t>2013-11-09</a:t>
             </a:fld>
             <a:endParaRPr lang="ko-KR" altLang="en-US"/>
           </a:p>
@@ -463,7 +463,7 @@
             <a:fld id="{FB30EDBD-1C2D-4C1E-B459-B60219FAB484}" type="datetimeFigureOut">
               <a:rPr lang="ko-KR" altLang="en-US" smtClean="0"/>
               <a:pPr/>
-              <a:t>2012-10-18</a:t>
+              <a:t>2013-11-09</a:t>
             </a:fld>
             <a:endParaRPr lang="ko-KR" altLang="en-US"/>
           </a:p>
@@ -640,7 +640,7 @@
             <a:fld id="{FB30EDBD-1C2D-4C1E-B459-B60219FAB484}" type="datetimeFigureOut">
               <a:rPr lang="ko-KR" altLang="en-US" smtClean="0"/>
               <a:pPr/>
-              <a:t>2012-10-18</a:t>
+              <a:t>2013-11-09</a:t>
             </a:fld>
             <a:endParaRPr lang="ko-KR" altLang="en-US"/>
           </a:p>
@@ -807,7 +807,7 @@
             <a:fld id="{FB30EDBD-1C2D-4C1E-B459-B60219FAB484}" type="datetimeFigureOut">
               <a:rPr lang="ko-KR" altLang="en-US" smtClean="0"/>
               <a:pPr/>
-              <a:t>2012-10-18</a:t>
+              <a:t>2013-11-09</a:t>
             </a:fld>
             <a:endParaRPr lang="ko-KR" altLang="en-US"/>
           </a:p>
@@ -1050,7 +1050,7 @@
             <a:fld id="{FB30EDBD-1C2D-4C1E-B459-B60219FAB484}" type="datetimeFigureOut">
               <a:rPr lang="ko-KR" altLang="en-US" smtClean="0"/>
               <a:pPr/>
-              <a:t>2012-10-18</a:t>
+              <a:t>2013-11-09</a:t>
             </a:fld>
             <a:endParaRPr lang="ko-KR" altLang="en-US"/>
           </a:p>
@@ -1335,7 +1335,7 @@
             <a:fld id="{FB30EDBD-1C2D-4C1E-B459-B60219FAB484}" type="datetimeFigureOut">
               <a:rPr lang="ko-KR" altLang="en-US" smtClean="0"/>
               <a:pPr/>
-              <a:t>2012-10-18</a:t>
+              <a:t>2013-11-09</a:t>
             </a:fld>
             <a:endParaRPr lang="ko-KR" altLang="en-US"/>
           </a:p>
@@ -1754,7 +1754,7 @@
             <a:fld id="{FB30EDBD-1C2D-4C1E-B459-B60219FAB484}" type="datetimeFigureOut">
               <a:rPr lang="ko-KR" altLang="en-US" smtClean="0"/>
               <a:pPr/>
-              <a:t>2012-10-18</a:t>
+              <a:t>2013-11-09</a:t>
             </a:fld>
             <a:endParaRPr lang="ko-KR" altLang="en-US"/>
           </a:p>
@@ -1869,7 +1869,7 @@
             <a:fld id="{FB30EDBD-1C2D-4C1E-B459-B60219FAB484}" type="datetimeFigureOut">
               <a:rPr lang="ko-KR" altLang="en-US" smtClean="0"/>
               <a:pPr/>
-              <a:t>2012-10-18</a:t>
+              <a:t>2013-11-09</a:t>
             </a:fld>
             <a:endParaRPr lang="ko-KR" altLang="en-US"/>
           </a:p>
@@ -1961,7 +1961,7 @@
             <a:fld id="{FB30EDBD-1C2D-4C1E-B459-B60219FAB484}" type="datetimeFigureOut">
               <a:rPr lang="ko-KR" altLang="en-US" smtClean="0"/>
               <a:pPr/>
-              <a:t>2012-10-18</a:t>
+              <a:t>2013-11-09</a:t>
             </a:fld>
             <a:endParaRPr lang="ko-KR" altLang="en-US"/>
           </a:p>
@@ -2235,7 +2235,7 @@
             <a:fld id="{FB30EDBD-1C2D-4C1E-B459-B60219FAB484}" type="datetimeFigureOut">
               <a:rPr lang="ko-KR" altLang="en-US" smtClean="0"/>
               <a:pPr/>
-              <a:t>2012-10-18</a:t>
+              <a:t>2013-11-09</a:t>
             </a:fld>
             <a:endParaRPr lang="ko-KR" altLang="en-US"/>
           </a:p>
@@ -2485,7 +2485,7 @@
             <a:fld id="{FB30EDBD-1C2D-4C1E-B459-B60219FAB484}" type="datetimeFigureOut">
               <a:rPr lang="ko-KR" altLang="en-US" smtClean="0"/>
               <a:pPr/>
-              <a:t>2012-10-18</a:t>
+              <a:t>2013-11-09</a:t>
             </a:fld>
             <a:endParaRPr lang="ko-KR" altLang="en-US"/>
           </a:p>
@@ -2695,7 +2695,7 @@
             <a:fld id="{FB30EDBD-1C2D-4C1E-B459-B60219FAB484}" type="datetimeFigureOut">
               <a:rPr lang="ko-KR" altLang="en-US" smtClean="0"/>
               <a:pPr/>
-              <a:t>2012-10-18</a:t>
+              <a:t>2013-11-09</a:t>
             </a:fld>
             <a:endParaRPr lang="ko-KR" altLang="en-US"/>
           </a:p>
@@ -3533,15 +3533,7 @@
                   <a:schemeClr val="bg1"/>
                 </a:solidFill>
               </a:rPr>
-              <a:t> Request </a:t>
-            </a:r>
-            <a:r>
-              <a:rPr lang="en-US" altLang="ko-KR" sz="900" b="1" dirty="0" smtClean="0">
-                <a:solidFill>
-                  <a:schemeClr val="bg1"/>
-                </a:solidFill>
-              </a:rPr>
-              <a:t>Listener</a:t>
+              <a:t> Request Listener</a:t>
             </a:r>
             <a:endParaRPr lang="ko-KR" altLang="en-US" sz="900" b="1" dirty="0">
               <a:solidFill>
@@ -3595,7 +3587,6 @@
               <a:rPr lang="en-US" altLang="ko-KR" sz="900" b="1" dirty="0" smtClean="0"/>
               <a:t>Theme </a:t>
             </a:r>
-            <a:endParaRPr lang="en-US" altLang="ko-KR" sz="900" b="1" dirty="0" smtClean="0"/>
           </a:p>
           <a:p>
             <a:pPr algn="ctr"/>
@@ -3663,23 +3654,7 @@
                   <a:schemeClr val="bg1"/>
                 </a:solidFill>
               </a:rPr>
-              <a:t> </a:t>
-            </a:r>
-            <a:r>
-              <a:rPr lang="en-US" altLang="ko-KR" sz="900" b="1" dirty="0" smtClean="0">
-                <a:solidFill>
-                  <a:schemeClr val="bg1"/>
-                </a:solidFill>
-              </a:rPr>
-              <a:t>Context Attribute </a:t>
-            </a:r>
-            <a:r>
-              <a:rPr lang="en-US" altLang="ko-KR" sz="900" b="1" dirty="0" smtClean="0">
-                <a:solidFill>
-                  <a:schemeClr val="bg1"/>
-                </a:solidFill>
-              </a:rPr>
-              <a:t>Listener</a:t>
+              <a:t> Context Attribute Listener</a:t>
             </a:r>
             <a:endParaRPr lang="ko-KR" altLang="en-US" sz="900" b="1" dirty="0">
               <a:solidFill>
@@ -3789,7 +3764,6 @@
               <a:rPr lang="en-US" altLang="ko-KR" sz="900" b="1" dirty="0" smtClean="0"/>
               <a:t>Locale </a:t>
             </a:r>
-            <a:endParaRPr lang="en-US" altLang="ko-KR" sz="900" b="1" dirty="0" smtClean="0"/>
           </a:p>
           <a:p>
             <a:pPr algn="ctr"/>
@@ -3849,15 +3823,7 @@
                   <a:schemeClr val="bg1"/>
                 </a:solidFill>
               </a:rPr>
-              <a:t>Http Session </a:t>
-            </a:r>
-            <a:r>
-              <a:rPr lang="en-US" altLang="ko-KR" sz="900" b="1" dirty="0" smtClean="0">
-                <a:solidFill>
-                  <a:schemeClr val="bg1"/>
-                </a:solidFill>
-              </a:rPr>
-              <a:t>Listener</a:t>
+              <a:t>Http Session Listener</a:t>
             </a:r>
             <a:endParaRPr lang="ko-KR" altLang="en-US" sz="900" b="1" dirty="0">
               <a:solidFill>
@@ -3911,7 +3877,6 @@
               <a:rPr lang="en-US" altLang="ko-KR" sz="900" b="1" dirty="0" smtClean="0"/>
               <a:t>Multipart </a:t>
             </a:r>
-            <a:endParaRPr lang="en-US" altLang="ko-KR" sz="900" b="1" dirty="0" smtClean="0"/>
           </a:p>
           <a:p>
             <a:pPr algn="ctr"/>
@@ -3962,11 +3927,7 @@
             <a:pPr algn="ctr"/>
             <a:r>
               <a:rPr lang="en-US" altLang="ko-KR" sz="900" b="1" dirty="0" smtClean="0"/>
-              <a:t>Handler </a:t>
-            </a:r>
-            <a:r>
-              <a:rPr lang="en-US" altLang="ko-KR" sz="900" b="1" dirty="0" smtClean="0"/>
-              <a:t>Mapping</a:t>
+              <a:t>Handler Mapping</a:t>
             </a:r>
             <a:endParaRPr lang="ko-KR" altLang="en-US" sz="900" b="1" dirty="0"/>
           </a:p>
@@ -4301,7 +4262,6 @@
               <a:rPr lang="en-US" altLang="ko-KR" sz="900" b="1" dirty="0" smtClean="0"/>
               <a:t>View </a:t>
             </a:r>
-            <a:endParaRPr lang="en-US" altLang="ko-KR" sz="900" b="1" dirty="0" smtClean="0"/>
           </a:p>
           <a:p>
             <a:pPr algn="ctr"/>
@@ -4442,11 +4402,7 @@
             <a:pPr algn="ctr"/>
             <a:r>
               <a:rPr lang="en-US" altLang="ko-KR" sz="900" b="1" dirty="0" smtClean="0"/>
-              <a:t>Flash </a:t>
-            </a:r>
-            <a:r>
-              <a:rPr lang="en-US" altLang="ko-KR" sz="900" b="1" dirty="0" smtClean="0"/>
-              <a:t>Map</a:t>
+              <a:t>Flash Map</a:t>
             </a:r>
             <a:endParaRPr lang="ko-KR" altLang="en-US" sz="900" b="1" dirty="0"/>
           </a:p>
@@ -4508,23 +4464,7 @@
                   <a:schemeClr val="bg1"/>
                 </a:solidFill>
               </a:rPr>
-              <a:t> </a:t>
-            </a:r>
-            <a:r>
-              <a:rPr lang="en-US" altLang="ko-KR" sz="900" b="1" dirty="0" smtClean="0">
-                <a:solidFill>
-                  <a:schemeClr val="bg1"/>
-                </a:solidFill>
-              </a:rPr>
-              <a:t>Context </a:t>
-            </a:r>
-            <a:r>
-              <a:rPr lang="en-US" altLang="ko-KR" sz="900" b="1" dirty="0" smtClean="0">
-                <a:solidFill>
-                  <a:schemeClr val="bg1"/>
-                </a:solidFill>
-              </a:rPr>
-              <a:t>Listener</a:t>
+              <a:t> Context Listener</a:t>
             </a:r>
             <a:endParaRPr lang="ko-KR" altLang="en-US" sz="900" b="1" dirty="0">
               <a:solidFill>
@@ -4648,15 +4588,7 @@
                   <a:schemeClr val="bg1"/>
                 </a:solidFill>
               </a:rPr>
-              <a:t> Request Attribute </a:t>
-            </a:r>
-            <a:r>
-              <a:rPr lang="en-US" altLang="ko-KR" sz="900" b="1" dirty="0" smtClean="0">
-                <a:solidFill>
-                  <a:schemeClr val="bg1"/>
-                </a:solidFill>
-              </a:rPr>
-              <a:t>Listener</a:t>
+              <a:t> Request Attribute Listener</a:t>
             </a:r>
             <a:endParaRPr lang="ko-KR" altLang="en-US" sz="900" b="1" dirty="0">
               <a:solidFill>
@@ -4785,7 +4717,7 @@
     </p:spTree>
     <p:extLst>
       <p:ext uri="{BB962C8B-B14F-4D97-AF65-F5344CB8AC3E}">
-        <p14:creationId xmlns:p14="http://schemas.microsoft.com/office/powerpoint/2010/main" xmlns="" val="2464545771"/>
+        <p14:creationId xmlns:p14="http://schemas.microsoft.com/office/powerpoint/2010/main" val="2464545771"/>
       </p:ext>
     </p:extLst>
   </p:cSld>
@@ -5884,11 +5816,7 @@
           <a:p>
             <a:r>
               <a:rPr lang="en-US" altLang="ko-KR" dirty="0" smtClean="0"/>
-              <a:t>Java Web </a:t>
-            </a:r>
-            <a:r>
-              <a:rPr lang="en-US" altLang="ko-KR" dirty="0" smtClean="0"/>
-              <a:t>Application(</a:t>
+              <a:t>Java Web Application(</a:t>
             </a:r>
             <a:r>
               <a:rPr lang="en-US" altLang="ko-KR" dirty="0" err="1" smtClean="0"/>
@@ -5898,7 +5826,6 @@
               <a:rPr lang="en-US" altLang="ko-KR" dirty="0" smtClean="0"/>
               <a:t>)</a:t>
             </a:r>
-            <a:endParaRPr lang="en-US" altLang="ko-KR" dirty="0" smtClean="0"/>
           </a:p>
           <a:p>
             <a:r>
@@ -6500,7 +6427,7 @@
     </p:spTree>
     <p:extLst>
       <p:ext uri="{BB962C8B-B14F-4D97-AF65-F5344CB8AC3E}">
-        <p14:creationId xmlns:p14="http://schemas.microsoft.com/office/powerpoint/2010/main" xmlns="" val="2464545771"/>
+        <p14:creationId xmlns:p14="http://schemas.microsoft.com/office/powerpoint/2010/main" val="2464545771"/>
       </p:ext>
     </p:extLst>
   </p:cSld>
@@ -7172,11 +7099,7 @@
             </a:r>
             <a:r>
               <a:rPr lang="en-US" altLang="ko-KR" sz="1200" dirty="0" smtClean="0"/>
-              <a:t> </a:t>
-            </a:r>
-            <a:r>
-              <a:rPr lang="en-US" altLang="ko-KR" sz="1200" dirty="0" smtClean="0"/>
-              <a:t>Filter</a:t>
+              <a:t> Filter</a:t>
             </a:r>
             <a:endParaRPr lang="ko-KR" altLang="en-US" sz="1200" dirty="0"/>
           </a:p>
@@ -7602,11 +7525,7 @@
           <a:p>
             <a:r>
               <a:rPr lang="en-US" altLang="ko-KR" dirty="0" smtClean="0"/>
-              <a:t>Java Web </a:t>
-            </a:r>
-            <a:r>
-              <a:rPr lang="en-US" altLang="ko-KR" dirty="0" smtClean="0"/>
-              <a:t>Application(</a:t>
+              <a:t>Java Web Application(</a:t>
             </a:r>
             <a:r>
               <a:rPr lang="en-US" altLang="ko-KR" dirty="0" err="1" smtClean="0"/>
@@ -7616,7 +7535,6 @@
               <a:rPr lang="en-US" altLang="ko-KR" dirty="0" smtClean="0"/>
               <a:t>)</a:t>
             </a:r>
-            <a:endParaRPr lang="en-US" altLang="ko-KR" dirty="0" smtClean="0"/>
           </a:p>
           <a:p>
             <a:r>
@@ -9191,7 +9109,7 @@
     </p:spTree>
     <p:extLst>
       <p:ext uri="{BB962C8B-B14F-4D97-AF65-F5344CB8AC3E}">
-        <p14:creationId xmlns:p14="http://schemas.microsoft.com/office/powerpoint/2010/main" xmlns="" val="1920581366"/>
+        <p14:creationId xmlns:p14="http://schemas.microsoft.com/office/powerpoint/2010/main" val="1920581366"/>
       </p:ext>
     </p:extLst>
   </p:cSld>
@@ -10289,11 +10207,7 @@
           <a:p>
             <a:r>
               <a:rPr lang="en-US" altLang="ko-KR" dirty="0" smtClean="0"/>
-              <a:t>Java Web </a:t>
-            </a:r>
-            <a:r>
-              <a:rPr lang="en-US" altLang="ko-KR" dirty="0" smtClean="0"/>
-              <a:t>Application(</a:t>
+              <a:t>Java Web Application(</a:t>
             </a:r>
             <a:r>
               <a:rPr lang="en-US" altLang="ko-KR" dirty="0" err="1" smtClean="0"/>
@@ -10303,7 +10217,6 @@
               <a:rPr lang="en-US" altLang="ko-KR" dirty="0" smtClean="0"/>
               <a:t>)</a:t>
             </a:r>
-            <a:endParaRPr lang="en-US" altLang="ko-KR" dirty="0" smtClean="0"/>
           </a:p>
           <a:p>
             <a:r>
@@ -11723,7 +11636,7 @@
     </p:spTree>
     <p:extLst>
       <p:ext uri="{BB962C8B-B14F-4D97-AF65-F5344CB8AC3E}">
-        <p14:creationId xmlns:p14="http://schemas.microsoft.com/office/powerpoint/2010/main" xmlns="" val="1722891913"/>
+        <p14:creationId xmlns:p14="http://schemas.microsoft.com/office/powerpoint/2010/main" val="1722891913"/>
       </p:ext>
     </p:extLst>
   </p:cSld>
@@ -12821,11 +12734,7 @@
           <a:p>
             <a:r>
               <a:rPr lang="en-US" altLang="ko-KR" dirty="0" smtClean="0"/>
-              <a:t>Java Web </a:t>
-            </a:r>
-            <a:r>
-              <a:rPr lang="en-US" altLang="ko-KR" dirty="0" smtClean="0"/>
-              <a:t>Application(</a:t>
+              <a:t>Java Web Application(</a:t>
             </a:r>
             <a:r>
               <a:rPr lang="en-US" altLang="ko-KR" dirty="0" err="1" smtClean="0"/>
@@ -12835,7 +12744,6 @@
               <a:rPr lang="en-US" altLang="ko-KR" dirty="0" smtClean="0"/>
               <a:t>)</a:t>
             </a:r>
-            <a:endParaRPr lang="en-US" altLang="ko-KR" dirty="0" smtClean="0"/>
           </a:p>
           <a:p>
             <a:r>
@@ -13727,7 +13635,7 @@
     </p:spTree>
     <p:extLst>
       <p:ext uri="{BB962C8B-B14F-4D97-AF65-F5344CB8AC3E}">
-        <p14:creationId xmlns:p14="http://schemas.microsoft.com/office/powerpoint/2010/main" xmlns="" val="2640725856"/>
+        <p14:creationId xmlns:p14="http://schemas.microsoft.com/office/powerpoint/2010/main" val="2640725856"/>
       </p:ext>
     </p:extLst>
   </p:cSld>
@@ -13806,27 +13714,71 @@
           <p:nvPr>
             <p:extLst>
               <p:ext uri="{D42A27DB-BD31-4B8C-83A1-F6EECF244321}">
-                <p14:modId xmlns:p14="http://schemas.microsoft.com/office/powerpoint/2010/main" xmlns="" val="1760426656"/>
+                <p14:modId xmlns:p14="http://schemas.microsoft.com/office/powerpoint/2010/main" val="388670702"/>
               </p:ext>
             </p:extLst>
           </p:nvPr>
         </p:nvGraphicFramePr>
         <p:xfrm>
-          <a:off x="1323975" y="2376488"/>
-          <a:ext cx="6496050" cy="2105025"/>
+          <a:off x="619125" y="1433513"/>
+          <a:ext cx="7905750" cy="3990975"/>
         </p:xfrm>
         <a:graphic>
           <a:graphicData uri="http://schemas.openxmlformats.org/presentationml/2006/ole">
-            <p:oleObj spid="_x0000_s3076" name="Worksheet" r:id="rId3" imgW="6496157" imgH="2104920" progId="Excel.Sheet.8">
-              <p:link updateAutomatic="1"/>
-            </p:oleObj>
+            <mc:AlternateContent xmlns:mc="http://schemas.openxmlformats.org/markup-compatibility/2006">
+              <mc:Choice xmlns:v="urn:schemas-microsoft-com:vml" Requires="v">
+                <p:oleObj spid="_x0000_s3077" name="워크시트" r:id="rId3" imgW="7905885" imgH="3991065" progId="Excel.Sheet.12">
+                  <p:link updateAutomatic="1"/>
+                </p:oleObj>
+              </mc:Choice>
+              <mc:Fallback>
+                <p:oleObj name="워크시트" r:id="rId3" imgW="7905885" imgH="3991065" progId="Excel.Sheet.12">
+                  <p:link updateAutomatic="1"/>
+                  <p:pic>
+                    <p:nvPicPr>
+                      <p:cNvPr id="0" name="Picture 4"/>
+                      <p:cNvPicPr>
+                        <a:picLocks noChangeAspect="1" noChangeArrowheads="1"/>
+                      </p:cNvPicPr>
+                      <p:nvPr/>
+                    </p:nvPicPr>
+                    <p:blipFill>
+                      <a:blip r:embed="rId4"/>
+                      <a:srcRect/>
+                      <a:stretch>
+                        <a:fillRect/>
+                      </a:stretch>
+                    </p:blipFill>
+                    <p:spPr bwMode="auto">
+                      <a:xfrm>
+                        <a:off x="619125" y="1433513"/>
+                        <a:ext cx="7905750" cy="3990975"/>
+                      </a:xfrm>
+                      <a:prstGeom prst="rect">
+                        <a:avLst/>
+                      </a:prstGeom>
+                      <a:noFill/>
+                      <a:extLst>
+                        <a:ext uri="{909E8E84-426E-40DD-AFC4-6F175D3DCCD1}">
+                          <a14:hiddenFill xmlns:a14="http://schemas.microsoft.com/office/drawing/2010/main">
+                            <a:solidFill>
+                              <a:srgbClr val="FFFFFF"/>
+                            </a:solidFill>
+                          </a14:hiddenFill>
+                        </a:ext>
+                      </a:extLst>
+                    </p:spPr>
+                  </p:pic>
+                </p:oleObj>
+              </mc:Fallback>
+            </mc:AlternateContent>
           </a:graphicData>
         </a:graphic>
       </p:graphicFrame>
     </p:spTree>
     <p:extLst>
       <p:ext uri="{BB962C8B-B14F-4D97-AF65-F5344CB8AC3E}">
-        <p14:creationId xmlns:p14="http://schemas.microsoft.com/office/powerpoint/2010/main" xmlns="" val="2882679318"/>
+        <p14:creationId xmlns:p14="http://schemas.microsoft.com/office/powerpoint/2010/main" val="2882679318"/>
       </p:ext>
     </p:extLst>
   </p:cSld>
@@ -13899,7 +13851,7 @@
     </p:spTree>
     <p:extLst>
       <p:ext uri="{BB962C8B-B14F-4D97-AF65-F5344CB8AC3E}">
-        <p14:creationId xmlns:p14="http://schemas.microsoft.com/office/powerpoint/2010/main" xmlns="" val="3508075851"/>
+        <p14:creationId xmlns:p14="http://schemas.microsoft.com/office/powerpoint/2010/main" val="3508075851"/>
       </p:ext>
     </p:extLst>
   </p:cSld>
@@ -13978,27 +13930,71 @@
           <p:nvPr>
             <p:extLst>
               <p:ext uri="{D42A27DB-BD31-4B8C-83A1-F6EECF244321}">
-                <p14:modId xmlns:p14="http://schemas.microsoft.com/office/powerpoint/2010/main" xmlns="" val="1563092936"/>
+                <p14:modId xmlns:p14="http://schemas.microsoft.com/office/powerpoint/2010/main" val="1850489401"/>
               </p:ext>
             </p:extLst>
           </p:nvPr>
         </p:nvGraphicFramePr>
         <p:xfrm>
-          <a:off x="-1127125" y="1611313"/>
-          <a:ext cx="6599238" cy="2098675"/>
+          <a:off x="241300" y="1193800"/>
+          <a:ext cx="3860800" cy="2935288"/>
         </p:xfrm>
         <a:graphic>
           <a:graphicData uri="http://schemas.openxmlformats.org/presentationml/2006/ole">
-            <p:oleObj spid="_x0000_s1032" name="Worksheet" r:id="rId3" imgW="6610423" imgH="2104920" progId="Excel.Sheet.8">
-              <p:link updateAutomatic="1"/>
-            </p:oleObj>
+            <mc:AlternateContent xmlns:mc="http://schemas.openxmlformats.org/markup-compatibility/2006">
+              <mc:Choice xmlns:v="urn:schemas-microsoft-com:vml" Requires="v">
+                <p:oleObj spid="_x0000_s1033" name="워크시트" r:id="rId3" imgW="3867285" imgH="2943225" progId="Excel.Sheet.12">
+                  <p:link updateAutomatic="1"/>
+                </p:oleObj>
+              </mc:Choice>
+              <mc:Fallback>
+                <p:oleObj name="워크시트" r:id="rId3" imgW="3867285" imgH="2943225" progId="Excel.Sheet.12">
+                  <p:link updateAutomatic="1"/>
+                  <p:pic>
+                    <p:nvPicPr>
+                      <p:cNvPr id="0" name="Picture 8"/>
+                      <p:cNvPicPr>
+                        <a:picLocks noChangeAspect="1" noChangeArrowheads="1"/>
+                      </p:cNvPicPr>
+                      <p:nvPr/>
+                    </p:nvPicPr>
+                    <p:blipFill>
+                      <a:blip r:embed="rId4"/>
+                      <a:srcRect/>
+                      <a:stretch>
+                        <a:fillRect/>
+                      </a:stretch>
+                    </p:blipFill>
+                    <p:spPr bwMode="auto">
+                      <a:xfrm>
+                        <a:off x="241300" y="1193800"/>
+                        <a:ext cx="3860800" cy="2935288"/>
+                      </a:xfrm>
+                      <a:prstGeom prst="rect">
+                        <a:avLst/>
+                      </a:prstGeom>
+                      <a:noFill/>
+                      <a:extLst>
+                        <a:ext uri="{909E8E84-426E-40DD-AFC4-6F175D3DCCD1}">
+                          <a14:hiddenFill xmlns:a14="http://schemas.microsoft.com/office/drawing/2010/main">
+                            <a:solidFill>
+                              <a:srgbClr val="FFFFFF"/>
+                            </a:solidFill>
+                          </a14:hiddenFill>
+                        </a:ext>
+                      </a:extLst>
+                    </p:spPr>
+                  </p:pic>
+                </p:oleObj>
+              </mc:Fallback>
+            </mc:AlternateContent>
           </a:graphicData>
         </a:graphic>
       </p:graphicFrame>
     </p:spTree>
     <p:extLst>
       <p:ext uri="{BB962C8B-B14F-4D97-AF65-F5344CB8AC3E}">
-        <p14:creationId xmlns:p14="http://schemas.microsoft.com/office/powerpoint/2010/main" xmlns="" val="4289008472"/>
+        <p14:creationId xmlns:p14="http://schemas.microsoft.com/office/powerpoint/2010/main" val="4289008472"/>
       </p:ext>
     </p:extLst>
   </p:cSld>
